--- a/img/Figure_editing.pptx
+++ b/img/Figure_editing.pptx
@@ -6,6 +6,16 @@
   </p:sldMasterIdLst>
   <p:sldIdLst>
     <p:sldId id="256" r:id="rId2"/>
+    <p:sldId id="257" r:id="rId3"/>
+    <p:sldId id="265" r:id="rId4"/>
+    <p:sldId id="258" r:id="rId5"/>
+    <p:sldId id="266" r:id="rId6"/>
+    <p:sldId id="259" r:id="rId7"/>
+    <p:sldId id="263" r:id="rId8"/>
+    <p:sldId id="264" r:id="rId9"/>
+    <p:sldId id="260" r:id="rId10"/>
+    <p:sldId id="261" r:id="rId11"/>
+    <p:sldId id="262" r:id="rId12"/>
   </p:sldIdLst>
   <p:sldSz cx="12192000" cy="6858000"/>
   <p:notesSz cx="6858000" cy="9144000"/>
@@ -104,6 +114,11 @@
       </a:defRPr>
     </a:lvl9pPr>
   </p:defaultTextStyle>
+  <p:extLst>
+    <p:ext uri="{EFAFB233-063F-42B5-8137-9DF3F51BA10A}">
+      <p15:sldGuideLst xmlns:p15="http://schemas.microsoft.com/office/powerpoint/2012/main"/>
+    </p:ext>
+  </p:extLst>
 </p:presentation>
 </file>
 
@@ -3379,6 +3394,1240 @@
 </p:sld>
 </file>
 
+<file path=ppt/slides/slide10.xml><?xml version="1.0" encoding="utf-8"?>
+<p:sld xmlns:a="http://schemas.openxmlformats.org/drawingml/2006/main" xmlns:r="http://schemas.openxmlformats.org/officeDocument/2006/relationships" xmlns:p="http://schemas.openxmlformats.org/presentationml/2006/main">
+  <p:cSld>
+    <p:spTree>
+      <p:nvGrpSpPr>
+        <p:cNvPr id="1" name=""/>
+        <p:cNvGrpSpPr/>
+        <p:nvPr/>
+      </p:nvGrpSpPr>
+      <p:grpSpPr>
+        <a:xfrm>
+          <a:off x="0" y="0"/>
+          <a:ext cx="0" cy="0"/>
+          <a:chOff x="0" y="0"/>
+          <a:chExt cx="0" cy="0"/>
+        </a:xfrm>
+      </p:grpSpPr>
+      <p:pic>
+        <p:nvPicPr>
+          <p:cNvPr id="8" name="Picture 7">
+            <a:extLst>
+              <a:ext uri="{FF2B5EF4-FFF2-40B4-BE49-F238E27FC236}">
+                <a16:creationId xmlns:a16="http://schemas.microsoft.com/office/drawing/2014/main" id="{2535CD68-1565-7D96-590E-AFDB936E6C6A}"/>
+              </a:ext>
+            </a:extLst>
+          </p:cNvPr>
+          <p:cNvPicPr>
+            <a:picLocks noChangeAspect="1"/>
+          </p:cNvPicPr>
+          <p:nvPr/>
+        </p:nvPicPr>
+        <p:blipFill>
+          <a:blip r:embed="rId2"/>
+          <a:stretch>
+            <a:fillRect/>
+          </a:stretch>
+        </p:blipFill>
+        <p:spPr>
+          <a:xfrm>
+            <a:off x="1512596" y="1304820"/>
+            <a:ext cx="2819794" cy="1505160"/>
+          </a:xfrm>
+          <a:prstGeom prst="rect">
+            <a:avLst/>
+          </a:prstGeom>
+        </p:spPr>
+      </p:pic>
+      <p:pic>
+        <p:nvPicPr>
+          <p:cNvPr id="4104" name="Picture 8">
+            <a:extLst>
+              <a:ext uri="{FF2B5EF4-FFF2-40B4-BE49-F238E27FC236}">
+                <a16:creationId xmlns:a16="http://schemas.microsoft.com/office/drawing/2014/main" id="{EFC9BF4C-EAF3-9AD1-B80A-B68C12B7D727}"/>
+              </a:ext>
+            </a:extLst>
+          </p:cNvPr>
+          <p:cNvPicPr>
+            <a:picLocks noChangeAspect="1" noChangeArrowheads="1"/>
+          </p:cNvPicPr>
+          <p:nvPr/>
+        </p:nvPicPr>
+        <p:blipFill>
+          <a:blip r:embed="rId3">
+            <a:extLst>
+              <a:ext uri="{28A0092B-C50C-407E-A947-70E740481C1C}">
+                <a14:useLocalDpi xmlns:a14="http://schemas.microsoft.com/office/drawing/2010/main" val="0"/>
+              </a:ext>
+            </a:extLst>
+          </a:blip>
+          <a:srcRect/>
+          <a:stretch>
+            <a:fillRect/>
+          </a:stretch>
+        </p:blipFill>
+        <p:spPr bwMode="auto">
+          <a:xfrm>
+            <a:off x="5644124" y="1233487"/>
+            <a:ext cx="5457825" cy="1647825"/>
+          </a:xfrm>
+          <a:prstGeom prst="rect">
+            <a:avLst/>
+          </a:prstGeom>
+          <a:noFill/>
+          <a:extLst>
+            <a:ext uri="{909E8E84-426E-40DD-AFC4-6F175D3DCCD1}">
+              <a14:hiddenFill xmlns:a14="http://schemas.microsoft.com/office/drawing/2010/main">
+                <a:solidFill>
+                  <a:srgbClr val="FFFFFF"/>
+                </a:solidFill>
+              </a14:hiddenFill>
+            </a:ext>
+          </a:extLst>
+        </p:spPr>
+      </p:pic>
+      <p:pic>
+        <p:nvPicPr>
+          <p:cNvPr id="4106" name="Picture 10" descr="ECE Logos - Elmore Family School of Electrical and Computer Engineering -  Purdue University">
+            <a:extLst>
+              <a:ext uri="{FF2B5EF4-FFF2-40B4-BE49-F238E27FC236}">
+                <a16:creationId xmlns:a16="http://schemas.microsoft.com/office/drawing/2014/main" id="{3E55A451-32F7-0348-5485-E3BCF5F9FB17}"/>
+              </a:ext>
+            </a:extLst>
+          </p:cNvPr>
+          <p:cNvPicPr>
+            <a:picLocks noChangeAspect="1" noChangeArrowheads="1"/>
+          </p:cNvPicPr>
+          <p:nvPr/>
+        </p:nvPicPr>
+        <p:blipFill>
+          <a:blip r:embed="rId4">
+            <a:extLst>
+              <a:ext uri="{28A0092B-C50C-407E-A947-70E740481C1C}">
+                <a14:useLocalDpi xmlns:a14="http://schemas.microsoft.com/office/drawing/2010/main" val="0"/>
+              </a:ext>
+            </a:extLst>
+          </a:blip>
+          <a:srcRect/>
+          <a:stretch>
+            <a:fillRect/>
+          </a:stretch>
+        </p:blipFill>
+        <p:spPr bwMode="auto">
+          <a:xfrm>
+            <a:off x="802341" y="3665725"/>
+            <a:ext cx="3810000" cy="2466975"/>
+          </a:xfrm>
+          <a:prstGeom prst="rect">
+            <a:avLst/>
+          </a:prstGeom>
+          <a:noFill/>
+          <a:extLst>
+            <a:ext uri="{909E8E84-426E-40DD-AFC4-6F175D3DCCD1}">
+              <a14:hiddenFill xmlns:a14="http://schemas.microsoft.com/office/drawing/2010/main">
+                <a:solidFill>
+                  <a:srgbClr val="FFFFFF"/>
+                </a:solidFill>
+              </a14:hiddenFill>
+            </a:ext>
+          </a:extLst>
+        </p:spPr>
+      </p:pic>
+      <p:pic>
+        <p:nvPicPr>
+          <p:cNvPr id="4110" name="Picture 14">
+            <a:extLst>
+              <a:ext uri="{FF2B5EF4-FFF2-40B4-BE49-F238E27FC236}">
+                <a16:creationId xmlns:a16="http://schemas.microsoft.com/office/drawing/2014/main" id="{A25F537A-6DD0-3154-732D-E13CC9EAC7E1}"/>
+              </a:ext>
+            </a:extLst>
+          </p:cNvPr>
+          <p:cNvPicPr>
+            <a:picLocks noChangeAspect="1" noChangeArrowheads="1"/>
+          </p:cNvPicPr>
+          <p:nvPr/>
+        </p:nvPicPr>
+        <p:blipFill>
+          <a:blip r:embed="rId5">
+            <a:extLst>
+              <a:ext uri="{28A0092B-C50C-407E-A947-70E740481C1C}">
+                <a14:useLocalDpi xmlns:a14="http://schemas.microsoft.com/office/drawing/2010/main" val="0"/>
+              </a:ext>
+            </a:extLst>
+          </a:blip>
+          <a:srcRect/>
+          <a:stretch>
+            <a:fillRect/>
+          </a:stretch>
+        </p:blipFill>
+        <p:spPr bwMode="auto">
+          <a:xfrm>
+            <a:off x="5644124" y="3976689"/>
+            <a:ext cx="5457825" cy="1630241"/>
+          </a:xfrm>
+          <a:prstGeom prst="rect">
+            <a:avLst/>
+          </a:prstGeom>
+          <a:noFill/>
+          <a:extLst>
+            <a:ext uri="{909E8E84-426E-40DD-AFC4-6F175D3DCCD1}">
+              <a14:hiddenFill xmlns:a14="http://schemas.microsoft.com/office/drawing/2010/main">
+                <a:solidFill>
+                  <a:srgbClr val="FFFFFF"/>
+                </a:solidFill>
+              </a14:hiddenFill>
+            </a:ext>
+          </a:extLst>
+        </p:spPr>
+      </p:pic>
+    </p:spTree>
+    <p:extLst>
+      <p:ext uri="{BB962C8B-B14F-4D97-AF65-F5344CB8AC3E}">
+        <p14:creationId xmlns:p14="http://schemas.microsoft.com/office/powerpoint/2010/main" val="1703366277"/>
+      </p:ext>
+    </p:extLst>
+  </p:cSld>
+  <p:clrMapOvr>
+    <a:masterClrMapping/>
+  </p:clrMapOvr>
+</p:sld>
+</file>
+
+<file path=ppt/slides/slide11.xml><?xml version="1.0" encoding="utf-8"?>
+<p:sld xmlns:a="http://schemas.openxmlformats.org/drawingml/2006/main" xmlns:r="http://schemas.openxmlformats.org/officeDocument/2006/relationships" xmlns:p="http://schemas.openxmlformats.org/presentationml/2006/main">
+  <p:cSld>
+    <p:spTree>
+      <p:nvGrpSpPr>
+        <p:cNvPr id="1" name=""/>
+        <p:cNvGrpSpPr/>
+        <p:nvPr/>
+      </p:nvGrpSpPr>
+      <p:grpSpPr>
+        <a:xfrm>
+          <a:off x="0" y="0"/>
+          <a:ext cx="0" cy="0"/>
+          <a:chOff x="0" y="0"/>
+          <a:chExt cx="0" cy="0"/>
+        </a:xfrm>
+      </p:grpSpPr>
+      <p:pic>
+        <p:nvPicPr>
+          <p:cNvPr id="4" name="Picture 12" descr="Thanks to Purdue Mechanical Engineering – Purdue Formula SAE">
+            <a:extLst>
+              <a:ext uri="{FF2B5EF4-FFF2-40B4-BE49-F238E27FC236}">
+                <a16:creationId xmlns:a16="http://schemas.microsoft.com/office/drawing/2014/main" id="{E7BAACC7-BF9D-9B0A-91AD-F08B998AFEF4}"/>
+              </a:ext>
+            </a:extLst>
+          </p:cNvPr>
+          <p:cNvPicPr>
+            <a:picLocks noChangeAspect="1" noChangeArrowheads="1"/>
+          </p:cNvPicPr>
+          <p:nvPr/>
+        </p:nvPicPr>
+        <p:blipFill>
+          <a:blip r:embed="rId2">
+            <a:extLst>
+              <a:ext uri="{28A0092B-C50C-407E-A947-70E740481C1C}">
+                <a14:useLocalDpi xmlns:a14="http://schemas.microsoft.com/office/drawing/2010/main" val="0"/>
+              </a:ext>
+            </a:extLst>
+          </a:blip>
+          <a:srcRect/>
+          <a:stretch>
+            <a:fillRect/>
+          </a:stretch>
+        </p:blipFill>
+        <p:spPr bwMode="auto">
+          <a:xfrm>
+            <a:off x="129988" y="216413"/>
+            <a:ext cx="5245698" cy="3278561"/>
+          </a:xfrm>
+          <a:prstGeom prst="rect">
+            <a:avLst/>
+          </a:prstGeom>
+          <a:noFill/>
+          <a:extLst>
+            <a:ext uri="{909E8E84-426E-40DD-AFC4-6F175D3DCCD1}">
+              <a14:hiddenFill xmlns:a14="http://schemas.microsoft.com/office/drawing/2010/main">
+                <a:solidFill>
+                  <a:srgbClr val="FFFFFF"/>
+                </a:solidFill>
+              </a14:hiddenFill>
+            </a:ext>
+          </a:extLst>
+        </p:spPr>
+      </p:pic>
+      <p:pic>
+        <p:nvPicPr>
+          <p:cNvPr id="5122" name="Picture 2" descr="ME 463 - Engineering Design - Purdue University Mechanical Engineering">
+            <a:extLst>
+              <a:ext uri="{FF2B5EF4-FFF2-40B4-BE49-F238E27FC236}">
+                <a16:creationId xmlns:a16="http://schemas.microsoft.com/office/drawing/2014/main" id="{78E201B6-741E-E643-70BE-D11602328578}"/>
+              </a:ext>
+            </a:extLst>
+          </p:cNvPr>
+          <p:cNvPicPr>
+            <a:picLocks noChangeAspect="1" noChangeArrowheads="1"/>
+          </p:cNvPicPr>
+          <p:nvPr/>
+        </p:nvPicPr>
+        <p:blipFill>
+          <a:blip r:embed="rId3">
+            <a:extLst>
+              <a:ext uri="{28A0092B-C50C-407E-A947-70E740481C1C}">
+                <a14:useLocalDpi xmlns:a14="http://schemas.microsoft.com/office/drawing/2010/main" val="0"/>
+              </a:ext>
+            </a:extLst>
+          </a:blip>
+          <a:srcRect/>
+          <a:stretch>
+            <a:fillRect/>
+          </a:stretch>
+        </p:blipFill>
+        <p:spPr bwMode="auto">
+          <a:xfrm>
+            <a:off x="5871883" y="358588"/>
+            <a:ext cx="5824358" cy="2778219"/>
+          </a:xfrm>
+          <a:prstGeom prst="rect">
+            <a:avLst/>
+          </a:prstGeom>
+          <a:noFill/>
+          <a:extLst>
+            <a:ext uri="{909E8E84-426E-40DD-AFC4-6F175D3DCCD1}">
+              <a14:hiddenFill xmlns:a14="http://schemas.microsoft.com/office/drawing/2010/main">
+                <a:solidFill>
+                  <a:srgbClr val="FFFFFF"/>
+                </a:solidFill>
+              </a14:hiddenFill>
+            </a:ext>
+          </a:extLst>
+        </p:spPr>
+      </p:pic>
+      <p:pic>
+        <p:nvPicPr>
+          <p:cNvPr id="5124" name="Picture 4" descr="LAB - Purdue University Mechanical Engineering">
+            <a:extLst>
+              <a:ext uri="{FF2B5EF4-FFF2-40B4-BE49-F238E27FC236}">
+                <a16:creationId xmlns:a16="http://schemas.microsoft.com/office/drawing/2014/main" id="{79603878-976F-02C3-9A4A-23B09FC98E2F}"/>
+              </a:ext>
+            </a:extLst>
+          </p:cNvPr>
+          <p:cNvPicPr>
+            <a:picLocks noChangeAspect="1" noChangeArrowheads="1"/>
+          </p:cNvPicPr>
+          <p:nvPr/>
+        </p:nvPicPr>
+        <p:blipFill>
+          <a:blip r:embed="rId4">
+            <a:extLst>
+              <a:ext uri="{28A0092B-C50C-407E-A947-70E740481C1C}">
+                <a14:useLocalDpi xmlns:a14="http://schemas.microsoft.com/office/drawing/2010/main" val="0"/>
+              </a:ext>
+            </a:extLst>
+          </a:blip>
+          <a:srcRect/>
+          <a:stretch>
+            <a:fillRect/>
+          </a:stretch>
+        </p:blipFill>
+        <p:spPr bwMode="auto">
+          <a:xfrm>
+            <a:off x="537882" y="3353428"/>
+            <a:ext cx="4667068" cy="3355815"/>
+          </a:xfrm>
+          <a:prstGeom prst="rect">
+            <a:avLst/>
+          </a:prstGeom>
+          <a:noFill/>
+          <a:extLst>
+            <a:ext uri="{909E8E84-426E-40DD-AFC4-6F175D3DCCD1}">
+              <a14:hiddenFill xmlns:a14="http://schemas.microsoft.com/office/drawing/2010/main">
+                <a:solidFill>
+                  <a:srgbClr val="FFFFFF"/>
+                </a:solidFill>
+              </a14:hiddenFill>
+            </a:ext>
+          </a:extLst>
+        </p:spPr>
+      </p:pic>
+      <p:pic>
+        <p:nvPicPr>
+          <p:cNvPr id="5126" name="Picture 6" descr="Purdue Mechanical Engineering Sticker">
+            <a:extLst>
+              <a:ext uri="{FF2B5EF4-FFF2-40B4-BE49-F238E27FC236}">
+                <a16:creationId xmlns:a16="http://schemas.microsoft.com/office/drawing/2014/main" id="{F0F67FFB-743D-F39C-3D82-649600CA9CE9}"/>
+              </a:ext>
+            </a:extLst>
+          </p:cNvPr>
+          <p:cNvPicPr>
+            <a:picLocks noChangeAspect="1" noChangeArrowheads="1"/>
+          </p:cNvPicPr>
+          <p:nvPr/>
+        </p:nvPicPr>
+        <p:blipFill rotWithShape="1">
+          <a:blip r:embed="rId5">
+            <a:extLst>
+              <a:ext uri="{28A0092B-C50C-407E-A947-70E740481C1C}">
+                <a14:useLocalDpi xmlns:a14="http://schemas.microsoft.com/office/drawing/2010/main" val="0"/>
+              </a:ext>
+            </a:extLst>
+          </a:blip>
+          <a:srcRect l="19049" t="21765" r="18206" b="20392"/>
+          <a:stretch/>
+        </p:blipFill>
+        <p:spPr bwMode="auto">
+          <a:xfrm>
+            <a:off x="7458635" y="3721194"/>
+            <a:ext cx="2868706" cy="2644589"/>
+          </a:xfrm>
+          <a:prstGeom prst="rect">
+            <a:avLst/>
+          </a:prstGeom>
+          <a:noFill/>
+          <a:extLst>
+            <a:ext uri="{909E8E84-426E-40DD-AFC4-6F175D3DCCD1}">
+              <a14:hiddenFill xmlns:a14="http://schemas.microsoft.com/office/drawing/2010/main">
+                <a:solidFill>
+                  <a:srgbClr val="FFFFFF"/>
+                </a:solidFill>
+              </a14:hiddenFill>
+            </a:ext>
+          </a:extLst>
+        </p:spPr>
+      </p:pic>
+    </p:spTree>
+    <p:extLst>
+      <p:ext uri="{BB962C8B-B14F-4D97-AF65-F5344CB8AC3E}">
+        <p14:creationId xmlns:p14="http://schemas.microsoft.com/office/powerpoint/2010/main" val="1993680712"/>
+      </p:ext>
+    </p:extLst>
+  </p:cSld>
+  <p:clrMapOvr>
+    <a:masterClrMapping/>
+  </p:clrMapOvr>
+</p:sld>
+</file>
+
+<file path=ppt/slides/slide2.xml><?xml version="1.0" encoding="utf-8"?>
+<p:sld xmlns:a="http://schemas.openxmlformats.org/drawingml/2006/main" xmlns:r="http://schemas.openxmlformats.org/officeDocument/2006/relationships" xmlns:p="http://schemas.openxmlformats.org/presentationml/2006/main">
+  <p:cSld>
+    <p:spTree>
+      <p:nvGrpSpPr>
+        <p:cNvPr id="1" name=""/>
+        <p:cNvGrpSpPr/>
+        <p:nvPr/>
+      </p:nvGrpSpPr>
+      <p:grpSpPr>
+        <a:xfrm>
+          <a:off x="0" y="0"/>
+          <a:ext cx="0" cy="0"/>
+          <a:chOff x="0" y="0"/>
+          <a:chExt cx="0" cy="0"/>
+        </a:xfrm>
+      </p:grpSpPr>
+      <p:pic>
+        <p:nvPicPr>
+          <p:cNvPr id="1026" name="Picture 2" descr="Media">
+            <a:extLst>
+              <a:ext uri="{FF2B5EF4-FFF2-40B4-BE49-F238E27FC236}">
+                <a16:creationId xmlns:a16="http://schemas.microsoft.com/office/drawing/2014/main" id="{64A422B5-4813-52D6-84EF-179164778DCC}"/>
+              </a:ext>
+            </a:extLst>
+          </p:cNvPr>
+          <p:cNvPicPr>
+            <a:picLocks noChangeAspect="1" noChangeArrowheads="1"/>
+          </p:cNvPicPr>
+          <p:nvPr/>
+        </p:nvPicPr>
+        <p:blipFill>
+          <a:blip r:embed="rId2">
+            <a:extLst>
+              <a:ext uri="{28A0092B-C50C-407E-A947-70E740481C1C}">
+                <a14:useLocalDpi xmlns:a14="http://schemas.microsoft.com/office/drawing/2010/main" val="0"/>
+              </a:ext>
+            </a:extLst>
+          </a:blip>
+          <a:srcRect/>
+          <a:stretch>
+            <a:fillRect/>
+          </a:stretch>
+        </p:blipFill>
+        <p:spPr bwMode="auto">
+          <a:xfrm>
+            <a:off x="4191000" y="2814637"/>
+            <a:ext cx="3810000" cy="1228725"/>
+          </a:xfrm>
+          <a:prstGeom prst="rect">
+            <a:avLst/>
+          </a:prstGeom>
+          <a:noFill/>
+          <a:extLst>
+            <a:ext uri="{909E8E84-426E-40DD-AFC4-6F175D3DCCD1}">
+              <a14:hiddenFill xmlns:a14="http://schemas.microsoft.com/office/drawing/2010/main">
+                <a:solidFill>
+                  <a:srgbClr val="FFFFFF"/>
+                </a:solidFill>
+              </a14:hiddenFill>
+            </a:ext>
+          </a:extLst>
+        </p:spPr>
+      </p:pic>
+    </p:spTree>
+    <p:extLst>
+      <p:ext uri="{BB962C8B-B14F-4D97-AF65-F5344CB8AC3E}">
+        <p14:creationId xmlns:p14="http://schemas.microsoft.com/office/powerpoint/2010/main" val="1937245429"/>
+      </p:ext>
+    </p:extLst>
+  </p:cSld>
+  <p:clrMapOvr>
+    <a:masterClrMapping/>
+  </p:clrMapOvr>
+</p:sld>
+</file>
+
+<file path=ppt/slides/slide3.xml><?xml version="1.0" encoding="utf-8"?>
+<p:sld xmlns:a="http://schemas.openxmlformats.org/drawingml/2006/main" xmlns:r="http://schemas.openxmlformats.org/officeDocument/2006/relationships" xmlns:p="http://schemas.openxmlformats.org/presentationml/2006/main">
+  <p:cSld>
+    <p:spTree>
+      <p:nvGrpSpPr>
+        <p:cNvPr id="1" name=""/>
+        <p:cNvGrpSpPr/>
+        <p:nvPr/>
+      </p:nvGrpSpPr>
+      <p:grpSpPr>
+        <a:xfrm>
+          <a:off x="0" y="0"/>
+          <a:ext cx="0" cy="0"/>
+          <a:chOff x="0" y="0"/>
+          <a:chExt cx="0" cy="0"/>
+        </a:xfrm>
+      </p:grpSpPr>
+      <p:pic>
+        <p:nvPicPr>
+          <p:cNvPr id="8194" name="Picture 2" descr="Home | tmfcenter">
+            <a:extLst>
+              <a:ext uri="{FF2B5EF4-FFF2-40B4-BE49-F238E27FC236}">
+                <a16:creationId xmlns:a16="http://schemas.microsoft.com/office/drawing/2014/main" id="{2529BA0A-6B07-4B1C-317A-71411AFAA453}"/>
+              </a:ext>
+            </a:extLst>
+          </p:cNvPr>
+          <p:cNvPicPr>
+            <a:picLocks noChangeAspect="1" noChangeArrowheads="1"/>
+          </p:cNvPicPr>
+          <p:nvPr/>
+        </p:nvPicPr>
+        <p:blipFill>
+          <a:blip r:embed="rId2">
+            <a:extLst>
+              <a:ext uri="{28A0092B-C50C-407E-A947-70E740481C1C}">
+                <a14:useLocalDpi xmlns:a14="http://schemas.microsoft.com/office/drawing/2010/main" val="0"/>
+              </a:ext>
+            </a:extLst>
+          </a:blip>
+          <a:srcRect/>
+          <a:stretch>
+            <a:fillRect/>
+          </a:stretch>
+        </p:blipFill>
+        <p:spPr bwMode="auto">
+          <a:xfrm>
+            <a:off x="4953000" y="2286000"/>
+            <a:ext cx="2286000" cy="2286000"/>
+          </a:xfrm>
+          <a:prstGeom prst="rect">
+            <a:avLst/>
+          </a:prstGeom>
+          <a:noFill/>
+          <a:extLst>
+            <a:ext uri="{909E8E84-426E-40DD-AFC4-6F175D3DCCD1}">
+              <a14:hiddenFill xmlns:a14="http://schemas.microsoft.com/office/drawing/2010/main">
+                <a:solidFill>
+                  <a:srgbClr val="FFFFFF"/>
+                </a:solidFill>
+              </a14:hiddenFill>
+            </a:ext>
+          </a:extLst>
+        </p:spPr>
+      </p:pic>
+    </p:spTree>
+    <p:extLst>
+      <p:ext uri="{BB962C8B-B14F-4D97-AF65-F5344CB8AC3E}">
+        <p14:creationId xmlns:p14="http://schemas.microsoft.com/office/powerpoint/2010/main" val="4062214990"/>
+      </p:ext>
+    </p:extLst>
+  </p:cSld>
+  <p:clrMapOvr>
+    <a:masterClrMapping/>
+  </p:clrMapOvr>
+</p:sld>
+</file>
+
+<file path=ppt/slides/slide4.xml><?xml version="1.0" encoding="utf-8"?>
+<p:sld xmlns:a="http://schemas.openxmlformats.org/drawingml/2006/main" xmlns:r="http://schemas.openxmlformats.org/officeDocument/2006/relationships" xmlns:p="http://schemas.openxmlformats.org/presentationml/2006/main">
+  <p:cSld>
+    <p:spTree>
+      <p:nvGrpSpPr>
+        <p:cNvPr id="1" name=""/>
+        <p:cNvGrpSpPr/>
+        <p:nvPr/>
+      </p:nvGrpSpPr>
+      <p:grpSpPr>
+        <a:xfrm>
+          <a:off x="0" y="0"/>
+          <a:ext cx="0" cy="0"/>
+          <a:chOff x="0" y="0"/>
+          <a:chExt cx="0" cy="0"/>
+        </a:xfrm>
+      </p:grpSpPr>
+      <p:pic>
+        <p:nvPicPr>
+          <p:cNvPr id="1026" name="Picture 2" descr="HCN-6000">
+            <a:extLst>
+              <a:ext uri="{FF2B5EF4-FFF2-40B4-BE49-F238E27FC236}">
+                <a16:creationId xmlns:a16="http://schemas.microsoft.com/office/drawing/2014/main" id="{35969712-1F83-8560-ADE1-5C318C60C71E}"/>
+              </a:ext>
+            </a:extLst>
+          </p:cNvPr>
+          <p:cNvPicPr>
+            <a:picLocks noChangeAspect="1" noChangeArrowheads="1"/>
+          </p:cNvPicPr>
+          <p:nvPr/>
+        </p:nvPicPr>
+        <p:blipFill>
+          <a:blip r:embed="rId2">
+            <a:extLst>
+              <a:ext uri="{28A0092B-C50C-407E-A947-70E740481C1C}">
+                <a14:useLocalDpi xmlns:a14="http://schemas.microsoft.com/office/drawing/2010/main" val="0"/>
+              </a:ext>
+            </a:extLst>
+          </a:blip>
+          <a:srcRect/>
+          <a:stretch>
+            <a:fillRect/>
+          </a:stretch>
+        </p:blipFill>
+        <p:spPr bwMode="auto">
+          <a:xfrm>
+            <a:off x="2286000" y="571500"/>
+            <a:ext cx="7620000" cy="5715000"/>
+          </a:xfrm>
+          <a:prstGeom prst="rect">
+            <a:avLst/>
+          </a:prstGeom>
+          <a:noFill/>
+          <a:extLst>
+            <a:ext uri="{909E8E84-426E-40DD-AFC4-6F175D3DCCD1}">
+              <a14:hiddenFill xmlns:a14="http://schemas.microsoft.com/office/drawing/2010/main">
+                <a:solidFill>
+                  <a:srgbClr val="FFFFFF"/>
+                </a:solidFill>
+              </a14:hiddenFill>
+            </a:ext>
+          </a:extLst>
+        </p:spPr>
+      </p:pic>
+    </p:spTree>
+    <p:extLst>
+      <p:ext uri="{BB962C8B-B14F-4D97-AF65-F5344CB8AC3E}">
+        <p14:creationId xmlns:p14="http://schemas.microsoft.com/office/powerpoint/2010/main" val="642935670"/>
+      </p:ext>
+    </p:extLst>
+  </p:cSld>
+  <p:clrMapOvr>
+    <a:masterClrMapping/>
+  </p:clrMapOvr>
+</p:sld>
+</file>
+
+<file path=ppt/slides/slide5.xml><?xml version="1.0" encoding="utf-8"?>
+<p:sld xmlns:a="http://schemas.openxmlformats.org/drawingml/2006/main" xmlns:r="http://schemas.openxmlformats.org/officeDocument/2006/relationships" xmlns:p="http://schemas.openxmlformats.org/presentationml/2006/main">
+  <p:cSld>
+    <p:spTree>
+      <p:nvGrpSpPr>
+        <p:cNvPr id="1" name=""/>
+        <p:cNvGrpSpPr/>
+        <p:nvPr/>
+      </p:nvGrpSpPr>
+      <p:grpSpPr>
+        <a:xfrm>
+          <a:off x="0" y="0"/>
+          <a:ext cx="0" cy="0"/>
+          <a:chOff x="0" y="0"/>
+          <a:chExt cx="0" cy="0"/>
+        </a:xfrm>
+      </p:grpSpPr>
+      <p:pic>
+        <p:nvPicPr>
+          <p:cNvPr id="9218" name="Picture 2" descr="VF-14/50 - Haas Automation UK 50-taper vertical machining centres">
+            <a:extLst>
+              <a:ext uri="{FF2B5EF4-FFF2-40B4-BE49-F238E27FC236}">
+                <a16:creationId xmlns:a16="http://schemas.microsoft.com/office/drawing/2014/main" id="{EDAB0A62-29A0-1044-8848-E4C6BBE5A4FC}"/>
+              </a:ext>
+            </a:extLst>
+          </p:cNvPr>
+          <p:cNvPicPr>
+            <a:picLocks noChangeAspect="1" noChangeArrowheads="1"/>
+          </p:cNvPicPr>
+          <p:nvPr/>
+        </p:nvPicPr>
+        <p:blipFill>
+          <a:blip r:embed="rId2">
+            <a:extLst>
+              <a:ext uri="{28A0092B-C50C-407E-A947-70E740481C1C}">
+                <a14:useLocalDpi xmlns:a14="http://schemas.microsoft.com/office/drawing/2010/main" val="0"/>
+              </a:ext>
+            </a:extLst>
+          </a:blip>
+          <a:srcRect/>
+          <a:stretch>
+            <a:fillRect/>
+          </a:stretch>
+        </p:blipFill>
+        <p:spPr bwMode="auto">
+          <a:xfrm>
+            <a:off x="2638610" y="1237129"/>
+            <a:ext cx="5546165" cy="4159624"/>
+          </a:xfrm>
+          <a:prstGeom prst="rect">
+            <a:avLst/>
+          </a:prstGeom>
+          <a:noFill/>
+          <a:extLst>
+            <a:ext uri="{909E8E84-426E-40DD-AFC4-6F175D3DCCD1}">
+              <a14:hiddenFill xmlns:a14="http://schemas.microsoft.com/office/drawing/2010/main">
+                <a:solidFill>
+                  <a:srgbClr val="FFFFFF"/>
+                </a:solidFill>
+              </a14:hiddenFill>
+            </a:ext>
+          </a:extLst>
+        </p:spPr>
+      </p:pic>
+    </p:spTree>
+    <p:extLst>
+      <p:ext uri="{BB962C8B-B14F-4D97-AF65-F5344CB8AC3E}">
+        <p14:creationId xmlns:p14="http://schemas.microsoft.com/office/powerpoint/2010/main" val="2995952642"/>
+      </p:ext>
+    </p:extLst>
+  </p:cSld>
+  <p:clrMapOvr>
+    <a:masterClrMapping/>
+  </p:clrMapOvr>
+</p:sld>
+</file>
+
+<file path=ppt/slides/slide6.xml><?xml version="1.0" encoding="utf-8"?>
+<p:sld xmlns:a="http://schemas.openxmlformats.org/drawingml/2006/main" xmlns:r="http://schemas.openxmlformats.org/officeDocument/2006/relationships" xmlns:p="http://schemas.openxmlformats.org/presentationml/2006/main">
+  <p:cSld>
+    <p:spTree>
+      <p:nvGrpSpPr>
+        <p:cNvPr id="1" name=""/>
+        <p:cNvGrpSpPr/>
+        <p:nvPr/>
+      </p:nvGrpSpPr>
+      <p:grpSpPr>
+        <a:xfrm>
+          <a:off x="0" y="0"/>
+          <a:ext cx="0" cy="0"/>
+          <a:chOff x="0" y="0"/>
+          <a:chExt cx="0" cy="0"/>
+        </a:xfrm>
+      </p:grpSpPr>
+      <p:pic>
+        <p:nvPicPr>
+          <p:cNvPr id="2050" name="Picture 2" descr="Purdue-WHIN">
+            <a:extLst>
+              <a:ext uri="{FF2B5EF4-FFF2-40B4-BE49-F238E27FC236}">
+                <a16:creationId xmlns:a16="http://schemas.microsoft.com/office/drawing/2014/main" id="{8ACBEC0A-B661-D4CD-E5EE-7E030FC74ACF}"/>
+              </a:ext>
+            </a:extLst>
+          </p:cNvPr>
+          <p:cNvPicPr>
+            <a:picLocks noChangeAspect="1" noChangeArrowheads="1"/>
+          </p:cNvPicPr>
+          <p:nvPr/>
+        </p:nvPicPr>
+        <p:blipFill>
+          <a:blip r:embed="rId2">
+            <a:extLst>
+              <a:ext uri="{28A0092B-C50C-407E-A947-70E740481C1C}">
+                <a14:useLocalDpi xmlns:a14="http://schemas.microsoft.com/office/drawing/2010/main" val="0"/>
+              </a:ext>
+            </a:extLst>
+          </a:blip>
+          <a:srcRect/>
+          <a:stretch>
+            <a:fillRect/>
+          </a:stretch>
+        </p:blipFill>
+        <p:spPr bwMode="auto">
+          <a:xfrm>
+            <a:off x="3238500" y="1524000"/>
+            <a:ext cx="5715000" cy="3810000"/>
+          </a:xfrm>
+          <a:prstGeom prst="rect">
+            <a:avLst/>
+          </a:prstGeom>
+          <a:noFill/>
+          <a:extLst>
+            <a:ext uri="{909E8E84-426E-40DD-AFC4-6F175D3DCCD1}">
+              <a14:hiddenFill xmlns:a14="http://schemas.microsoft.com/office/drawing/2010/main">
+                <a:solidFill>
+                  <a:srgbClr val="FFFFFF"/>
+                </a:solidFill>
+              </a14:hiddenFill>
+            </a:ext>
+          </a:extLst>
+        </p:spPr>
+      </p:pic>
+    </p:spTree>
+    <p:extLst>
+      <p:ext uri="{BB962C8B-B14F-4D97-AF65-F5344CB8AC3E}">
+        <p14:creationId xmlns:p14="http://schemas.microsoft.com/office/powerpoint/2010/main" val="569940237"/>
+      </p:ext>
+    </p:extLst>
+  </p:cSld>
+  <p:clrMapOvr>
+    <a:masterClrMapping/>
+  </p:clrMapOvr>
+</p:sld>
+</file>
+
+<file path=ppt/slides/slide7.xml><?xml version="1.0" encoding="utf-8"?>
+<p:sld xmlns:a="http://schemas.openxmlformats.org/drawingml/2006/main" xmlns:r="http://schemas.openxmlformats.org/officeDocument/2006/relationships" xmlns:p="http://schemas.openxmlformats.org/presentationml/2006/main">
+  <p:cSld>
+    <p:spTree>
+      <p:nvGrpSpPr>
+        <p:cNvPr id="1" name=""/>
+        <p:cNvGrpSpPr/>
+        <p:nvPr/>
+      </p:nvGrpSpPr>
+      <p:grpSpPr>
+        <a:xfrm>
+          <a:off x="0" y="0"/>
+          <a:ext cx="0" cy="0"/>
+          <a:chOff x="0" y="0"/>
+          <a:chExt cx="0" cy="0"/>
+        </a:xfrm>
+      </p:grpSpPr>
+      <p:pic>
+        <p:nvPicPr>
+          <p:cNvPr id="6146" name="Picture 2" descr="National Science Foundation - Wikipedia">
+            <a:extLst>
+              <a:ext uri="{FF2B5EF4-FFF2-40B4-BE49-F238E27FC236}">
+                <a16:creationId xmlns:a16="http://schemas.microsoft.com/office/drawing/2014/main" id="{3A7B8E1E-50E4-E01B-09F2-A5976E11B1CA}"/>
+              </a:ext>
+            </a:extLst>
+          </p:cNvPr>
+          <p:cNvPicPr>
+            <a:picLocks noChangeAspect="1" noChangeArrowheads="1"/>
+          </p:cNvPicPr>
+          <p:nvPr/>
+        </p:nvPicPr>
+        <p:blipFill>
+          <a:blip r:embed="rId2">
+            <a:extLst>
+              <a:ext uri="{28A0092B-C50C-407E-A947-70E740481C1C}">
+                <a14:useLocalDpi xmlns:a14="http://schemas.microsoft.com/office/drawing/2010/main" val="0"/>
+              </a:ext>
+            </a:extLst>
+          </a:blip>
+          <a:srcRect/>
+          <a:stretch>
+            <a:fillRect/>
+          </a:stretch>
+        </p:blipFill>
+        <p:spPr bwMode="auto">
+          <a:xfrm>
+            <a:off x="3558529" y="878541"/>
+            <a:ext cx="5074941" cy="5100918"/>
+          </a:xfrm>
+          <a:prstGeom prst="rect">
+            <a:avLst/>
+          </a:prstGeom>
+          <a:noFill/>
+          <a:extLst>
+            <a:ext uri="{909E8E84-426E-40DD-AFC4-6F175D3DCCD1}">
+              <a14:hiddenFill xmlns:a14="http://schemas.microsoft.com/office/drawing/2010/main">
+                <a:solidFill>
+                  <a:srgbClr val="FFFFFF"/>
+                </a:solidFill>
+              </a14:hiddenFill>
+            </a:ext>
+          </a:extLst>
+        </p:spPr>
+      </p:pic>
+    </p:spTree>
+    <p:extLst>
+      <p:ext uri="{BB962C8B-B14F-4D97-AF65-F5344CB8AC3E}">
+        <p14:creationId xmlns:p14="http://schemas.microsoft.com/office/powerpoint/2010/main" val="1064658036"/>
+      </p:ext>
+    </p:extLst>
+  </p:cSld>
+  <p:clrMapOvr>
+    <a:masterClrMapping/>
+  </p:clrMapOvr>
+</p:sld>
+</file>
+
+<file path=ppt/slides/slide8.xml><?xml version="1.0" encoding="utf-8"?>
+<p:sld xmlns:a="http://schemas.openxmlformats.org/drawingml/2006/main" xmlns:r="http://schemas.openxmlformats.org/officeDocument/2006/relationships" xmlns:p="http://schemas.openxmlformats.org/presentationml/2006/main">
+  <p:cSld>
+    <p:spTree>
+      <p:nvGrpSpPr>
+        <p:cNvPr id="1" name=""/>
+        <p:cNvGrpSpPr/>
+        <p:nvPr/>
+      </p:nvGrpSpPr>
+      <p:grpSpPr>
+        <a:xfrm>
+          <a:off x="0" y="0"/>
+          <a:ext cx="0" cy="0"/>
+          <a:chOff x="0" y="0"/>
+          <a:chExt cx="0" cy="0"/>
+        </a:xfrm>
+      </p:grpSpPr>
+      <p:pic>
+        <p:nvPicPr>
+          <p:cNvPr id="7170" name="Picture 2" descr="Hyelin Lee - Notre Dame, Indiana, United States | Professional Profile |  LinkedIn">
+            <a:extLst>
+              <a:ext uri="{FF2B5EF4-FFF2-40B4-BE49-F238E27FC236}">
+                <a16:creationId xmlns:a16="http://schemas.microsoft.com/office/drawing/2014/main" id="{EDA50FD3-A31C-385C-6E7F-EB461674E5B5}"/>
+              </a:ext>
+            </a:extLst>
+          </p:cNvPr>
+          <p:cNvPicPr>
+            <a:picLocks noChangeAspect="1" noChangeArrowheads="1"/>
+          </p:cNvPicPr>
+          <p:nvPr/>
+        </p:nvPicPr>
+        <p:blipFill rotWithShape="1">
+          <a:blip r:embed="rId2">
+            <a:extLst>
+              <a:ext uri="{28A0092B-C50C-407E-A947-70E740481C1C}">
+                <a14:useLocalDpi xmlns:a14="http://schemas.microsoft.com/office/drawing/2010/main" val="0"/>
+              </a:ext>
+            </a:extLst>
+          </a:blip>
+          <a:srcRect t="42709" b="22446"/>
+          <a:stretch/>
+        </p:blipFill>
+        <p:spPr bwMode="auto">
+          <a:xfrm>
+            <a:off x="2439241" y="1891553"/>
+            <a:ext cx="6829425" cy="1649506"/>
+          </a:xfrm>
+          <a:prstGeom prst="rect">
+            <a:avLst/>
+          </a:prstGeom>
+          <a:noFill/>
+          <a:extLst>
+            <a:ext uri="{909E8E84-426E-40DD-AFC4-6F175D3DCCD1}">
+              <a14:hiddenFill xmlns:a14="http://schemas.microsoft.com/office/drawing/2010/main">
+                <a:solidFill>
+                  <a:srgbClr val="FFFFFF"/>
+                </a:solidFill>
+              </a14:hiddenFill>
+            </a:ext>
+          </a:extLst>
+        </p:spPr>
+      </p:pic>
+    </p:spTree>
+    <p:extLst>
+      <p:ext uri="{BB962C8B-B14F-4D97-AF65-F5344CB8AC3E}">
+        <p14:creationId xmlns:p14="http://schemas.microsoft.com/office/powerpoint/2010/main" val="1213716800"/>
+      </p:ext>
+    </p:extLst>
+  </p:cSld>
+  <p:clrMapOvr>
+    <a:masterClrMapping/>
+  </p:clrMapOvr>
+</p:sld>
+</file>
+
+<file path=ppt/slides/slide9.xml><?xml version="1.0" encoding="utf-8"?>
+<p:sld xmlns:a="http://schemas.openxmlformats.org/drawingml/2006/main" xmlns:r="http://schemas.openxmlformats.org/officeDocument/2006/relationships" xmlns:p="http://schemas.openxmlformats.org/presentationml/2006/main">
+  <p:cSld>
+    <p:spTree>
+      <p:nvGrpSpPr>
+        <p:cNvPr id="1" name=""/>
+        <p:cNvGrpSpPr/>
+        <p:nvPr/>
+      </p:nvGrpSpPr>
+      <p:grpSpPr>
+        <a:xfrm>
+          <a:off x="0" y="0"/>
+          <a:ext cx="0" cy="0"/>
+          <a:chOff x="0" y="0"/>
+          <a:chExt cx="0" cy="0"/>
+        </a:xfrm>
+      </p:grpSpPr>
+      <p:grpSp>
+        <p:nvGrpSpPr>
+          <p:cNvPr id="5" name="Group 4">
+            <a:extLst>
+              <a:ext uri="{FF2B5EF4-FFF2-40B4-BE49-F238E27FC236}">
+                <a16:creationId xmlns:a16="http://schemas.microsoft.com/office/drawing/2014/main" id="{E59E0E8C-54D5-C24A-1D9D-37E14DEF341A}"/>
+              </a:ext>
+            </a:extLst>
+          </p:cNvPr>
+          <p:cNvGrpSpPr/>
+          <p:nvPr/>
+        </p:nvGrpSpPr>
+        <p:grpSpPr>
+          <a:xfrm>
+            <a:off x="1234046" y="772713"/>
+            <a:ext cx="2714905" cy="1768502"/>
+            <a:chOff x="1234046" y="772713"/>
+            <a:chExt cx="2714905" cy="1768502"/>
+          </a:xfrm>
+        </p:grpSpPr>
+        <p:pic>
+          <p:nvPicPr>
+            <p:cNvPr id="3074" name="Picture 2" descr="IN-MaC">
+              <a:extLst>
+                <a:ext uri="{FF2B5EF4-FFF2-40B4-BE49-F238E27FC236}">
+                  <a16:creationId xmlns:a16="http://schemas.microsoft.com/office/drawing/2014/main" id="{3D61A72E-58FC-EB38-41CE-56300C020799}"/>
+                </a:ext>
+              </a:extLst>
+            </p:cNvPr>
+            <p:cNvPicPr>
+              <a:picLocks noChangeAspect="1" noChangeArrowheads="1"/>
+            </p:cNvPicPr>
+            <p:nvPr/>
+          </p:nvPicPr>
+          <p:blipFill rotWithShape="1">
+            <a:blip r:embed="rId2">
+              <a:extLst>
+                <a:ext uri="{28A0092B-C50C-407E-A947-70E740481C1C}">
+                  <a14:useLocalDpi xmlns:a14="http://schemas.microsoft.com/office/drawing/2010/main" val="0"/>
+                </a:ext>
+              </a:extLst>
+            </a:blip>
+            <a:srcRect r="44549"/>
+            <a:stretch/>
+          </p:blipFill>
+          <p:spPr bwMode="auto">
+            <a:xfrm>
+              <a:off x="1234046" y="772713"/>
+              <a:ext cx="2714905" cy="925820"/>
+            </a:xfrm>
+            <a:prstGeom prst="rect">
+              <a:avLst/>
+            </a:prstGeom>
+            <a:noFill/>
+            <a:extLst>
+              <a:ext uri="{909E8E84-426E-40DD-AFC4-6F175D3DCCD1}">
+                <a14:hiddenFill xmlns:a14="http://schemas.microsoft.com/office/drawing/2010/main">
+                  <a:solidFill>
+                    <a:srgbClr val="FFFFFF"/>
+                  </a:solidFill>
+                </a14:hiddenFill>
+              </a:ext>
+            </a:extLst>
+          </p:spPr>
+        </p:pic>
+        <p:pic>
+          <p:nvPicPr>
+            <p:cNvPr id="4" name="Picture 2" descr="IN-MaC">
+              <a:extLst>
+                <a:ext uri="{FF2B5EF4-FFF2-40B4-BE49-F238E27FC236}">
+                  <a16:creationId xmlns:a16="http://schemas.microsoft.com/office/drawing/2014/main" id="{4D3A8BF2-256E-C86B-85A8-9C32F1562B5F}"/>
+                </a:ext>
+              </a:extLst>
+            </p:cNvPr>
+            <p:cNvPicPr>
+              <a:picLocks noChangeAspect="1" noChangeArrowheads="1"/>
+            </p:cNvPicPr>
+            <p:nvPr/>
+          </p:nvPicPr>
+          <p:blipFill rotWithShape="1">
+            <a:blip r:embed="rId2">
+              <a:extLst>
+                <a:ext uri="{28A0092B-C50C-407E-A947-70E740481C1C}">
+                  <a14:useLocalDpi xmlns:a14="http://schemas.microsoft.com/office/drawing/2010/main" val="0"/>
+                </a:ext>
+              </a:extLst>
+            </a:blip>
+            <a:srcRect l="55772"/>
+            <a:stretch/>
+          </p:blipFill>
+          <p:spPr bwMode="auto">
+            <a:xfrm>
+              <a:off x="1355070" y="1483940"/>
+              <a:ext cx="2472859" cy="1057275"/>
+            </a:xfrm>
+            <a:prstGeom prst="rect">
+              <a:avLst/>
+            </a:prstGeom>
+            <a:noFill/>
+            <a:extLst>
+              <a:ext uri="{909E8E84-426E-40DD-AFC4-6F175D3DCCD1}">
+                <a14:hiddenFill xmlns:a14="http://schemas.microsoft.com/office/drawing/2010/main">
+                  <a:solidFill>
+                    <a:srgbClr val="FFFFFF"/>
+                  </a:solidFill>
+                </a14:hiddenFill>
+              </a:ext>
+            </a:extLst>
+          </p:spPr>
+        </p:pic>
+      </p:grpSp>
+      <p:pic>
+        <p:nvPicPr>
+          <p:cNvPr id="3076" name="Picture 4" descr="IN-MaC">
+            <a:extLst>
+              <a:ext uri="{FF2B5EF4-FFF2-40B4-BE49-F238E27FC236}">
+                <a16:creationId xmlns:a16="http://schemas.microsoft.com/office/drawing/2014/main" id="{5CBE455C-3261-E227-58BE-C4743ADF04F8}"/>
+              </a:ext>
+            </a:extLst>
+          </p:cNvPr>
+          <p:cNvPicPr>
+            <a:picLocks noChangeAspect="1" noChangeArrowheads="1"/>
+          </p:cNvPicPr>
+          <p:nvPr/>
+        </p:nvPicPr>
+        <p:blipFill>
+          <a:blip r:embed="rId2">
+            <a:extLst>
+              <a:ext uri="{28A0092B-C50C-407E-A947-70E740481C1C}">
+                <a14:useLocalDpi xmlns:a14="http://schemas.microsoft.com/office/drawing/2010/main" val="0"/>
+              </a:ext>
+            </a:extLst>
+          </a:blip>
+          <a:srcRect/>
+          <a:stretch>
+            <a:fillRect/>
+          </a:stretch>
+        </p:blipFill>
+        <p:spPr bwMode="auto">
+          <a:xfrm>
+            <a:off x="5366779" y="1086478"/>
+            <a:ext cx="5591175" cy="1057275"/>
+          </a:xfrm>
+          <a:prstGeom prst="rect">
+            <a:avLst/>
+          </a:prstGeom>
+          <a:noFill/>
+          <a:extLst>
+            <a:ext uri="{909E8E84-426E-40DD-AFC4-6F175D3DCCD1}">
+              <a14:hiddenFill xmlns:a14="http://schemas.microsoft.com/office/drawing/2010/main">
+                <a:solidFill>
+                  <a:srgbClr val="FFFFFF"/>
+                </a:solidFill>
+              </a14:hiddenFill>
+            </a:ext>
+          </a:extLst>
+        </p:spPr>
+      </p:pic>
+      <p:pic>
+        <p:nvPicPr>
+          <p:cNvPr id="3080" name="Picture 8" descr="Purdue IN-Mac (@PurdueINMaC) / X">
+            <a:extLst>
+              <a:ext uri="{FF2B5EF4-FFF2-40B4-BE49-F238E27FC236}">
+                <a16:creationId xmlns:a16="http://schemas.microsoft.com/office/drawing/2014/main" id="{CF60AC1A-603E-5E47-4D2E-F3164DF3F996}"/>
+              </a:ext>
+            </a:extLst>
+          </p:cNvPr>
+          <p:cNvPicPr>
+            <a:picLocks noChangeAspect="1" noChangeArrowheads="1"/>
+          </p:cNvPicPr>
+          <p:nvPr/>
+        </p:nvPicPr>
+        <p:blipFill rotWithShape="1">
+          <a:blip r:embed="rId3">
+            <a:extLst>
+              <a:ext uri="{28A0092B-C50C-407E-A947-70E740481C1C}">
+                <a14:useLocalDpi xmlns:a14="http://schemas.microsoft.com/office/drawing/2010/main" val="0"/>
+              </a:ext>
+            </a:extLst>
+          </a:blip>
+          <a:srcRect l="2706" t="31340" b="33131"/>
+          <a:stretch/>
+        </p:blipFill>
+        <p:spPr bwMode="auto">
+          <a:xfrm>
+            <a:off x="738045" y="3117691"/>
+            <a:ext cx="3706906" cy="1353670"/>
+          </a:xfrm>
+          <a:prstGeom prst="rect">
+            <a:avLst/>
+          </a:prstGeom>
+          <a:noFill/>
+          <a:extLst>
+            <a:ext uri="{909E8E84-426E-40DD-AFC4-6F175D3DCCD1}">
+              <a14:hiddenFill xmlns:a14="http://schemas.microsoft.com/office/drawing/2010/main">
+                <a:solidFill>
+                  <a:srgbClr val="FFFFFF"/>
+                </a:solidFill>
+              </a14:hiddenFill>
+            </a:ext>
+          </a:extLst>
+        </p:spPr>
+      </p:pic>
+      <p:pic>
+        <p:nvPicPr>
+          <p:cNvPr id="3082" name="Picture 10" descr="IN-MaC internship program provides first step toward career achievement -  Purdue Polytechnic Institute">
+            <a:extLst>
+              <a:ext uri="{FF2B5EF4-FFF2-40B4-BE49-F238E27FC236}">
+                <a16:creationId xmlns:a16="http://schemas.microsoft.com/office/drawing/2014/main" id="{231F5A35-61D6-7EBD-F6BD-51C708A7E833}"/>
+              </a:ext>
+            </a:extLst>
+          </p:cNvPr>
+          <p:cNvPicPr>
+            <a:picLocks noChangeAspect="1" noChangeArrowheads="1"/>
+          </p:cNvPicPr>
+          <p:nvPr/>
+        </p:nvPicPr>
+        <p:blipFill>
+          <a:blip r:embed="rId4">
+            <a:extLst>
+              <a:ext uri="{28A0092B-C50C-407E-A947-70E740481C1C}">
+                <a14:useLocalDpi xmlns:a14="http://schemas.microsoft.com/office/drawing/2010/main" val="0"/>
+              </a:ext>
+            </a:extLst>
+          </a:blip>
+          <a:srcRect/>
+          <a:stretch>
+            <a:fillRect/>
+          </a:stretch>
+        </p:blipFill>
+        <p:spPr bwMode="auto">
+          <a:xfrm>
+            <a:off x="5282735" y="2541215"/>
+            <a:ext cx="6162675" cy="3467100"/>
+          </a:xfrm>
+          <a:prstGeom prst="rect">
+            <a:avLst/>
+          </a:prstGeom>
+          <a:noFill/>
+          <a:extLst>
+            <a:ext uri="{909E8E84-426E-40DD-AFC4-6F175D3DCCD1}">
+              <a14:hiddenFill xmlns:a14="http://schemas.microsoft.com/office/drawing/2010/main">
+                <a:solidFill>
+                  <a:srgbClr val="FFFFFF"/>
+                </a:solidFill>
+              </a14:hiddenFill>
+            </a:ext>
+          </a:extLst>
+        </p:spPr>
+      </p:pic>
+    </p:spTree>
+    <p:extLst>
+      <p:ext uri="{BB962C8B-B14F-4D97-AF65-F5344CB8AC3E}">
+        <p14:creationId xmlns:p14="http://schemas.microsoft.com/office/powerpoint/2010/main" val="1033822169"/>
+      </p:ext>
+    </p:extLst>
+  </p:cSld>
+  <p:clrMapOvr>
+    <a:masterClrMapping/>
+  </p:clrMapOvr>
+</p:sld>
+</file>
+
 <file path=ppt/theme/theme1.xml><?xml version="1.0" encoding="utf-8"?>
 <a:theme xmlns:a="http://schemas.openxmlformats.org/drawingml/2006/main" name="Office Theme">
   <a:themeElements>

--- a/img/Figure_editing.pptx
+++ b/img/Figure_editing.pptx
@@ -16,6 +16,7 @@
     <p:sldId id="260" r:id="rId10"/>
     <p:sldId id="261" r:id="rId11"/>
     <p:sldId id="262" r:id="rId12"/>
+    <p:sldId id="267" r:id="rId13"/>
   </p:sldIdLst>
   <p:sldSz cx="12192000" cy="6858000"/>
   <p:notesSz cx="6858000" cy="9144000"/>
@@ -269,7 +270,7 @@
           <a:p>
             <a:fld id="{F80EAFFE-0153-4FD3-9EF5-2391931435F9}" type="datetimeFigureOut">
               <a:rPr lang="en-US" smtClean="0"/>
-              <a:t>1/7/2024</a:t>
+              <a:t>1/10/2024</a:t>
             </a:fld>
             <a:endParaRPr lang="en-US"/>
           </a:p>
@@ -467,7 +468,7 @@
           <a:p>
             <a:fld id="{F80EAFFE-0153-4FD3-9EF5-2391931435F9}" type="datetimeFigureOut">
               <a:rPr lang="en-US" smtClean="0"/>
-              <a:t>1/7/2024</a:t>
+              <a:t>1/10/2024</a:t>
             </a:fld>
             <a:endParaRPr lang="en-US"/>
           </a:p>
@@ -675,7 +676,7 @@
           <a:p>
             <a:fld id="{F80EAFFE-0153-4FD3-9EF5-2391931435F9}" type="datetimeFigureOut">
               <a:rPr lang="en-US" smtClean="0"/>
-              <a:t>1/7/2024</a:t>
+              <a:t>1/10/2024</a:t>
             </a:fld>
             <a:endParaRPr lang="en-US"/>
           </a:p>
@@ -873,7 +874,7 @@
           <a:p>
             <a:fld id="{F80EAFFE-0153-4FD3-9EF5-2391931435F9}" type="datetimeFigureOut">
               <a:rPr lang="en-US" smtClean="0"/>
-              <a:t>1/7/2024</a:t>
+              <a:t>1/10/2024</a:t>
             </a:fld>
             <a:endParaRPr lang="en-US"/>
           </a:p>
@@ -1148,7 +1149,7 @@
           <a:p>
             <a:fld id="{F80EAFFE-0153-4FD3-9EF5-2391931435F9}" type="datetimeFigureOut">
               <a:rPr lang="en-US" smtClean="0"/>
-              <a:t>1/7/2024</a:t>
+              <a:t>1/10/2024</a:t>
             </a:fld>
             <a:endParaRPr lang="en-US"/>
           </a:p>
@@ -1413,7 +1414,7 @@
           <a:p>
             <a:fld id="{F80EAFFE-0153-4FD3-9EF5-2391931435F9}" type="datetimeFigureOut">
               <a:rPr lang="en-US" smtClean="0"/>
-              <a:t>1/7/2024</a:t>
+              <a:t>1/10/2024</a:t>
             </a:fld>
             <a:endParaRPr lang="en-US"/>
           </a:p>
@@ -1825,7 +1826,7 @@
           <a:p>
             <a:fld id="{F80EAFFE-0153-4FD3-9EF5-2391931435F9}" type="datetimeFigureOut">
               <a:rPr lang="en-US" smtClean="0"/>
-              <a:t>1/7/2024</a:t>
+              <a:t>1/10/2024</a:t>
             </a:fld>
             <a:endParaRPr lang="en-US"/>
           </a:p>
@@ -1966,7 +1967,7 @@
           <a:p>
             <a:fld id="{F80EAFFE-0153-4FD3-9EF5-2391931435F9}" type="datetimeFigureOut">
               <a:rPr lang="en-US" smtClean="0"/>
-              <a:t>1/7/2024</a:t>
+              <a:t>1/10/2024</a:t>
             </a:fld>
             <a:endParaRPr lang="en-US"/>
           </a:p>
@@ -2079,7 +2080,7 @@
           <a:p>
             <a:fld id="{F80EAFFE-0153-4FD3-9EF5-2391931435F9}" type="datetimeFigureOut">
               <a:rPr lang="en-US" smtClean="0"/>
-              <a:t>1/7/2024</a:t>
+              <a:t>1/10/2024</a:t>
             </a:fld>
             <a:endParaRPr lang="en-US"/>
           </a:p>
@@ -2390,7 +2391,7 @@
           <a:p>
             <a:fld id="{F80EAFFE-0153-4FD3-9EF5-2391931435F9}" type="datetimeFigureOut">
               <a:rPr lang="en-US" smtClean="0"/>
-              <a:t>1/7/2024</a:t>
+              <a:t>1/10/2024</a:t>
             </a:fld>
             <a:endParaRPr lang="en-US"/>
           </a:p>
@@ -2678,7 +2679,7 @@
           <a:p>
             <a:fld id="{F80EAFFE-0153-4FD3-9EF5-2391931435F9}" type="datetimeFigureOut">
               <a:rPr lang="en-US" smtClean="0"/>
-              <a:t>1/7/2024</a:t>
+              <a:t>1/10/2024</a:t>
             </a:fld>
             <a:endParaRPr lang="en-US"/>
           </a:p>
@@ -2919,7 +2920,7 @@
           <a:p>
             <a:fld id="{F80EAFFE-0153-4FD3-9EF5-2391931435F9}" type="datetimeFigureOut">
               <a:rPr lang="en-US" smtClean="0"/>
-              <a:t>1/7/2024</a:t>
+              <a:t>1/10/2024</a:t>
             </a:fld>
             <a:endParaRPr lang="en-US"/>
           </a:p>
@@ -3802,6 +3803,2973 @@
     <p:extLst>
       <p:ext uri="{BB962C8B-B14F-4D97-AF65-F5344CB8AC3E}">
         <p14:creationId xmlns:p14="http://schemas.microsoft.com/office/powerpoint/2010/main" val="1993680712"/>
+      </p:ext>
+    </p:extLst>
+  </p:cSld>
+  <p:clrMapOvr>
+    <a:masterClrMapping/>
+  </p:clrMapOvr>
+</p:sld>
+</file>
+
+<file path=ppt/slides/slide12.xml><?xml version="1.0" encoding="utf-8"?>
+<p:sld xmlns:a="http://schemas.openxmlformats.org/drawingml/2006/main" xmlns:r="http://schemas.openxmlformats.org/officeDocument/2006/relationships" xmlns:p="http://schemas.openxmlformats.org/presentationml/2006/main">
+  <p:cSld>
+    <p:spTree>
+      <p:nvGrpSpPr>
+        <p:cNvPr id="1" name=""/>
+        <p:cNvGrpSpPr/>
+        <p:nvPr/>
+      </p:nvGrpSpPr>
+      <p:grpSpPr>
+        <a:xfrm>
+          <a:off x="0" y="0"/>
+          <a:ext cx="0" cy="0"/>
+          <a:chOff x="0" y="0"/>
+          <a:chExt cx="0" cy="0"/>
+        </a:xfrm>
+      </p:grpSpPr>
+      <p:grpSp>
+        <p:nvGrpSpPr>
+          <p:cNvPr id="4" name="Group 3">
+            <a:extLst>
+              <a:ext uri="{FF2B5EF4-FFF2-40B4-BE49-F238E27FC236}">
+                <a16:creationId xmlns:a16="http://schemas.microsoft.com/office/drawing/2014/main" id="{7A6C0901-778F-99F5-4A94-8E4EF55A4FBF}"/>
+              </a:ext>
+            </a:extLst>
+          </p:cNvPr>
+          <p:cNvGrpSpPr/>
+          <p:nvPr/>
+        </p:nvGrpSpPr>
+        <p:grpSpPr>
+          <a:xfrm>
+            <a:off x="265354" y="1208442"/>
+            <a:ext cx="11144923" cy="4974590"/>
+            <a:chOff x="139848" y="1226372"/>
+            <a:chExt cx="11144923" cy="4974590"/>
+          </a:xfrm>
+        </p:grpSpPr>
+        <p:sp>
+          <p:nvSpPr>
+            <p:cNvPr id="5" name="Rectangle 4">
+              <a:extLst>
+                <a:ext uri="{FF2B5EF4-FFF2-40B4-BE49-F238E27FC236}">
+                  <a16:creationId xmlns:a16="http://schemas.microsoft.com/office/drawing/2014/main" id="{5A18824E-F38C-C1A0-4E66-D1D93C118E02}"/>
+                </a:ext>
+              </a:extLst>
+            </p:cNvPr>
+            <p:cNvSpPr/>
+            <p:nvPr/>
+          </p:nvSpPr>
+          <p:spPr>
+            <a:xfrm>
+              <a:off x="139848" y="1226372"/>
+              <a:ext cx="11144923" cy="4974590"/>
+            </a:xfrm>
+            <a:prstGeom prst="rect">
+              <a:avLst/>
+            </a:prstGeom>
+            <a:solidFill>
+              <a:schemeClr val="bg1"/>
+            </a:solidFill>
+            <a:ln>
+              <a:solidFill>
+                <a:schemeClr val="bg1"/>
+              </a:solidFill>
+            </a:ln>
+          </p:spPr>
+          <p:style>
+            <a:lnRef idx="2">
+              <a:schemeClr val="accent1">
+                <a:shade val="15000"/>
+              </a:schemeClr>
+            </a:lnRef>
+            <a:fillRef idx="1">
+              <a:schemeClr val="accent1"/>
+            </a:fillRef>
+            <a:effectRef idx="0">
+              <a:schemeClr val="accent1"/>
+            </a:effectRef>
+            <a:fontRef idx="minor">
+              <a:schemeClr val="lt1"/>
+            </a:fontRef>
+          </p:style>
+          <p:txBody>
+            <a:bodyPr rtlCol="0" anchor="ctr"/>
+            <a:lstStyle/>
+            <a:p>
+              <a:pPr algn="ctr"/>
+              <a:endParaRPr lang="en-US"/>
+            </a:p>
+          </p:txBody>
+        </p:sp>
+        <p:pic>
+          <p:nvPicPr>
+            <p:cNvPr id="6" name="Picture 2" descr="HCN-6000">
+              <a:extLst>
+                <a:ext uri="{FF2B5EF4-FFF2-40B4-BE49-F238E27FC236}">
+                  <a16:creationId xmlns:a16="http://schemas.microsoft.com/office/drawing/2014/main" id="{11354143-9D16-8A32-01A7-CCC9772BC74F}"/>
+                </a:ext>
+              </a:extLst>
+            </p:cNvPr>
+            <p:cNvPicPr>
+              <a:picLocks noChangeAspect="1" noChangeArrowheads="1"/>
+            </p:cNvPicPr>
+            <p:nvPr/>
+          </p:nvPicPr>
+          <p:blipFill>
+            <a:blip r:embed="rId2" cstate="print">
+              <a:extLst>
+                <a:ext uri="{28A0092B-C50C-407E-A947-70E740481C1C}">
+                  <a14:useLocalDpi xmlns:a14="http://schemas.microsoft.com/office/drawing/2010/main"/>
+                </a:ext>
+              </a:extLst>
+            </a:blip>
+            <a:srcRect/>
+            <a:stretch>
+              <a:fillRect/>
+            </a:stretch>
+          </p:blipFill>
+          <p:spPr bwMode="auto">
+            <a:xfrm>
+              <a:off x="629425" y="3885020"/>
+              <a:ext cx="2580645" cy="1935485"/>
+            </a:xfrm>
+            <a:prstGeom prst="rect">
+              <a:avLst/>
+            </a:prstGeom>
+            <a:noFill/>
+            <a:extLst>
+              <a:ext uri="{909E8E84-426E-40DD-AFC4-6F175D3DCCD1}">
+                <a14:hiddenFill xmlns:a14="http://schemas.microsoft.com/office/drawing/2010/main">
+                  <a:solidFill>
+                    <a:srgbClr val="FFFFFF"/>
+                  </a:solidFill>
+                </a14:hiddenFill>
+              </a:ext>
+            </a:extLst>
+          </p:spPr>
+        </p:pic>
+        <p:sp>
+          <p:nvSpPr>
+            <p:cNvPr id="7" name="TextBox 6">
+              <a:extLst>
+                <a:ext uri="{FF2B5EF4-FFF2-40B4-BE49-F238E27FC236}">
+                  <a16:creationId xmlns:a16="http://schemas.microsoft.com/office/drawing/2014/main" id="{40B7E140-A679-8508-C02C-A1C50D947D69}"/>
+                </a:ext>
+              </a:extLst>
+            </p:cNvPr>
+            <p:cNvSpPr txBox="1"/>
+            <p:nvPr/>
+          </p:nvSpPr>
+          <p:spPr>
+            <a:xfrm>
+              <a:off x="558334" y="5585951"/>
+              <a:ext cx="2593625" cy="307777"/>
+            </a:xfrm>
+            <a:prstGeom prst="rect">
+              <a:avLst/>
+            </a:prstGeom>
+            <a:noFill/>
+          </p:spPr>
+          <p:txBody>
+            <a:bodyPr wrap="square" rtlCol="0">
+              <a:spAutoFit/>
+            </a:bodyPr>
+            <a:lstStyle/>
+            <a:p>
+              <a:pPr algn="ctr"/>
+              <a:r>
+                <a:rPr lang="en-US" sz="1400" dirty="0"/>
+                <a:t>HCN-6000 II</a:t>
+              </a:r>
+            </a:p>
+          </p:txBody>
+        </p:sp>
+        <p:sp>
+          <p:nvSpPr>
+            <p:cNvPr id="8" name="Rectangle: Rounded Corners 7">
+              <a:extLst>
+                <a:ext uri="{FF2B5EF4-FFF2-40B4-BE49-F238E27FC236}">
+                  <a16:creationId xmlns:a16="http://schemas.microsoft.com/office/drawing/2014/main" id="{EB260BF1-E352-E16A-461F-67ED30C50389}"/>
+                </a:ext>
+              </a:extLst>
+            </p:cNvPr>
+            <p:cNvSpPr/>
+            <p:nvPr/>
+          </p:nvSpPr>
+          <p:spPr>
+            <a:xfrm>
+              <a:off x="2841380" y="2992816"/>
+              <a:ext cx="1106677" cy="489990"/>
+            </a:xfrm>
+            <a:prstGeom prst="roundRect">
+              <a:avLst/>
+            </a:prstGeom>
+            <a:solidFill>
+              <a:schemeClr val="accent5"/>
+            </a:solidFill>
+            <a:ln>
+              <a:noFill/>
+            </a:ln>
+          </p:spPr>
+          <p:style>
+            <a:lnRef idx="2">
+              <a:schemeClr val="accent1">
+                <a:shade val="50000"/>
+              </a:schemeClr>
+            </a:lnRef>
+            <a:fillRef idx="1">
+              <a:schemeClr val="accent1"/>
+            </a:fillRef>
+            <a:effectRef idx="0">
+              <a:schemeClr val="accent1"/>
+            </a:effectRef>
+            <a:fontRef idx="minor">
+              <a:schemeClr val="lt1"/>
+            </a:fontRef>
+          </p:style>
+          <p:txBody>
+            <a:bodyPr lIns="9144" tIns="9144" rIns="9144" bIns="9144" rtlCol="0" anchor="ctr"/>
+            <a:lstStyle/>
+            <a:p>
+              <a:pPr algn="ctr"/>
+              <a:r>
+                <a:rPr lang="en-US" sz="1200" b="1" dirty="0"/>
+                <a:t>MTConnect Agent</a:t>
+              </a:r>
+            </a:p>
+          </p:txBody>
+        </p:sp>
+        <p:sp>
+          <p:nvSpPr>
+            <p:cNvPr id="9" name="Rectangle: Rounded Corners 8">
+              <a:extLst>
+                <a:ext uri="{FF2B5EF4-FFF2-40B4-BE49-F238E27FC236}">
+                  <a16:creationId xmlns:a16="http://schemas.microsoft.com/office/drawing/2014/main" id="{4B686CCE-6E79-8C43-9B96-8E526EDE931C}"/>
+                </a:ext>
+              </a:extLst>
+            </p:cNvPr>
+            <p:cNvSpPr/>
+            <p:nvPr/>
+          </p:nvSpPr>
+          <p:spPr>
+            <a:xfrm>
+              <a:off x="2841379" y="3569344"/>
+              <a:ext cx="1106677" cy="489991"/>
+            </a:xfrm>
+            <a:prstGeom prst="roundRect">
+              <a:avLst/>
+            </a:prstGeom>
+            <a:solidFill>
+              <a:srgbClr val="92D050"/>
+            </a:solidFill>
+            <a:ln>
+              <a:noFill/>
+            </a:ln>
+          </p:spPr>
+          <p:style>
+            <a:lnRef idx="2">
+              <a:schemeClr val="accent1">
+                <a:shade val="50000"/>
+              </a:schemeClr>
+            </a:lnRef>
+            <a:fillRef idx="1">
+              <a:schemeClr val="accent1"/>
+            </a:fillRef>
+            <a:effectRef idx="0">
+              <a:schemeClr val="accent1"/>
+            </a:effectRef>
+            <a:fontRef idx="minor">
+              <a:schemeClr val="lt1"/>
+            </a:fontRef>
+          </p:style>
+          <p:txBody>
+            <a:bodyPr lIns="9144" tIns="9144" rIns="9144" bIns="9144" rtlCol="0" anchor="ctr"/>
+            <a:lstStyle/>
+            <a:p>
+              <a:pPr algn="ctr"/>
+              <a:r>
+                <a:rPr lang="en-US" sz="1200" b="1" dirty="0"/>
+                <a:t>MTConnect </a:t>
+              </a:r>
+            </a:p>
+            <a:p>
+              <a:pPr algn="ctr"/>
+              <a:r>
+                <a:rPr lang="en-US" sz="1200" b="1" dirty="0"/>
+                <a:t>Adapter</a:t>
+              </a:r>
+            </a:p>
+          </p:txBody>
+        </p:sp>
+        <p:sp>
+          <p:nvSpPr>
+            <p:cNvPr id="10" name="TextBox 9">
+              <a:extLst>
+                <a:ext uri="{FF2B5EF4-FFF2-40B4-BE49-F238E27FC236}">
+                  <a16:creationId xmlns:a16="http://schemas.microsoft.com/office/drawing/2014/main" id="{D1F8B64A-C0DC-A887-7D42-999E13DEFE3B}"/>
+                </a:ext>
+              </a:extLst>
+            </p:cNvPr>
+            <p:cNvSpPr txBox="1"/>
+            <p:nvPr/>
+          </p:nvSpPr>
+          <p:spPr>
+            <a:xfrm>
+              <a:off x="2725155" y="4010801"/>
+              <a:ext cx="1339123" cy="430887"/>
+            </a:xfrm>
+            <a:prstGeom prst="rect">
+              <a:avLst/>
+            </a:prstGeom>
+            <a:noFill/>
+          </p:spPr>
+          <p:txBody>
+            <a:bodyPr wrap="square" rtlCol="0">
+              <a:spAutoFit/>
+            </a:bodyPr>
+            <a:lstStyle/>
+            <a:p>
+              <a:pPr algn="ctr"/>
+              <a:r>
+                <a:rPr lang="en-US" sz="1100" dirty="0" err="1"/>
+                <a:t>Mazatrol</a:t>
+              </a:r>
+              <a:r>
+                <a:rPr lang="en-US" sz="1100" dirty="0"/>
+                <a:t> 640M controller</a:t>
+              </a:r>
+            </a:p>
+          </p:txBody>
+        </p:sp>
+        <p:pic>
+          <p:nvPicPr>
+            <p:cNvPr id="11" name="Picture 2" descr="raspberry pi icon 이미지 검색결과">
+              <a:extLst>
+                <a:ext uri="{FF2B5EF4-FFF2-40B4-BE49-F238E27FC236}">
+                  <a16:creationId xmlns:a16="http://schemas.microsoft.com/office/drawing/2014/main" id="{D8666BBF-38F4-8FA1-2B5D-8F48034020F4}"/>
+                </a:ext>
+              </a:extLst>
+            </p:cNvPr>
+            <p:cNvPicPr>
+              <a:picLocks noChangeAspect="1" noChangeArrowheads="1"/>
+            </p:cNvPicPr>
+            <p:nvPr/>
+          </p:nvPicPr>
+          <p:blipFill>
+            <a:blip r:embed="rId3" cstate="screen">
+              <a:extLst>
+                <a:ext uri="{28A0092B-C50C-407E-A947-70E740481C1C}">
+                  <a14:useLocalDpi xmlns:a14="http://schemas.microsoft.com/office/drawing/2010/main"/>
+                </a:ext>
+              </a:extLst>
+            </a:blip>
+            <a:srcRect/>
+            <a:stretch>
+              <a:fillRect/>
+            </a:stretch>
+          </p:blipFill>
+          <p:spPr bwMode="auto">
+            <a:xfrm>
+              <a:off x="5206422" y="3591431"/>
+              <a:ext cx="765811" cy="592889"/>
+            </a:xfrm>
+            <a:prstGeom prst="rect">
+              <a:avLst/>
+            </a:prstGeom>
+            <a:noFill/>
+            <a:extLst>
+              <a:ext uri="{909E8E84-426E-40DD-AFC4-6F175D3DCCD1}">
+                <a14:hiddenFill xmlns:a14="http://schemas.microsoft.com/office/drawing/2010/main">
+                  <a:solidFill>
+                    <a:srgbClr val="FFFFFF"/>
+                  </a:solidFill>
+                </a14:hiddenFill>
+              </a:ext>
+            </a:extLst>
+          </p:spPr>
+        </p:pic>
+        <p:pic>
+          <p:nvPicPr>
+            <p:cNvPr id="12" name="Picture 11">
+              <a:extLst>
+                <a:ext uri="{FF2B5EF4-FFF2-40B4-BE49-F238E27FC236}">
+                  <a16:creationId xmlns:a16="http://schemas.microsoft.com/office/drawing/2014/main" id="{04A2681E-A23A-8752-1282-F13BF7B3843D}"/>
+                </a:ext>
+              </a:extLst>
+            </p:cNvPr>
+            <p:cNvPicPr>
+              <a:picLocks noChangeAspect="1"/>
+            </p:cNvPicPr>
+            <p:nvPr/>
+          </p:nvPicPr>
+          <p:blipFill>
+            <a:blip r:embed="rId4" cstate="print">
+              <a:extLst>
+                <a:ext uri="{28A0092B-C50C-407E-A947-70E740481C1C}">
+                  <a14:useLocalDpi xmlns:a14="http://schemas.microsoft.com/office/drawing/2010/main"/>
+                </a:ext>
+              </a:extLst>
+            </a:blip>
+            <a:stretch>
+              <a:fillRect/>
+            </a:stretch>
+          </p:blipFill>
+          <p:spPr>
+            <a:xfrm>
+              <a:off x="5391413" y="4886622"/>
+              <a:ext cx="282033" cy="912170"/>
+            </a:xfrm>
+            <a:prstGeom prst="rect">
+              <a:avLst/>
+            </a:prstGeom>
+          </p:spPr>
+        </p:pic>
+        <p:sp>
+          <p:nvSpPr>
+            <p:cNvPr id="13" name="Rectangle: Rounded Corners 12">
+              <a:extLst>
+                <a:ext uri="{FF2B5EF4-FFF2-40B4-BE49-F238E27FC236}">
+                  <a16:creationId xmlns:a16="http://schemas.microsoft.com/office/drawing/2014/main" id="{0A32D184-DD05-AD95-2504-76A5AA9F79D4}"/>
+                </a:ext>
+              </a:extLst>
+            </p:cNvPr>
+            <p:cNvSpPr/>
+            <p:nvPr/>
+          </p:nvSpPr>
+          <p:spPr>
+            <a:xfrm>
+              <a:off x="5796433" y="3356556"/>
+              <a:ext cx="1106677" cy="489991"/>
+            </a:xfrm>
+            <a:prstGeom prst="roundRect">
+              <a:avLst/>
+            </a:prstGeom>
+            <a:solidFill>
+              <a:srgbClr val="92D050"/>
+            </a:solidFill>
+            <a:ln>
+              <a:noFill/>
+            </a:ln>
+          </p:spPr>
+          <p:style>
+            <a:lnRef idx="2">
+              <a:schemeClr val="accent1">
+                <a:shade val="50000"/>
+              </a:schemeClr>
+            </a:lnRef>
+            <a:fillRef idx="1">
+              <a:schemeClr val="accent1"/>
+            </a:fillRef>
+            <a:effectRef idx="0">
+              <a:schemeClr val="accent1"/>
+            </a:effectRef>
+            <a:fontRef idx="minor">
+              <a:schemeClr val="lt1"/>
+            </a:fontRef>
+          </p:style>
+          <p:txBody>
+            <a:bodyPr lIns="9144" tIns="9144" rIns="9144" bIns="9144" rtlCol="0" anchor="ctr"/>
+            <a:lstStyle/>
+            <a:p>
+              <a:pPr algn="ctr"/>
+              <a:r>
+                <a:rPr lang="en-US" sz="1200" b="1" dirty="0" err="1"/>
+                <a:t>MTConnect</a:t>
+              </a:r>
+              <a:r>
+                <a:rPr lang="en-US" sz="1200" b="1" dirty="0"/>
+                <a:t> </a:t>
+              </a:r>
+            </a:p>
+            <a:p>
+              <a:pPr algn="ctr"/>
+              <a:r>
+                <a:rPr lang="en-US" sz="1200" b="1" dirty="0"/>
+                <a:t>Adapter</a:t>
+              </a:r>
+            </a:p>
+          </p:txBody>
+        </p:sp>
+        <p:pic>
+          <p:nvPicPr>
+            <p:cNvPr id="14" name="Picture 13">
+              <a:extLst>
+                <a:ext uri="{FF2B5EF4-FFF2-40B4-BE49-F238E27FC236}">
+                  <a16:creationId xmlns:a16="http://schemas.microsoft.com/office/drawing/2014/main" id="{13B04EC6-BBFA-E162-D6D5-D2374AE8668F}"/>
+                </a:ext>
+              </a:extLst>
+            </p:cNvPr>
+            <p:cNvPicPr>
+              <a:picLocks noChangeAspect="1"/>
+            </p:cNvPicPr>
+            <p:nvPr/>
+          </p:nvPicPr>
+          <p:blipFill>
+            <a:blip r:embed="rId5" cstate="print">
+              <a:extLst>
+                <a:ext uri="{28A0092B-C50C-407E-A947-70E740481C1C}">
+                  <a14:useLocalDpi xmlns:a14="http://schemas.microsoft.com/office/drawing/2010/main"/>
+                </a:ext>
+              </a:extLst>
+            </a:blip>
+            <a:stretch>
+              <a:fillRect/>
+            </a:stretch>
+          </p:blipFill>
+          <p:spPr>
+            <a:xfrm rot="5400000">
+              <a:off x="4362116" y="3993189"/>
+              <a:ext cx="160550" cy="438125"/>
+            </a:xfrm>
+            <a:prstGeom prst="rect">
+              <a:avLst/>
+            </a:prstGeom>
+          </p:spPr>
+        </p:pic>
+        <p:pic>
+          <p:nvPicPr>
+            <p:cNvPr id="15" name="Picture 14">
+              <a:extLst>
+                <a:ext uri="{FF2B5EF4-FFF2-40B4-BE49-F238E27FC236}">
+                  <a16:creationId xmlns:a16="http://schemas.microsoft.com/office/drawing/2014/main" id="{112C2770-4214-FC24-F66D-23D3D2640564}"/>
+                </a:ext>
+              </a:extLst>
+            </p:cNvPr>
+            <p:cNvPicPr>
+              <a:picLocks noChangeAspect="1"/>
+            </p:cNvPicPr>
+            <p:nvPr/>
+          </p:nvPicPr>
+          <p:blipFill>
+            <a:blip r:embed="rId5" cstate="print">
+              <a:extLst>
+                <a:ext uri="{28A0092B-C50C-407E-A947-70E740481C1C}">
+                  <a14:useLocalDpi xmlns:a14="http://schemas.microsoft.com/office/drawing/2010/main"/>
+                </a:ext>
+              </a:extLst>
+            </a:blip>
+            <a:stretch>
+              <a:fillRect/>
+            </a:stretch>
+          </p:blipFill>
+          <p:spPr>
+            <a:xfrm rot="5400000">
+              <a:off x="4362116" y="4434971"/>
+              <a:ext cx="160550" cy="438125"/>
+            </a:xfrm>
+            <a:prstGeom prst="rect">
+              <a:avLst/>
+            </a:prstGeom>
+          </p:spPr>
+        </p:pic>
+        <p:pic>
+          <p:nvPicPr>
+            <p:cNvPr id="16" name="Picture 15">
+              <a:extLst>
+                <a:ext uri="{FF2B5EF4-FFF2-40B4-BE49-F238E27FC236}">
+                  <a16:creationId xmlns:a16="http://schemas.microsoft.com/office/drawing/2014/main" id="{5F652481-6D25-D52F-57A9-ED16E195D597}"/>
+                </a:ext>
+              </a:extLst>
+            </p:cNvPr>
+            <p:cNvPicPr>
+              <a:picLocks noChangeAspect="1"/>
+            </p:cNvPicPr>
+            <p:nvPr/>
+          </p:nvPicPr>
+          <p:blipFill>
+            <a:blip r:embed="rId5" cstate="print">
+              <a:extLst>
+                <a:ext uri="{28A0092B-C50C-407E-A947-70E740481C1C}">
+                  <a14:useLocalDpi xmlns:a14="http://schemas.microsoft.com/office/drawing/2010/main"/>
+                </a:ext>
+              </a:extLst>
+            </a:blip>
+            <a:stretch>
+              <a:fillRect/>
+            </a:stretch>
+          </p:blipFill>
+          <p:spPr>
+            <a:xfrm rot="5400000">
+              <a:off x="4362116" y="4876754"/>
+              <a:ext cx="160550" cy="438125"/>
+            </a:xfrm>
+            <a:prstGeom prst="rect">
+              <a:avLst/>
+            </a:prstGeom>
+          </p:spPr>
+        </p:pic>
+        <p:pic>
+          <p:nvPicPr>
+            <p:cNvPr id="17" name="Picture 16" descr="Accuenergy Acuvim II-D-5A-P1 Intelligent Power/Energy Meter, LCD, 5 A/1 A  input, 415 Vac/300 Vdc">
+              <a:extLst>
+                <a:ext uri="{FF2B5EF4-FFF2-40B4-BE49-F238E27FC236}">
+                  <a16:creationId xmlns:a16="http://schemas.microsoft.com/office/drawing/2014/main" id="{50C128BE-D215-2A8A-C786-B86DF62F95B5}"/>
+                </a:ext>
+              </a:extLst>
+            </p:cNvPr>
+            <p:cNvPicPr>
+              <a:picLocks noChangeAspect="1" noChangeArrowheads="1"/>
+            </p:cNvPicPr>
+            <p:nvPr/>
+          </p:nvPicPr>
+          <p:blipFill>
+            <a:blip r:embed="rId6" cstate="screen">
+              <a:extLst>
+                <a:ext uri="{28A0092B-C50C-407E-A947-70E740481C1C}">
+                  <a14:useLocalDpi xmlns:a14="http://schemas.microsoft.com/office/drawing/2010/main"/>
+                </a:ext>
+              </a:extLst>
+            </a:blip>
+            <a:srcRect/>
+            <a:stretch>
+              <a:fillRect/>
+            </a:stretch>
+          </p:blipFill>
+          <p:spPr bwMode="auto">
+            <a:xfrm>
+              <a:off x="6547537" y="4877944"/>
+              <a:ext cx="626547" cy="563891"/>
+            </a:xfrm>
+            <a:prstGeom prst="rect">
+              <a:avLst/>
+            </a:prstGeom>
+            <a:noFill/>
+            <a:extLst>
+              <a:ext uri="{909E8E84-426E-40DD-AFC4-6F175D3DCCD1}">
+                <a14:hiddenFill xmlns:a14="http://schemas.microsoft.com/office/drawing/2010/main">
+                  <a:solidFill>
+                    <a:srgbClr val="FFFFFF"/>
+                  </a:solidFill>
+                </a14:hiddenFill>
+              </a:ext>
+            </a:extLst>
+          </p:spPr>
+        </p:pic>
+        <p:cxnSp>
+          <p:nvCxnSpPr>
+            <p:cNvPr id="18" name="Connector: Elbow 17">
+              <a:extLst>
+                <a:ext uri="{FF2B5EF4-FFF2-40B4-BE49-F238E27FC236}">
+                  <a16:creationId xmlns:a16="http://schemas.microsoft.com/office/drawing/2014/main" id="{57C0D533-79C0-EAC8-3E73-D01E259088F8}"/>
+                </a:ext>
+              </a:extLst>
+            </p:cNvPr>
+            <p:cNvCxnSpPr>
+              <a:cxnSpLocks/>
+              <a:stCxn id="11" idx="2"/>
+              <a:endCxn id="12" idx="0"/>
+            </p:cNvCxnSpPr>
+            <p:nvPr/>
+          </p:nvCxnSpPr>
+          <p:spPr>
+            <a:xfrm rot="5400000">
+              <a:off x="5209728" y="4507022"/>
+              <a:ext cx="702302" cy="56898"/>
+            </a:xfrm>
+            <a:prstGeom prst="bentConnector3">
+              <a:avLst>
+                <a:gd name="adj1" fmla="val 50000"/>
+              </a:avLst>
+            </a:prstGeom>
+            <a:ln>
+              <a:solidFill>
+                <a:schemeClr val="tx1"/>
+              </a:solidFill>
+            </a:ln>
+          </p:spPr>
+          <p:style>
+            <a:lnRef idx="1">
+              <a:schemeClr val="accent1"/>
+            </a:lnRef>
+            <a:fillRef idx="0">
+              <a:schemeClr val="accent1"/>
+            </a:fillRef>
+            <a:effectRef idx="0">
+              <a:schemeClr val="accent1"/>
+            </a:effectRef>
+            <a:fontRef idx="minor">
+              <a:schemeClr val="tx1"/>
+            </a:fontRef>
+          </p:style>
+        </p:cxnSp>
+        <p:cxnSp>
+          <p:nvCxnSpPr>
+            <p:cNvPr id="19" name="Connector: Elbow 18">
+              <a:extLst>
+                <a:ext uri="{FF2B5EF4-FFF2-40B4-BE49-F238E27FC236}">
+                  <a16:creationId xmlns:a16="http://schemas.microsoft.com/office/drawing/2014/main" id="{76EF9AB5-038C-3A74-3FCD-B33E6FE20BC1}"/>
+                </a:ext>
+              </a:extLst>
+            </p:cNvPr>
+            <p:cNvCxnSpPr>
+              <a:cxnSpLocks/>
+              <a:stCxn id="14" idx="0"/>
+              <a:endCxn id="12" idx="1"/>
+            </p:cNvCxnSpPr>
+            <p:nvPr/>
+          </p:nvCxnSpPr>
+          <p:spPr>
+            <a:xfrm>
+              <a:off x="4661454" y="4212252"/>
+              <a:ext cx="729959" cy="1130456"/>
+            </a:xfrm>
+            <a:prstGeom prst="bentConnector3">
+              <a:avLst>
+                <a:gd name="adj1" fmla="val 50000"/>
+              </a:avLst>
+            </a:prstGeom>
+            <a:ln>
+              <a:solidFill>
+                <a:schemeClr val="tx1"/>
+              </a:solidFill>
+            </a:ln>
+          </p:spPr>
+          <p:style>
+            <a:lnRef idx="1">
+              <a:schemeClr val="accent1"/>
+            </a:lnRef>
+            <a:fillRef idx="0">
+              <a:schemeClr val="accent1"/>
+            </a:fillRef>
+            <a:effectRef idx="0">
+              <a:schemeClr val="accent1"/>
+            </a:effectRef>
+            <a:fontRef idx="minor">
+              <a:schemeClr val="tx1"/>
+            </a:fontRef>
+          </p:style>
+        </p:cxnSp>
+        <p:cxnSp>
+          <p:nvCxnSpPr>
+            <p:cNvPr id="20" name="Connector: Elbow 19">
+              <a:extLst>
+                <a:ext uri="{FF2B5EF4-FFF2-40B4-BE49-F238E27FC236}">
+                  <a16:creationId xmlns:a16="http://schemas.microsoft.com/office/drawing/2014/main" id="{76CBA1CF-E3B1-5BCC-D7B3-7C1A9AB40005}"/>
+                </a:ext>
+              </a:extLst>
+            </p:cNvPr>
+            <p:cNvCxnSpPr>
+              <a:cxnSpLocks/>
+              <a:stCxn id="15" idx="0"/>
+              <a:endCxn id="12" idx="1"/>
+            </p:cNvCxnSpPr>
+            <p:nvPr/>
+          </p:nvCxnSpPr>
+          <p:spPr>
+            <a:xfrm>
+              <a:off x="4661454" y="4654035"/>
+              <a:ext cx="729959" cy="688673"/>
+            </a:xfrm>
+            <a:prstGeom prst="bentConnector3">
+              <a:avLst>
+                <a:gd name="adj1" fmla="val 50000"/>
+              </a:avLst>
+            </a:prstGeom>
+            <a:ln>
+              <a:solidFill>
+                <a:schemeClr val="tx1"/>
+              </a:solidFill>
+            </a:ln>
+          </p:spPr>
+          <p:style>
+            <a:lnRef idx="1">
+              <a:schemeClr val="accent1"/>
+            </a:lnRef>
+            <a:fillRef idx="0">
+              <a:schemeClr val="accent1"/>
+            </a:fillRef>
+            <a:effectRef idx="0">
+              <a:schemeClr val="accent1"/>
+            </a:effectRef>
+            <a:fontRef idx="minor">
+              <a:schemeClr val="tx1"/>
+            </a:fontRef>
+          </p:style>
+        </p:cxnSp>
+        <p:cxnSp>
+          <p:nvCxnSpPr>
+            <p:cNvPr id="21" name="Connector: Elbow 20">
+              <a:extLst>
+                <a:ext uri="{FF2B5EF4-FFF2-40B4-BE49-F238E27FC236}">
+                  <a16:creationId xmlns:a16="http://schemas.microsoft.com/office/drawing/2014/main" id="{7A2B5FC3-3E4A-D457-B15B-02675BBF1794}"/>
+                </a:ext>
+              </a:extLst>
+            </p:cNvPr>
+            <p:cNvCxnSpPr>
+              <a:cxnSpLocks/>
+              <a:stCxn id="16" idx="0"/>
+              <a:endCxn id="12" idx="1"/>
+            </p:cNvCxnSpPr>
+            <p:nvPr/>
+          </p:nvCxnSpPr>
+          <p:spPr>
+            <a:xfrm>
+              <a:off x="4661454" y="5095818"/>
+              <a:ext cx="729959" cy="246890"/>
+            </a:xfrm>
+            <a:prstGeom prst="bentConnector3">
+              <a:avLst>
+                <a:gd name="adj1" fmla="val 50000"/>
+              </a:avLst>
+            </a:prstGeom>
+            <a:ln>
+              <a:solidFill>
+                <a:schemeClr val="tx1"/>
+              </a:solidFill>
+            </a:ln>
+          </p:spPr>
+          <p:style>
+            <a:lnRef idx="1">
+              <a:schemeClr val="accent1"/>
+            </a:lnRef>
+            <a:fillRef idx="0">
+              <a:schemeClr val="accent1"/>
+            </a:fillRef>
+            <a:effectRef idx="0">
+              <a:schemeClr val="accent1"/>
+            </a:effectRef>
+            <a:fontRef idx="minor">
+              <a:schemeClr val="tx1"/>
+            </a:fontRef>
+          </p:style>
+        </p:cxnSp>
+        <p:sp>
+          <p:nvSpPr>
+            <p:cNvPr id="22" name="TextBox 21">
+              <a:extLst>
+                <a:ext uri="{FF2B5EF4-FFF2-40B4-BE49-F238E27FC236}">
+                  <a16:creationId xmlns:a16="http://schemas.microsoft.com/office/drawing/2014/main" id="{47954C52-19C8-7C91-6557-8F76EFA15E6C}"/>
+                </a:ext>
+              </a:extLst>
+            </p:cNvPr>
+            <p:cNvSpPr txBox="1"/>
+            <p:nvPr/>
+          </p:nvSpPr>
+          <p:spPr>
+            <a:xfrm>
+              <a:off x="3981158" y="3795737"/>
+              <a:ext cx="831463" cy="261610"/>
+            </a:xfrm>
+            <a:prstGeom prst="rect">
+              <a:avLst/>
+            </a:prstGeom>
+            <a:noFill/>
+          </p:spPr>
+          <p:txBody>
+            <a:bodyPr wrap="square" rtlCol="0">
+              <a:spAutoFit/>
+            </a:bodyPr>
+            <a:lstStyle/>
+            <a:p>
+              <a:pPr algn="ctr"/>
+              <a:r>
+                <a:rPr lang="en-US" sz="1050" dirty="0">
+                  <a:solidFill>
+                    <a:srgbClr val="FF0000"/>
+                  </a:solidFill>
+                </a:rPr>
+                <a:t>@Spindle</a:t>
+              </a:r>
+            </a:p>
+          </p:txBody>
+        </p:sp>
+        <p:sp>
+          <p:nvSpPr>
+            <p:cNvPr id="23" name="TextBox 22">
+              <a:extLst>
+                <a:ext uri="{FF2B5EF4-FFF2-40B4-BE49-F238E27FC236}">
+                  <a16:creationId xmlns:a16="http://schemas.microsoft.com/office/drawing/2014/main" id="{8CF6A83D-C64A-6AED-7614-C1EB691CDB89}"/>
+                </a:ext>
+              </a:extLst>
+            </p:cNvPr>
+            <p:cNvSpPr txBox="1"/>
+            <p:nvPr/>
+          </p:nvSpPr>
+          <p:spPr>
+            <a:xfrm>
+              <a:off x="3893854" y="4237935"/>
+              <a:ext cx="1006070" cy="253916"/>
+            </a:xfrm>
+            <a:prstGeom prst="rect">
+              <a:avLst/>
+            </a:prstGeom>
+            <a:noFill/>
+          </p:spPr>
+          <p:txBody>
+            <a:bodyPr wrap="square" rtlCol="0">
+              <a:spAutoFit/>
+            </a:bodyPr>
+            <a:lstStyle/>
+            <a:p>
+              <a:pPr algn="ctr"/>
+              <a:r>
+                <a:rPr lang="en-US" sz="1050" dirty="0"/>
+                <a:t>@X-axis motor</a:t>
+              </a:r>
+            </a:p>
+          </p:txBody>
+        </p:sp>
+        <p:sp>
+          <p:nvSpPr>
+            <p:cNvPr id="24" name="TextBox 23">
+              <a:extLst>
+                <a:ext uri="{FF2B5EF4-FFF2-40B4-BE49-F238E27FC236}">
+                  <a16:creationId xmlns:a16="http://schemas.microsoft.com/office/drawing/2014/main" id="{582EFF6B-4315-2E50-DAC1-EAA0AE47B17F}"/>
+                </a:ext>
+              </a:extLst>
+            </p:cNvPr>
+            <p:cNvSpPr txBox="1"/>
+            <p:nvPr/>
+          </p:nvSpPr>
+          <p:spPr>
+            <a:xfrm>
+              <a:off x="3893854" y="4706451"/>
+              <a:ext cx="1006070" cy="253916"/>
+            </a:xfrm>
+            <a:prstGeom prst="rect">
+              <a:avLst/>
+            </a:prstGeom>
+            <a:noFill/>
+          </p:spPr>
+          <p:txBody>
+            <a:bodyPr wrap="square" rtlCol="0">
+              <a:spAutoFit/>
+            </a:bodyPr>
+            <a:lstStyle/>
+            <a:p>
+              <a:pPr algn="ctr"/>
+              <a:r>
+                <a:rPr lang="en-US" sz="1050" dirty="0">
+                  <a:solidFill>
+                    <a:srgbClr val="FF0000"/>
+                  </a:solidFill>
+                </a:rPr>
+                <a:t>@Y-axis motor</a:t>
+              </a:r>
+            </a:p>
+          </p:txBody>
+        </p:sp>
+        <p:sp>
+          <p:nvSpPr>
+            <p:cNvPr id="25" name="TextBox 24">
+              <a:extLst>
+                <a:ext uri="{FF2B5EF4-FFF2-40B4-BE49-F238E27FC236}">
+                  <a16:creationId xmlns:a16="http://schemas.microsoft.com/office/drawing/2014/main" id="{5CB1BEFF-6B79-7EEC-0A57-914BAEB6ED2F}"/>
+                </a:ext>
+              </a:extLst>
+            </p:cNvPr>
+            <p:cNvSpPr txBox="1"/>
+            <p:nvPr/>
+          </p:nvSpPr>
+          <p:spPr>
+            <a:xfrm>
+              <a:off x="3893854" y="5130916"/>
+              <a:ext cx="1006070" cy="253916"/>
+            </a:xfrm>
+            <a:prstGeom prst="rect">
+              <a:avLst/>
+            </a:prstGeom>
+            <a:noFill/>
+          </p:spPr>
+          <p:txBody>
+            <a:bodyPr wrap="square" rtlCol="0">
+              <a:spAutoFit/>
+            </a:bodyPr>
+            <a:lstStyle/>
+            <a:p>
+              <a:pPr algn="ctr"/>
+              <a:r>
+                <a:rPr lang="en-US" sz="1050" dirty="0"/>
+                <a:t>@Z-axis motor</a:t>
+              </a:r>
+            </a:p>
+          </p:txBody>
+        </p:sp>
+        <p:sp>
+          <p:nvSpPr>
+            <p:cNvPr id="26" name="TextBox 25">
+              <a:extLst>
+                <a:ext uri="{FF2B5EF4-FFF2-40B4-BE49-F238E27FC236}">
+                  <a16:creationId xmlns:a16="http://schemas.microsoft.com/office/drawing/2014/main" id="{4FEB933F-AC14-51BF-B2BF-5295D4953376}"/>
+                </a:ext>
+              </a:extLst>
+            </p:cNvPr>
+            <p:cNvSpPr txBox="1"/>
+            <p:nvPr/>
+          </p:nvSpPr>
+          <p:spPr>
+            <a:xfrm>
+              <a:off x="4978236" y="5770075"/>
+              <a:ext cx="1106677" cy="430887"/>
+            </a:xfrm>
+            <a:prstGeom prst="rect">
+              <a:avLst/>
+            </a:prstGeom>
+            <a:noFill/>
+          </p:spPr>
+          <p:txBody>
+            <a:bodyPr wrap="square" rtlCol="0">
+              <a:spAutoFit/>
+            </a:bodyPr>
+            <a:lstStyle/>
+            <a:p>
+              <a:pPr algn="ctr"/>
+              <a:r>
+                <a:rPr lang="en-US" sz="1100" b="1" dirty="0"/>
+                <a:t>IFM IO-Link master</a:t>
+              </a:r>
+            </a:p>
+          </p:txBody>
+        </p:sp>
+        <p:sp>
+          <p:nvSpPr>
+            <p:cNvPr id="27" name="TextBox 26">
+              <a:extLst>
+                <a:ext uri="{FF2B5EF4-FFF2-40B4-BE49-F238E27FC236}">
+                  <a16:creationId xmlns:a16="http://schemas.microsoft.com/office/drawing/2014/main" id="{B6A8DA35-C8DF-49B0-0331-C7E3AEE01329}"/>
+                </a:ext>
+              </a:extLst>
+            </p:cNvPr>
+            <p:cNvSpPr txBox="1"/>
+            <p:nvPr/>
+          </p:nvSpPr>
+          <p:spPr>
+            <a:xfrm>
+              <a:off x="6205161" y="5540708"/>
+              <a:ext cx="1106677" cy="261610"/>
+            </a:xfrm>
+            <a:prstGeom prst="rect">
+              <a:avLst/>
+            </a:prstGeom>
+            <a:noFill/>
+          </p:spPr>
+          <p:txBody>
+            <a:bodyPr wrap="square" rtlCol="0">
+              <a:spAutoFit/>
+            </a:bodyPr>
+            <a:lstStyle/>
+            <a:p>
+              <a:pPr algn="ctr"/>
+              <a:r>
+                <a:rPr lang="en-US" sz="1100" dirty="0"/>
+                <a:t>Power meter</a:t>
+              </a:r>
+            </a:p>
+          </p:txBody>
+        </p:sp>
+        <p:sp>
+          <p:nvSpPr>
+            <p:cNvPr id="28" name="TextBox 27">
+              <a:extLst>
+                <a:ext uri="{FF2B5EF4-FFF2-40B4-BE49-F238E27FC236}">
+                  <a16:creationId xmlns:a16="http://schemas.microsoft.com/office/drawing/2014/main" id="{E7633339-2972-3418-1989-B399BA920F68}"/>
+                </a:ext>
+              </a:extLst>
+            </p:cNvPr>
+            <p:cNvSpPr txBox="1"/>
+            <p:nvPr/>
+          </p:nvSpPr>
+          <p:spPr>
+            <a:xfrm>
+              <a:off x="5046288" y="4501916"/>
+              <a:ext cx="624690" cy="430887"/>
+            </a:xfrm>
+            <a:prstGeom prst="rect">
+              <a:avLst/>
+            </a:prstGeom>
+            <a:noFill/>
+          </p:spPr>
+          <p:txBody>
+            <a:bodyPr wrap="square" rtlCol="0">
+              <a:spAutoFit/>
+            </a:bodyPr>
+            <a:lstStyle/>
+            <a:p>
+              <a:pPr algn="ctr"/>
+              <a:r>
+                <a:rPr lang="en-US" sz="1050" dirty="0"/>
+                <a:t>REST API</a:t>
+              </a:r>
+            </a:p>
+          </p:txBody>
+        </p:sp>
+        <p:cxnSp>
+          <p:nvCxnSpPr>
+            <p:cNvPr id="29" name="Connector: Elbow 28">
+              <a:extLst>
+                <a:ext uri="{FF2B5EF4-FFF2-40B4-BE49-F238E27FC236}">
+                  <a16:creationId xmlns:a16="http://schemas.microsoft.com/office/drawing/2014/main" id="{DC00F9FE-148C-2A80-5FE9-160EE08D0B53}"/>
+                </a:ext>
+              </a:extLst>
+            </p:cNvPr>
+            <p:cNvCxnSpPr>
+              <a:cxnSpLocks/>
+              <a:stCxn id="11" idx="2"/>
+              <a:endCxn id="17" idx="0"/>
+            </p:cNvCxnSpPr>
+            <p:nvPr/>
+          </p:nvCxnSpPr>
+          <p:spPr>
+            <a:xfrm rot="16200000" flipH="1">
+              <a:off x="5878257" y="3895390"/>
+              <a:ext cx="693624" cy="1271483"/>
+            </a:xfrm>
+            <a:prstGeom prst="bentConnector3">
+              <a:avLst>
+                <a:gd name="adj1" fmla="val 50000"/>
+              </a:avLst>
+            </a:prstGeom>
+            <a:ln>
+              <a:solidFill>
+                <a:schemeClr val="tx1"/>
+              </a:solidFill>
+            </a:ln>
+          </p:spPr>
+          <p:style>
+            <a:lnRef idx="1">
+              <a:schemeClr val="accent1"/>
+            </a:lnRef>
+            <a:fillRef idx="0">
+              <a:schemeClr val="accent1"/>
+            </a:fillRef>
+            <a:effectRef idx="0">
+              <a:schemeClr val="accent1"/>
+            </a:effectRef>
+            <a:fontRef idx="minor">
+              <a:schemeClr val="tx1"/>
+            </a:fontRef>
+          </p:style>
+        </p:cxnSp>
+        <p:sp>
+          <p:nvSpPr>
+            <p:cNvPr id="30" name="TextBox 29">
+              <a:extLst>
+                <a:ext uri="{FF2B5EF4-FFF2-40B4-BE49-F238E27FC236}">
+                  <a16:creationId xmlns:a16="http://schemas.microsoft.com/office/drawing/2014/main" id="{42CF0FE8-D643-74C6-6FE4-6372F567770D}"/>
+                </a:ext>
+              </a:extLst>
+            </p:cNvPr>
+            <p:cNvSpPr txBox="1"/>
+            <p:nvPr/>
+          </p:nvSpPr>
+          <p:spPr>
+            <a:xfrm>
+              <a:off x="5610202" y="4326604"/>
+              <a:ext cx="1472988" cy="430887"/>
+            </a:xfrm>
+            <a:prstGeom prst="rect">
+              <a:avLst/>
+            </a:prstGeom>
+            <a:noFill/>
+          </p:spPr>
+          <p:txBody>
+            <a:bodyPr wrap="square" rtlCol="0">
+              <a:spAutoFit/>
+            </a:bodyPr>
+            <a:lstStyle/>
+            <a:p>
+              <a:pPr algn="ctr"/>
+              <a:r>
+                <a:rPr lang="en-US" sz="1050" dirty="0"/>
+                <a:t>Serial communication</a:t>
+              </a:r>
+            </a:p>
+            <a:p>
+              <a:pPr algn="ctr"/>
+              <a:r>
+                <a:rPr lang="en-US" sz="1050" dirty="0"/>
+                <a:t>(Modbus RTU)</a:t>
+              </a:r>
+            </a:p>
+          </p:txBody>
+        </p:sp>
+        <p:pic>
+          <p:nvPicPr>
+            <p:cNvPr id="31" name="Picture 4" descr="littmann stethoscope classic 3에 대한 이미지 검색결과">
+              <a:extLst>
+                <a:ext uri="{FF2B5EF4-FFF2-40B4-BE49-F238E27FC236}">
+                  <a16:creationId xmlns:a16="http://schemas.microsoft.com/office/drawing/2014/main" id="{AE12B0A4-E6D8-B085-4566-7603C0ADDB7F}"/>
+                </a:ext>
+              </a:extLst>
+            </p:cNvPr>
+            <p:cNvPicPr>
+              <a:picLocks noChangeAspect="1" noChangeArrowheads="1"/>
+            </p:cNvPicPr>
+            <p:nvPr/>
+          </p:nvPicPr>
+          <p:blipFill>
+            <a:blip r:embed="rId7" cstate="print">
+              <a:extLst>
+                <a:ext uri="{28A0092B-C50C-407E-A947-70E740481C1C}">
+                  <a14:useLocalDpi xmlns:a14="http://schemas.microsoft.com/office/drawing/2010/main"/>
+                </a:ext>
+              </a:extLst>
+            </a:blip>
+            <a:srcRect/>
+            <a:stretch>
+              <a:fillRect/>
+            </a:stretch>
+          </p:blipFill>
+          <p:spPr bwMode="auto">
+            <a:xfrm rot="10800000" flipV="1">
+              <a:off x="7702994" y="4569792"/>
+              <a:ext cx="507916" cy="511806"/>
+            </a:xfrm>
+            <a:prstGeom prst="rect">
+              <a:avLst/>
+            </a:prstGeom>
+            <a:noFill/>
+            <a:extLst>
+              <a:ext uri="{909E8E84-426E-40DD-AFC4-6F175D3DCCD1}">
+                <a14:hiddenFill xmlns:a14="http://schemas.microsoft.com/office/drawing/2010/main">
+                  <a:solidFill>
+                    <a:srgbClr val="FFFFFF"/>
+                  </a:solidFill>
+                </a14:hiddenFill>
+              </a:ext>
+            </a:extLst>
+          </p:spPr>
+        </p:pic>
+        <p:pic>
+          <p:nvPicPr>
+            <p:cNvPr id="32" name="Picture 2" descr="ATR3350iS - Omnidirectional Condenser Lavalier Microphone for Smartphones |  Audio-Technica">
+              <a:extLst>
+                <a:ext uri="{FF2B5EF4-FFF2-40B4-BE49-F238E27FC236}">
+                  <a16:creationId xmlns:a16="http://schemas.microsoft.com/office/drawing/2014/main" id="{734E3624-5357-C4A8-9197-D62A16194BD5}"/>
+                </a:ext>
+              </a:extLst>
+            </p:cNvPr>
+            <p:cNvPicPr>
+              <a:picLocks noChangeAspect="1" noChangeArrowheads="1"/>
+            </p:cNvPicPr>
+            <p:nvPr/>
+          </p:nvPicPr>
+          <p:blipFill rotWithShape="1">
+            <a:blip r:embed="rId8"/>
+            <a:srcRect/>
+            <a:stretch/>
+          </p:blipFill>
+          <p:spPr bwMode="auto">
+            <a:xfrm rot="16200000">
+              <a:off x="7910307" y="5292096"/>
+              <a:ext cx="301718" cy="523477"/>
+            </a:xfrm>
+            <a:prstGeom prst="rect">
+              <a:avLst/>
+            </a:prstGeom>
+            <a:extLst>
+              <a:ext uri="{909E8E84-426E-40DD-AFC4-6F175D3DCCD1}">
+                <a14:hiddenFill xmlns:a14="http://schemas.microsoft.com/office/drawing/2010/main">
+                  <a:solidFill>
+                    <a:srgbClr val="FFFFFF"/>
+                  </a:solidFill>
+                </a14:hiddenFill>
+              </a:ext>
+            </a:extLst>
+          </p:spPr>
+        </p:pic>
+        <p:sp>
+          <p:nvSpPr>
+            <p:cNvPr id="33" name="TextBox 32">
+              <a:extLst>
+                <a:ext uri="{FF2B5EF4-FFF2-40B4-BE49-F238E27FC236}">
+                  <a16:creationId xmlns:a16="http://schemas.microsoft.com/office/drawing/2014/main" id="{53620919-3541-4D47-AEAE-31B7FB66A64B}"/>
+                </a:ext>
+              </a:extLst>
+            </p:cNvPr>
+            <p:cNvSpPr txBox="1"/>
+            <p:nvPr/>
+          </p:nvSpPr>
+          <p:spPr>
+            <a:xfrm>
+              <a:off x="7525852" y="4961469"/>
+              <a:ext cx="831463" cy="261610"/>
+            </a:xfrm>
+            <a:prstGeom prst="rect">
+              <a:avLst/>
+            </a:prstGeom>
+            <a:noFill/>
+          </p:spPr>
+          <p:txBody>
+            <a:bodyPr wrap="square" rtlCol="0">
+              <a:spAutoFit/>
+            </a:bodyPr>
+            <a:lstStyle/>
+            <a:p>
+              <a:pPr algn="ctr"/>
+              <a:r>
+                <a:rPr lang="en-US" sz="1050" dirty="0"/>
+                <a:t>@Base</a:t>
+              </a:r>
+            </a:p>
+          </p:txBody>
+        </p:sp>
+        <p:sp>
+          <p:nvSpPr>
+            <p:cNvPr id="34" name="TextBox 33">
+              <a:extLst>
+                <a:ext uri="{FF2B5EF4-FFF2-40B4-BE49-F238E27FC236}">
+                  <a16:creationId xmlns:a16="http://schemas.microsoft.com/office/drawing/2014/main" id="{2BF1643C-5DF4-B067-8D59-D68B1B24C2C4}"/>
+                </a:ext>
+              </a:extLst>
+            </p:cNvPr>
+            <p:cNvSpPr txBox="1"/>
+            <p:nvPr/>
+          </p:nvSpPr>
+          <p:spPr>
+            <a:xfrm>
+              <a:off x="7131439" y="5647281"/>
+              <a:ext cx="1620287" cy="261610"/>
+            </a:xfrm>
+            <a:prstGeom prst="rect">
+              <a:avLst/>
+            </a:prstGeom>
+            <a:noFill/>
+          </p:spPr>
+          <p:txBody>
+            <a:bodyPr wrap="square" rtlCol="0">
+              <a:spAutoFit/>
+            </a:bodyPr>
+            <a:lstStyle/>
+            <a:p>
+              <a:pPr algn="ctr"/>
+              <a:r>
+                <a:rPr lang="en-US" sz="1050" dirty="0"/>
+                <a:t>@Inside of machine</a:t>
+              </a:r>
+            </a:p>
+          </p:txBody>
+        </p:sp>
+        <p:cxnSp>
+          <p:nvCxnSpPr>
+            <p:cNvPr id="35" name="Connector: Elbow 34">
+              <a:extLst>
+                <a:ext uri="{FF2B5EF4-FFF2-40B4-BE49-F238E27FC236}">
+                  <a16:creationId xmlns:a16="http://schemas.microsoft.com/office/drawing/2014/main" id="{44B9ED9D-C552-45EA-27FA-8D0066380197}"/>
+                </a:ext>
+              </a:extLst>
+            </p:cNvPr>
+            <p:cNvCxnSpPr>
+              <a:cxnSpLocks/>
+              <a:stCxn id="31" idx="1"/>
+              <a:endCxn id="66" idx="3"/>
+            </p:cNvCxnSpPr>
+            <p:nvPr/>
+          </p:nvCxnSpPr>
+          <p:spPr>
+            <a:xfrm flipH="1" flipV="1">
+              <a:off x="5951794" y="4016441"/>
+              <a:ext cx="2259116" cy="809254"/>
+            </a:xfrm>
+            <a:prstGeom prst="bentConnector3">
+              <a:avLst>
+                <a:gd name="adj1" fmla="val -10119"/>
+              </a:avLst>
+            </a:prstGeom>
+            <a:ln>
+              <a:solidFill>
+                <a:schemeClr val="tx1"/>
+              </a:solidFill>
+            </a:ln>
+          </p:spPr>
+          <p:style>
+            <a:lnRef idx="1">
+              <a:schemeClr val="accent1"/>
+            </a:lnRef>
+            <a:fillRef idx="0">
+              <a:schemeClr val="accent1"/>
+            </a:fillRef>
+            <a:effectRef idx="0">
+              <a:schemeClr val="accent1"/>
+            </a:effectRef>
+            <a:fontRef idx="minor">
+              <a:schemeClr val="tx1"/>
+            </a:fontRef>
+          </p:style>
+        </p:cxnSp>
+        <p:cxnSp>
+          <p:nvCxnSpPr>
+            <p:cNvPr id="36" name="Connector: Elbow 35">
+              <a:extLst>
+                <a:ext uri="{FF2B5EF4-FFF2-40B4-BE49-F238E27FC236}">
+                  <a16:creationId xmlns:a16="http://schemas.microsoft.com/office/drawing/2014/main" id="{C7C53A46-F858-7E57-5216-4899C84626F1}"/>
+                </a:ext>
+              </a:extLst>
+            </p:cNvPr>
+            <p:cNvCxnSpPr>
+              <a:cxnSpLocks/>
+              <a:stCxn id="64" idx="3"/>
+              <a:endCxn id="66" idx="3"/>
+            </p:cNvCxnSpPr>
+            <p:nvPr/>
+          </p:nvCxnSpPr>
+          <p:spPr>
+            <a:xfrm flipH="1" flipV="1">
+              <a:off x="5951794" y="4016441"/>
+              <a:ext cx="2259116" cy="1537393"/>
+            </a:xfrm>
+            <a:prstGeom prst="bentConnector3">
+              <a:avLst>
+                <a:gd name="adj1" fmla="val -10119"/>
+              </a:avLst>
+            </a:prstGeom>
+            <a:ln>
+              <a:solidFill>
+                <a:schemeClr val="tx1"/>
+              </a:solidFill>
+            </a:ln>
+          </p:spPr>
+          <p:style>
+            <a:lnRef idx="1">
+              <a:schemeClr val="accent1"/>
+            </a:lnRef>
+            <a:fillRef idx="0">
+              <a:schemeClr val="accent1"/>
+            </a:fillRef>
+            <a:effectRef idx="0">
+              <a:schemeClr val="accent1"/>
+            </a:effectRef>
+            <a:fontRef idx="minor">
+              <a:schemeClr val="tx1"/>
+            </a:fontRef>
+          </p:style>
+        </p:cxnSp>
+        <p:sp>
+          <p:nvSpPr>
+            <p:cNvPr id="37" name="TextBox 36">
+              <a:extLst>
+                <a:ext uri="{FF2B5EF4-FFF2-40B4-BE49-F238E27FC236}">
+                  <a16:creationId xmlns:a16="http://schemas.microsoft.com/office/drawing/2014/main" id="{380EDDE4-42F8-9B4F-CD2B-DE3A644E99E0}"/>
+                </a:ext>
+              </a:extLst>
+            </p:cNvPr>
+            <p:cNvSpPr txBox="1"/>
+            <p:nvPr/>
+          </p:nvSpPr>
+          <p:spPr>
+            <a:xfrm>
+              <a:off x="7429226" y="3987570"/>
+              <a:ext cx="914609" cy="261610"/>
+            </a:xfrm>
+            <a:prstGeom prst="rect">
+              <a:avLst/>
+            </a:prstGeom>
+            <a:noFill/>
+          </p:spPr>
+          <p:txBody>
+            <a:bodyPr wrap="square" rtlCol="0">
+              <a:spAutoFit/>
+            </a:bodyPr>
+            <a:lstStyle/>
+            <a:p>
+              <a:pPr algn="ctr"/>
+              <a:r>
+                <a:rPr lang="en-US" sz="1050" dirty="0"/>
+                <a:t>USB Comm.</a:t>
+              </a:r>
+            </a:p>
+          </p:txBody>
+        </p:sp>
+        <p:sp>
+          <p:nvSpPr>
+            <p:cNvPr id="38" name="TextBox 37">
+              <a:extLst>
+                <a:ext uri="{FF2B5EF4-FFF2-40B4-BE49-F238E27FC236}">
+                  <a16:creationId xmlns:a16="http://schemas.microsoft.com/office/drawing/2014/main" id="{E4CB838D-94B4-B771-491A-E20EAFD63C21}"/>
+                </a:ext>
+              </a:extLst>
+            </p:cNvPr>
+            <p:cNvSpPr txBox="1"/>
+            <p:nvPr/>
+          </p:nvSpPr>
+          <p:spPr>
+            <a:xfrm>
+              <a:off x="6241286" y="5373064"/>
+              <a:ext cx="1106677" cy="261610"/>
+            </a:xfrm>
+            <a:prstGeom prst="rect">
+              <a:avLst/>
+            </a:prstGeom>
+            <a:noFill/>
+          </p:spPr>
+          <p:txBody>
+            <a:bodyPr wrap="square" rtlCol="0">
+              <a:spAutoFit/>
+            </a:bodyPr>
+            <a:lstStyle/>
+            <a:p>
+              <a:pPr algn="ctr"/>
+              <a:r>
+                <a:rPr lang="en-US" sz="1050" dirty="0"/>
+                <a:t>@Main power</a:t>
+              </a:r>
+            </a:p>
+          </p:txBody>
+        </p:sp>
+        <p:cxnSp>
+          <p:nvCxnSpPr>
+            <p:cNvPr id="39" name="Straight Connector 38">
+              <a:extLst>
+                <a:ext uri="{FF2B5EF4-FFF2-40B4-BE49-F238E27FC236}">
+                  <a16:creationId xmlns:a16="http://schemas.microsoft.com/office/drawing/2014/main" id="{CE283036-BEF7-3E6F-9FA4-C68C4997293F}"/>
+                </a:ext>
+              </a:extLst>
+            </p:cNvPr>
+            <p:cNvCxnSpPr>
+              <a:cxnSpLocks/>
+              <a:stCxn id="8" idx="2"/>
+              <a:endCxn id="9" idx="0"/>
+            </p:cNvCxnSpPr>
+            <p:nvPr/>
+          </p:nvCxnSpPr>
+          <p:spPr>
+            <a:xfrm flipH="1">
+              <a:off x="3394718" y="3482806"/>
+              <a:ext cx="1" cy="86538"/>
+            </a:xfrm>
+            <a:prstGeom prst="line">
+              <a:avLst/>
+            </a:prstGeom>
+            <a:ln>
+              <a:solidFill>
+                <a:schemeClr val="tx1"/>
+              </a:solidFill>
+            </a:ln>
+          </p:spPr>
+          <p:style>
+            <a:lnRef idx="1">
+              <a:schemeClr val="accent1"/>
+            </a:lnRef>
+            <a:fillRef idx="0">
+              <a:schemeClr val="accent1"/>
+            </a:fillRef>
+            <a:effectRef idx="0">
+              <a:schemeClr val="accent1"/>
+            </a:effectRef>
+            <a:fontRef idx="minor">
+              <a:schemeClr val="tx1"/>
+            </a:fontRef>
+          </p:style>
+        </p:cxnSp>
+        <p:cxnSp>
+          <p:nvCxnSpPr>
+            <p:cNvPr id="40" name="Connector: Elbow 39">
+              <a:extLst>
+                <a:ext uri="{FF2B5EF4-FFF2-40B4-BE49-F238E27FC236}">
+                  <a16:creationId xmlns:a16="http://schemas.microsoft.com/office/drawing/2014/main" id="{13613D9D-0E1D-D0EC-39C2-249FA25A6058}"/>
+                </a:ext>
+              </a:extLst>
+            </p:cNvPr>
+            <p:cNvCxnSpPr>
+              <a:cxnSpLocks/>
+              <a:stCxn id="8" idx="3"/>
+              <a:endCxn id="13" idx="0"/>
+            </p:cNvCxnSpPr>
+            <p:nvPr/>
+          </p:nvCxnSpPr>
+          <p:spPr>
+            <a:xfrm>
+              <a:off x="3948057" y="3237811"/>
+              <a:ext cx="2401715" cy="118745"/>
+            </a:xfrm>
+            <a:prstGeom prst="bentConnector2">
+              <a:avLst/>
+            </a:prstGeom>
+            <a:ln>
+              <a:solidFill>
+                <a:schemeClr val="tx1"/>
+              </a:solidFill>
+            </a:ln>
+          </p:spPr>
+          <p:style>
+            <a:lnRef idx="1">
+              <a:schemeClr val="accent1"/>
+            </a:lnRef>
+            <a:fillRef idx="0">
+              <a:schemeClr val="accent1"/>
+            </a:fillRef>
+            <a:effectRef idx="0">
+              <a:schemeClr val="accent1"/>
+            </a:effectRef>
+            <a:fontRef idx="minor">
+              <a:schemeClr val="tx1"/>
+            </a:fontRef>
+          </p:style>
+        </p:cxnSp>
+        <p:sp>
+          <p:nvSpPr>
+            <p:cNvPr id="41" name="TextBox 40">
+              <a:extLst>
+                <a:ext uri="{FF2B5EF4-FFF2-40B4-BE49-F238E27FC236}">
+                  <a16:creationId xmlns:a16="http://schemas.microsoft.com/office/drawing/2014/main" id="{E92536C7-7380-5927-88B1-095DC167FDE8}"/>
+                </a:ext>
+              </a:extLst>
+            </p:cNvPr>
+            <p:cNvSpPr txBox="1"/>
+            <p:nvPr/>
+          </p:nvSpPr>
+          <p:spPr>
+            <a:xfrm>
+              <a:off x="4546802" y="3027638"/>
+              <a:ext cx="755875" cy="261610"/>
+            </a:xfrm>
+            <a:prstGeom prst="rect">
+              <a:avLst/>
+            </a:prstGeom>
+            <a:noFill/>
+          </p:spPr>
+          <p:txBody>
+            <a:bodyPr wrap="square" rtlCol="0">
+              <a:spAutoFit/>
+            </a:bodyPr>
+            <a:lstStyle/>
+            <a:p>
+              <a:pPr algn="ctr"/>
+              <a:r>
+                <a:rPr lang="en-US" sz="1050" dirty="0"/>
+                <a:t>TCP/IP</a:t>
+              </a:r>
+            </a:p>
+          </p:txBody>
+        </p:sp>
+        <p:pic>
+          <p:nvPicPr>
+            <p:cNvPr id="42" name="Picture 41">
+              <a:extLst>
+                <a:ext uri="{FF2B5EF4-FFF2-40B4-BE49-F238E27FC236}">
+                  <a16:creationId xmlns:a16="http://schemas.microsoft.com/office/drawing/2014/main" id="{B301522F-CA5F-CF6B-801C-0A7CF42D251F}"/>
+                </a:ext>
+              </a:extLst>
+            </p:cNvPr>
+            <p:cNvPicPr>
+              <a:picLocks noChangeAspect="1"/>
+            </p:cNvPicPr>
+            <p:nvPr/>
+          </p:nvPicPr>
+          <p:blipFill>
+            <a:blip r:embed="rId9" cstate="print">
+              <a:extLst>
+                <a:ext uri="{28A0092B-C50C-407E-A947-70E740481C1C}">
+                  <a14:useLocalDpi xmlns:a14="http://schemas.microsoft.com/office/drawing/2010/main"/>
+                </a:ext>
+              </a:extLst>
+            </a:blip>
+            <a:stretch>
+              <a:fillRect/>
+            </a:stretch>
+          </p:blipFill>
+          <p:spPr>
+            <a:xfrm>
+              <a:off x="351060" y="1886049"/>
+              <a:ext cx="2213650" cy="1672952"/>
+            </a:xfrm>
+            <a:prstGeom prst="rect">
+              <a:avLst/>
+            </a:prstGeom>
+            <a:ln>
+              <a:solidFill>
+                <a:schemeClr val="tx1"/>
+              </a:solidFill>
+            </a:ln>
+          </p:spPr>
+        </p:pic>
+        <p:cxnSp>
+          <p:nvCxnSpPr>
+            <p:cNvPr id="43" name="Straight Arrow Connector 42">
+              <a:extLst>
+                <a:ext uri="{FF2B5EF4-FFF2-40B4-BE49-F238E27FC236}">
+                  <a16:creationId xmlns:a16="http://schemas.microsoft.com/office/drawing/2014/main" id="{3B7F12CA-508A-725B-95EF-7B01B4E0943D}"/>
+                </a:ext>
+              </a:extLst>
+            </p:cNvPr>
+            <p:cNvCxnSpPr>
+              <a:cxnSpLocks/>
+              <a:stCxn id="8" idx="1"/>
+            </p:cNvCxnSpPr>
+            <p:nvPr/>
+          </p:nvCxnSpPr>
+          <p:spPr>
+            <a:xfrm flipH="1">
+              <a:off x="2556023" y="3237811"/>
+              <a:ext cx="285356" cy="0"/>
+            </a:xfrm>
+            <a:prstGeom prst="straightConnector1">
+              <a:avLst/>
+            </a:prstGeom>
+            <a:ln>
+              <a:solidFill>
+                <a:srgbClr val="0000FF"/>
+              </a:solidFill>
+              <a:tailEnd type="triangle"/>
+            </a:ln>
+          </p:spPr>
+          <p:style>
+            <a:lnRef idx="1">
+              <a:schemeClr val="accent1"/>
+            </a:lnRef>
+            <a:fillRef idx="0">
+              <a:schemeClr val="accent1"/>
+            </a:fillRef>
+            <a:effectRef idx="0">
+              <a:schemeClr val="accent1"/>
+            </a:effectRef>
+            <a:fontRef idx="minor">
+              <a:schemeClr val="tx1"/>
+            </a:fontRef>
+          </p:style>
+        </p:cxnSp>
+        <p:sp>
+          <p:nvSpPr>
+            <p:cNvPr id="44" name="TextBox 43">
+              <a:extLst>
+                <a:ext uri="{FF2B5EF4-FFF2-40B4-BE49-F238E27FC236}">
+                  <a16:creationId xmlns:a16="http://schemas.microsoft.com/office/drawing/2014/main" id="{F0BC45B4-9CDB-EA18-9B46-B3A12E290913}"/>
+                </a:ext>
+              </a:extLst>
+            </p:cNvPr>
+            <p:cNvSpPr txBox="1"/>
+            <p:nvPr/>
+          </p:nvSpPr>
+          <p:spPr>
+            <a:xfrm>
+              <a:off x="229968" y="3522086"/>
+              <a:ext cx="2451735" cy="261610"/>
+            </a:xfrm>
+            <a:prstGeom prst="rect">
+              <a:avLst/>
+            </a:prstGeom>
+            <a:noFill/>
+          </p:spPr>
+          <p:txBody>
+            <a:bodyPr wrap="square" rtlCol="0">
+              <a:spAutoFit/>
+            </a:bodyPr>
+            <a:lstStyle/>
+            <a:p>
+              <a:pPr algn="ctr"/>
+              <a:r>
+                <a:rPr lang="en-US" sz="1050" dirty="0" err="1"/>
+                <a:t>MTConnect</a:t>
+              </a:r>
+              <a:r>
+                <a:rPr lang="en-US" sz="1050" dirty="0"/>
+                <a:t> agent (web server)</a:t>
+              </a:r>
+            </a:p>
+          </p:txBody>
+        </p:sp>
+        <p:pic>
+          <p:nvPicPr>
+            <p:cNvPr id="45" name="Picture 2" descr="MySQL - LiveAgent">
+              <a:extLst>
+                <a:ext uri="{FF2B5EF4-FFF2-40B4-BE49-F238E27FC236}">
+                  <a16:creationId xmlns:a16="http://schemas.microsoft.com/office/drawing/2014/main" id="{60F4C726-08FC-7819-7ACF-C6C61508D02E}"/>
+                </a:ext>
+              </a:extLst>
+            </p:cNvPr>
+            <p:cNvPicPr>
+              <a:picLocks noChangeAspect="1" noChangeArrowheads="1"/>
+            </p:cNvPicPr>
+            <p:nvPr/>
+          </p:nvPicPr>
+          <p:blipFill rotWithShape="1">
+            <a:blip r:embed="rId10" cstate="screen">
+              <a:extLst>
+                <a:ext uri="{28A0092B-C50C-407E-A947-70E740481C1C}">
+                  <a14:useLocalDpi xmlns:a14="http://schemas.microsoft.com/office/drawing/2010/main"/>
+                </a:ext>
+              </a:extLst>
+            </a:blip>
+            <a:srcRect l="9063" t="16909" r="8457" b="16545"/>
+            <a:stretch/>
+          </p:blipFill>
+          <p:spPr bwMode="auto">
+            <a:xfrm>
+              <a:off x="3762070" y="1253648"/>
+              <a:ext cx="1143001" cy="614796"/>
+            </a:xfrm>
+            <a:prstGeom prst="rect">
+              <a:avLst/>
+            </a:prstGeom>
+            <a:noFill/>
+            <a:extLst>
+              <a:ext uri="{909E8E84-426E-40DD-AFC4-6F175D3DCCD1}">
+                <a14:hiddenFill xmlns:a14="http://schemas.microsoft.com/office/drawing/2010/main">
+                  <a:solidFill>
+                    <a:srgbClr val="FFFFFF"/>
+                  </a:solidFill>
+                </a14:hiddenFill>
+              </a:ext>
+            </a:extLst>
+          </p:spPr>
+        </p:pic>
+        <p:sp>
+          <p:nvSpPr>
+            <p:cNvPr id="46" name="TextBox 45">
+              <a:extLst>
+                <a:ext uri="{FF2B5EF4-FFF2-40B4-BE49-F238E27FC236}">
+                  <a16:creationId xmlns:a16="http://schemas.microsoft.com/office/drawing/2014/main" id="{1D1B8C82-2FA4-1E41-6AAE-67CF2EA5A320}"/>
+                </a:ext>
+              </a:extLst>
+            </p:cNvPr>
+            <p:cNvSpPr txBox="1"/>
+            <p:nvPr/>
+          </p:nvSpPr>
+          <p:spPr>
+            <a:xfrm>
+              <a:off x="3597075" y="1822973"/>
+              <a:ext cx="1472988" cy="430887"/>
+            </a:xfrm>
+            <a:prstGeom prst="rect">
+              <a:avLst/>
+            </a:prstGeom>
+            <a:noFill/>
+          </p:spPr>
+          <p:txBody>
+            <a:bodyPr wrap="square" rtlCol="0">
+              <a:spAutoFit/>
+            </a:bodyPr>
+            <a:lstStyle/>
+            <a:p>
+              <a:pPr algn="ctr"/>
+              <a:r>
+                <a:rPr lang="en-US" sz="1050" dirty="0"/>
+                <a:t>MySQL DB</a:t>
+              </a:r>
+            </a:p>
+            <a:p>
+              <a:pPr algn="ctr"/>
+              <a:r>
+                <a:rPr lang="en-US" sz="1050" b="1" dirty="0"/>
+                <a:t>(Purdue SENSE server)</a:t>
+              </a:r>
+            </a:p>
+          </p:txBody>
+        </p:sp>
+        <p:cxnSp>
+          <p:nvCxnSpPr>
+            <p:cNvPr id="47" name="Connector: Elbow 46">
+              <a:extLst>
+                <a:ext uri="{FF2B5EF4-FFF2-40B4-BE49-F238E27FC236}">
+                  <a16:creationId xmlns:a16="http://schemas.microsoft.com/office/drawing/2014/main" id="{6FE57C99-5646-B536-570C-4C097A25149F}"/>
+                </a:ext>
+              </a:extLst>
+            </p:cNvPr>
+            <p:cNvCxnSpPr>
+              <a:cxnSpLocks/>
+              <a:stCxn id="8" idx="0"/>
+              <a:endCxn id="45" idx="1"/>
+            </p:cNvCxnSpPr>
+            <p:nvPr/>
+          </p:nvCxnSpPr>
+          <p:spPr>
+            <a:xfrm rot="5400000" flipH="1" flipV="1">
+              <a:off x="2862510" y="2093256"/>
+              <a:ext cx="1431769" cy="367351"/>
+            </a:xfrm>
+            <a:prstGeom prst="bentConnector2">
+              <a:avLst/>
+            </a:prstGeom>
+            <a:ln>
+              <a:solidFill>
+                <a:schemeClr val="tx1"/>
+              </a:solidFill>
+              <a:headEnd type="none" w="med" len="med"/>
+              <a:tailEnd type="triangle" w="med" len="med"/>
+            </a:ln>
+          </p:spPr>
+          <p:style>
+            <a:lnRef idx="1">
+              <a:schemeClr val="accent1"/>
+            </a:lnRef>
+            <a:fillRef idx="0">
+              <a:schemeClr val="accent1"/>
+            </a:fillRef>
+            <a:effectRef idx="0">
+              <a:schemeClr val="accent1"/>
+            </a:effectRef>
+            <a:fontRef idx="minor">
+              <a:schemeClr val="tx1"/>
+            </a:fontRef>
+          </p:style>
+        </p:cxnSp>
+        <p:sp>
+          <p:nvSpPr>
+            <p:cNvPr id="48" name="TextBox 47">
+              <a:extLst>
+                <a:ext uri="{FF2B5EF4-FFF2-40B4-BE49-F238E27FC236}">
+                  <a16:creationId xmlns:a16="http://schemas.microsoft.com/office/drawing/2014/main" id="{2A328273-0BFA-3A02-86E4-08193A021853}"/>
+                </a:ext>
+              </a:extLst>
+            </p:cNvPr>
+            <p:cNvSpPr txBox="1"/>
+            <p:nvPr/>
+          </p:nvSpPr>
+          <p:spPr>
+            <a:xfrm>
+              <a:off x="7332910" y="5839441"/>
+              <a:ext cx="1217345" cy="261610"/>
+            </a:xfrm>
+            <a:prstGeom prst="rect">
+              <a:avLst/>
+            </a:prstGeom>
+            <a:noFill/>
+          </p:spPr>
+          <p:txBody>
+            <a:bodyPr wrap="square" rtlCol="0">
+              <a:spAutoFit/>
+            </a:bodyPr>
+            <a:lstStyle/>
+            <a:p>
+              <a:pPr algn="ctr"/>
+              <a:r>
+                <a:rPr lang="en-US" sz="1100" b="1" dirty="0"/>
+                <a:t>Sound sensors</a:t>
+              </a:r>
+            </a:p>
+          </p:txBody>
+        </p:sp>
+        <p:sp>
+          <p:nvSpPr>
+            <p:cNvPr id="49" name="TextBox 48">
+              <a:extLst>
+                <a:ext uri="{FF2B5EF4-FFF2-40B4-BE49-F238E27FC236}">
+                  <a16:creationId xmlns:a16="http://schemas.microsoft.com/office/drawing/2014/main" id="{309269ED-4255-8389-BA29-2D41BB30CCFA}"/>
+                </a:ext>
+              </a:extLst>
+            </p:cNvPr>
+            <p:cNvSpPr txBox="1"/>
+            <p:nvPr/>
+          </p:nvSpPr>
+          <p:spPr>
+            <a:xfrm>
+              <a:off x="3410987" y="5405946"/>
+              <a:ext cx="1960548" cy="430887"/>
+            </a:xfrm>
+            <a:prstGeom prst="rect">
+              <a:avLst/>
+            </a:prstGeom>
+            <a:noFill/>
+          </p:spPr>
+          <p:txBody>
+            <a:bodyPr wrap="square" rtlCol="0">
+              <a:spAutoFit/>
+            </a:bodyPr>
+            <a:lstStyle/>
+            <a:p>
+              <a:pPr algn="ctr"/>
+              <a:r>
+                <a:rPr lang="en-US" sz="1100" dirty="0"/>
+                <a:t>IFM vibration and temperature sensor</a:t>
+              </a:r>
+            </a:p>
+          </p:txBody>
+        </p:sp>
+        <p:sp>
+          <p:nvSpPr>
+            <p:cNvPr id="50" name="Rectangle: Rounded Corners 49">
+              <a:extLst>
+                <a:ext uri="{FF2B5EF4-FFF2-40B4-BE49-F238E27FC236}">
+                  <a16:creationId xmlns:a16="http://schemas.microsoft.com/office/drawing/2014/main" id="{CE3291D2-5325-5334-C7CB-D8F103110948}"/>
+                </a:ext>
+              </a:extLst>
+            </p:cNvPr>
+            <p:cNvSpPr/>
+            <p:nvPr/>
+          </p:nvSpPr>
+          <p:spPr>
+            <a:xfrm>
+              <a:off x="3016778" y="2254326"/>
+              <a:ext cx="755875" cy="489991"/>
+            </a:xfrm>
+            <a:prstGeom prst="roundRect">
+              <a:avLst/>
+            </a:prstGeom>
+            <a:solidFill>
+              <a:srgbClr val="FFFF00"/>
+            </a:solidFill>
+            <a:ln>
+              <a:noFill/>
+            </a:ln>
+          </p:spPr>
+          <p:style>
+            <a:lnRef idx="2">
+              <a:schemeClr val="accent1">
+                <a:shade val="50000"/>
+              </a:schemeClr>
+            </a:lnRef>
+            <a:fillRef idx="1">
+              <a:schemeClr val="accent1"/>
+            </a:fillRef>
+            <a:effectRef idx="0">
+              <a:schemeClr val="accent1"/>
+            </a:effectRef>
+            <a:fontRef idx="minor">
+              <a:schemeClr val="lt1"/>
+            </a:fontRef>
+          </p:style>
+          <p:txBody>
+            <a:bodyPr lIns="9144" tIns="9144" rIns="9144" bIns="9144" rtlCol="0" anchor="ctr"/>
+            <a:lstStyle/>
+            <a:p>
+              <a:pPr algn="ctr"/>
+              <a:r>
+                <a:rPr lang="en-US" sz="1200" b="1" dirty="0">
+                  <a:solidFill>
+                    <a:schemeClr val="tx1"/>
+                  </a:solidFill>
+                </a:rPr>
+                <a:t>Agent collector</a:t>
+              </a:r>
+            </a:p>
+          </p:txBody>
+        </p:sp>
+        <p:pic>
+          <p:nvPicPr>
+            <p:cNvPr id="51" name="Picture 8">
+              <a:extLst>
+                <a:ext uri="{FF2B5EF4-FFF2-40B4-BE49-F238E27FC236}">
+                  <a16:creationId xmlns:a16="http://schemas.microsoft.com/office/drawing/2014/main" id="{BCC68193-4FC3-122C-7507-425EE55ABF2C}"/>
+                </a:ext>
+              </a:extLst>
+            </p:cNvPr>
+            <p:cNvPicPr>
+              <a:picLocks noChangeAspect="1" noChangeArrowheads="1"/>
+            </p:cNvPicPr>
+            <p:nvPr/>
+          </p:nvPicPr>
+          <p:blipFill>
+            <a:blip r:embed="rId11" cstate="print">
+              <a:extLst>
+                <a:ext uri="{28A0092B-C50C-407E-A947-70E740481C1C}">
+                  <a14:useLocalDpi xmlns:a14="http://schemas.microsoft.com/office/drawing/2010/main"/>
+                </a:ext>
+              </a:extLst>
+            </a:blip>
+            <a:srcRect/>
+            <a:stretch>
+              <a:fillRect/>
+            </a:stretch>
+          </p:blipFill>
+          <p:spPr bwMode="auto">
+            <a:xfrm>
+              <a:off x="6346660" y="1253648"/>
+              <a:ext cx="633207" cy="645612"/>
+            </a:xfrm>
+            <a:prstGeom prst="rect">
+              <a:avLst/>
+            </a:prstGeom>
+            <a:noFill/>
+            <a:extLst>
+              <a:ext uri="{909E8E84-426E-40DD-AFC4-6F175D3DCCD1}">
+                <a14:hiddenFill xmlns:a14="http://schemas.microsoft.com/office/drawing/2010/main">
+                  <a:solidFill>
+                    <a:srgbClr val="FFFFFF"/>
+                  </a:solidFill>
+                </a14:hiddenFill>
+              </a:ext>
+            </a:extLst>
+          </p:spPr>
+        </p:pic>
+        <p:sp>
+          <p:nvSpPr>
+            <p:cNvPr id="52" name="TextBox 51">
+              <a:extLst>
+                <a:ext uri="{FF2B5EF4-FFF2-40B4-BE49-F238E27FC236}">
+                  <a16:creationId xmlns:a16="http://schemas.microsoft.com/office/drawing/2014/main" id="{17496DC3-7532-ECE3-7F4B-55015E130FB9}"/>
+                </a:ext>
+              </a:extLst>
+            </p:cNvPr>
+            <p:cNvSpPr txBox="1"/>
+            <p:nvPr/>
+          </p:nvSpPr>
+          <p:spPr>
+            <a:xfrm>
+              <a:off x="5934735" y="1878184"/>
+              <a:ext cx="1472988" cy="430887"/>
+            </a:xfrm>
+            <a:prstGeom prst="rect">
+              <a:avLst/>
+            </a:prstGeom>
+            <a:noFill/>
+          </p:spPr>
+          <p:txBody>
+            <a:bodyPr wrap="square" rtlCol="0">
+              <a:spAutoFit/>
+            </a:bodyPr>
+            <a:lstStyle/>
+            <a:p>
+              <a:pPr algn="ctr"/>
+              <a:r>
+                <a:rPr lang="en-US" sz="1050" dirty="0"/>
+                <a:t>Grafana dashboard</a:t>
+              </a:r>
+            </a:p>
+            <a:p>
+              <a:pPr algn="ctr"/>
+              <a:r>
+                <a:rPr lang="en-US" sz="1050" b="1" dirty="0"/>
+                <a:t>(Purdue SENSE server)</a:t>
+              </a:r>
+            </a:p>
+          </p:txBody>
+        </p:sp>
+        <p:cxnSp>
+          <p:nvCxnSpPr>
+            <p:cNvPr id="53" name="Connector: Elbow 52">
+              <a:extLst>
+                <a:ext uri="{FF2B5EF4-FFF2-40B4-BE49-F238E27FC236}">
+                  <a16:creationId xmlns:a16="http://schemas.microsoft.com/office/drawing/2014/main" id="{381BB75B-E0A5-2D54-5B6F-97C039CA7705}"/>
+                </a:ext>
+              </a:extLst>
+            </p:cNvPr>
+            <p:cNvCxnSpPr>
+              <a:cxnSpLocks/>
+              <a:stCxn id="45" idx="3"/>
+              <a:endCxn id="51" idx="1"/>
+            </p:cNvCxnSpPr>
+            <p:nvPr/>
+          </p:nvCxnSpPr>
+          <p:spPr>
+            <a:xfrm>
+              <a:off x="4905071" y="1561046"/>
+              <a:ext cx="1441589" cy="15408"/>
+            </a:xfrm>
+            <a:prstGeom prst="bentConnector3">
+              <a:avLst>
+                <a:gd name="adj1" fmla="val 50000"/>
+              </a:avLst>
+            </a:prstGeom>
+            <a:ln>
+              <a:solidFill>
+                <a:schemeClr val="tx1"/>
+              </a:solidFill>
+              <a:headEnd type="none" w="med" len="med"/>
+              <a:tailEnd type="triangle" w="med" len="med"/>
+            </a:ln>
+          </p:spPr>
+          <p:style>
+            <a:lnRef idx="1">
+              <a:schemeClr val="accent1"/>
+            </a:lnRef>
+            <a:fillRef idx="0">
+              <a:schemeClr val="accent1"/>
+            </a:fillRef>
+            <a:effectRef idx="0">
+              <a:schemeClr val="accent1"/>
+            </a:effectRef>
+            <a:fontRef idx="minor">
+              <a:schemeClr val="tx1"/>
+            </a:fontRef>
+          </p:style>
+        </p:cxnSp>
+        <p:pic>
+          <p:nvPicPr>
+            <p:cNvPr id="54" name="Picture 53">
+              <a:extLst>
+                <a:ext uri="{FF2B5EF4-FFF2-40B4-BE49-F238E27FC236}">
+                  <a16:creationId xmlns:a16="http://schemas.microsoft.com/office/drawing/2014/main" id="{FC944B76-9272-DFAC-91C1-E25B6973071F}"/>
+                </a:ext>
+              </a:extLst>
+            </p:cNvPr>
+            <p:cNvPicPr>
+              <a:picLocks noChangeAspect="1"/>
+            </p:cNvPicPr>
+            <p:nvPr/>
+          </p:nvPicPr>
+          <p:blipFill rotWithShape="1">
+            <a:blip r:embed="rId12" cstate="print">
+              <a:extLst>
+                <a:ext uri="{28A0092B-C50C-407E-A947-70E740481C1C}">
+                  <a14:useLocalDpi xmlns:a14="http://schemas.microsoft.com/office/drawing/2010/main"/>
+                </a:ext>
+              </a:extLst>
+            </a:blip>
+            <a:srcRect/>
+            <a:stretch/>
+          </p:blipFill>
+          <p:spPr>
+            <a:xfrm>
+              <a:off x="9442520" y="1327625"/>
+              <a:ext cx="675075" cy="722616"/>
+            </a:xfrm>
+            <a:prstGeom prst="rect">
+              <a:avLst/>
+            </a:prstGeom>
+          </p:spPr>
+        </p:pic>
+        <p:pic>
+          <p:nvPicPr>
+            <p:cNvPr id="55" name="Picture 54" descr="Icon&#10;&#10;Description automatically generated">
+              <a:extLst>
+                <a:ext uri="{FF2B5EF4-FFF2-40B4-BE49-F238E27FC236}">
+                  <a16:creationId xmlns:a16="http://schemas.microsoft.com/office/drawing/2014/main" id="{40039D3B-9ACB-B822-E22C-4937EBB501D2}"/>
+                </a:ext>
+              </a:extLst>
+            </p:cNvPr>
+            <p:cNvPicPr>
+              <a:picLocks noChangeAspect="1"/>
+            </p:cNvPicPr>
+            <p:nvPr/>
+          </p:nvPicPr>
+          <p:blipFill>
+            <a:blip r:embed="rId13" cstate="print">
+              <a:extLst>
+                <a:ext uri="{28A0092B-C50C-407E-A947-70E740481C1C}">
+                  <a14:useLocalDpi xmlns:a14="http://schemas.microsoft.com/office/drawing/2010/main"/>
+                </a:ext>
+              </a:extLst>
+            </a:blip>
+            <a:stretch>
+              <a:fillRect/>
+            </a:stretch>
+          </p:blipFill>
+          <p:spPr>
+            <a:xfrm>
+              <a:off x="10234318" y="1338440"/>
+              <a:ext cx="529013" cy="743846"/>
+            </a:xfrm>
+            <a:prstGeom prst="rect">
+              <a:avLst/>
+            </a:prstGeom>
+          </p:spPr>
+        </p:pic>
+        <p:sp>
+          <p:nvSpPr>
+            <p:cNvPr id="56" name="TextBox 55">
+              <a:extLst>
+                <a:ext uri="{FF2B5EF4-FFF2-40B4-BE49-F238E27FC236}">
+                  <a16:creationId xmlns:a16="http://schemas.microsoft.com/office/drawing/2014/main" id="{C0DB9F14-983B-5B51-7105-7DC1029F9EAB}"/>
+                </a:ext>
+              </a:extLst>
+            </p:cNvPr>
+            <p:cNvSpPr txBox="1"/>
+            <p:nvPr/>
+          </p:nvSpPr>
+          <p:spPr>
+            <a:xfrm>
+              <a:off x="9421524" y="2082286"/>
+              <a:ext cx="1341807" cy="307777"/>
+            </a:xfrm>
+            <a:prstGeom prst="rect">
+              <a:avLst/>
+            </a:prstGeom>
+            <a:noFill/>
+          </p:spPr>
+          <p:txBody>
+            <a:bodyPr wrap="square" rtlCol="0">
+              <a:spAutoFit/>
+            </a:bodyPr>
+            <a:lstStyle/>
+            <a:p>
+              <a:pPr algn="ctr"/>
+              <a:r>
+                <a:rPr lang="en-US" sz="1400" dirty="0"/>
+                <a:t>End-users</a:t>
+              </a:r>
+            </a:p>
+          </p:txBody>
+        </p:sp>
+        <p:pic>
+          <p:nvPicPr>
+            <p:cNvPr id="57" name="Picture 56">
+              <a:extLst>
+                <a:ext uri="{FF2B5EF4-FFF2-40B4-BE49-F238E27FC236}">
+                  <a16:creationId xmlns:a16="http://schemas.microsoft.com/office/drawing/2014/main" id="{2BECC244-21D1-86F8-A8E6-12A8BDF6AD89}"/>
+                </a:ext>
+              </a:extLst>
+            </p:cNvPr>
+            <p:cNvPicPr>
+              <a:picLocks noChangeAspect="1"/>
+            </p:cNvPicPr>
+            <p:nvPr/>
+          </p:nvPicPr>
+          <p:blipFill>
+            <a:blip r:embed="rId5" cstate="print">
+              <a:extLst>
+                <a:ext uri="{28A0092B-C50C-407E-A947-70E740481C1C}">
+                  <a14:useLocalDpi xmlns:a14="http://schemas.microsoft.com/office/drawing/2010/main"/>
+                </a:ext>
+              </a:extLst>
+            </a:blip>
+            <a:stretch>
+              <a:fillRect/>
+            </a:stretch>
+          </p:blipFill>
+          <p:spPr>
+            <a:xfrm rot="5400000">
+              <a:off x="4362116" y="3576998"/>
+              <a:ext cx="160550" cy="438125"/>
+            </a:xfrm>
+            <a:prstGeom prst="rect">
+              <a:avLst/>
+            </a:prstGeom>
+          </p:spPr>
+        </p:pic>
+        <p:cxnSp>
+          <p:nvCxnSpPr>
+            <p:cNvPr id="58" name="Connector: Elbow 57">
+              <a:extLst>
+                <a:ext uri="{FF2B5EF4-FFF2-40B4-BE49-F238E27FC236}">
+                  <a16:creationId xmlns:a16="http://schemas.microsoft.com/office/drawing/2014/main" id="{972F58D6-94AA-A815-487C-F05A58542983}"/>
+                </a:ext>
+              </a:extLst>
+            </p:cNvPr>
+            <p:cNvCxnSpPr>
+              <a:cxnSpLocks/>
+              <a:stCxn id="57" idx="0"/>
+              <a:endCxn id="12" idx="1"/>
+            </p:cNvCxnSpPr>
+            <p:nvPr/>
+          </p:nvCxnSpPr>
+          <p:spPr>
+            <a:xfrm>
+              <a:off x="4661454" y="3796061"/>
+              <a:ext cx="729959" cy="1546646"/>
+            </a:xfrm>
+            <a:prstGeom prst="bentConnector3">
+              <a:avLst>
+                <a:gd name="adj1" fmla="val 50000"/>
+              </a:avLst>
+            </a:prstGeom>
+            <a:ln>
+              <a:solidFill>
+                <a:schemeClr val="tx1"/>
+              </a:solidFill>
+            </a:ln>
+          </p:spPr>
+          <p:style>
+            <a:lnRef idx="1">
+              <a:schemeClr val="accent1"/>
+            </a:lnRef>
+            <a:fillRef idx="0">
+              <a:schemeClr val="accent1"/>
+            </a:fillRef>
+            <a:effectRef idx="0">
+              <a:schemeClr val="accent1"/>
+            </a:effectRef>
+            <a:fontRef idx="minor">
+              <a:schemeClr val="tx1"/>
+            </a:fontRef>
+          </p:style>
+        </p:cxnSp>
+        <p:pic>
+          <p:nvPicPr>
+            <p:cNvPr id="59" name="Picture 2" descr="How OpenBOM integrates with Box.com for sharing files in a secured  environment | by OpenBOM (openbom.com) | Medium">
+              <a:extLst>
+                <a:ext uri="{FF2B5EF4-FFF2-40B4-BE49-F238E27FC236}">
+                  <a16:creationId xmlns:a16="http://schemas.microsoft.com/office/drawing/2014/main" id="{60C11C24-6EAA-99E0-CA53-8B2AAD5A904A}"/>
+                </a:ext>
+              </a:extLst>
+            </p:cNvPr>
+            <p:cNvPicPr>
+              <a:picLocks noChangeAspect="1" noChangeArrowheads="1"/>
+            </p:cNvPicPr>
+            <p:nvPr/>
+          </p:nvPicPr>
+          <p:blipFill>
+            <a:blip r:embed="rId14" cstate="print">
+              <a:extLst>
+                <a:ext uri="{28A0092B-C50C-407E-A947-70E740481C1C}">
+                  <a14:useLocalDpi xmlns:a14="http://schemas.microsoft.com/office/drawing/2010/main"/>
+                </a:ext>
+              </a:extLst>
+            </a:blip>
+            <a:srcRect/>
+            <a:stretch>
+              <a:fillRect/>
+            </a:stretch>
+          </p:blipFill>
+          <p:spPr bwMode="auto">
+            <a:xfrm>
+              <a:off x="9573877" y="2941678"/>
+              <a:ext cx="1009488" cy="749545"/>
+            </a:xfrm>
+            <a:prstGeom prst="rect">
+              <a:avLst/>
+            </a:prstGeom>
+            <a:noFill/>
+            <a:extLst>
+              <a:ext uri="{909E8E84-426E-40DD-AFC4-6F175D3DCCD1}">
+                <a14:hiddenFill xmlns:a14="http://schemas.microsoft.com/office/drawing/2010/main">
+                  <a:solidFill>
+                    <a:srgbClr val="FFFFFF"/>
+                  </a:solidFill>
+                </a14:hiddenFill>
+              </a:ext>
+            </a:extLst>
+          </p:spPr>
+        </p:pic>
+        <p:sp>
+          <p:nvSpPr>
+            <p:cNvPr id="60" name="Arrow: Right 59">
+              <a:extLst>
+                <a:ext uri="{FF2B5EF4-FFF2-40B4-BE49-F238E27FC236}">
+                  <a16:creationId xmlns:a16="http://schemas.microsoft.com/office/drawing/2014/main" id="{336D768E-D6E7-1F83-AB85-54B7F60B0D83}"/>
+                </a:ext>
+              </a:extLst>
+            </p:cNvPr>
+            <p:cNvSpPr/>
+            <p:nvPr/>
+          </p:nvSpPr>
+          <p:spPr>
+            <a:xfrm>
+              <a:off x="6772716" y="3041045"/>
+              <a:ext cx="2863261" cy="819856"/>
+            </a:xfrm>
+            <a:prstGeom prst="rightArrow">
+              <a:avLst>
+                <a:gd name="adj1" fmla="val 50000"/>
+                <a:gd name="adj2" fmla="val 51162"/>
+              </a:avLst>
+            </a:prstGeom>
+            <a:gradFill>
+              <a:gsLst>
+                <a:gs pos="0">
+                  <a:schemeClr val="bg1">
+                    <a:alpha val="0"/>
+                  </a:schemeClr>
+                </a:gs>
+                <a:gs pos="36000">
+                  <a:schemeClr val="accent1">
+                    <a:lumMod val="60000"/>
+                    <a:lumOff val="40000"/>
+                  </a:schemeClr>
+                </a:gs>
+                <a:gs pos="80000">
+                  <a:schemeClr val="accent1">
+                    <a:lumMod val="75000"/>
+                  </a:schemeClr>
+                </a:gs>
+                <a:gs pos="100000">
+                  <a:schemeClr val="accent1">
+                    <a:lumMod val="50000"/>
+                  </a:schemeClr>
+                </a:gs>
+              </a:gsLst>
+              <a:lin ang="0" scaled="0"/>
+            </a:gradFill>
+            <a:ln>
+              <a:noFill/>
+            </a:ln>
+          </p:spPr>
+          <p:style>
+            <a:lnRef idx="2">
+              <a:schemeClr val="accent1">
+                <a:shade val="50000"/>
+              </a:schemeClr>
+            </a:lnRef>
+            <a:fillRef idx="1">
+              <a:schemeClr val="accent1"/>
+            </a:fillRef>
+            <a:effectRef idx="0">
+              <a:schemeClr val="accent1"/>
+            </a:effectRef>
+            <a:fontRef idx="minor">
+              <a:schemeClr val="lt1"/>
+            </a:fontRef>
+          </p:style>
+          <p:txBody>
+            <a:bodyPr rtlCol="0" anchor="ctr"/>
+            <a:lstStyle/>
+            <a:p>
+              <a:pPr algn="ctr"/>
+              <a:r>
+                <a:rPr lang="en-US" sz="1600" dirty="0">
+                  <a:solidFill>
+                    <a:schemeClr val="tx1"/>
+                  </a:solidFill>
+                </a:rPr>
+                <a:t>Raw IoT sensor data collection</a:t>
+              </a:r>
+            </a:p>
+          </p:txBody>
+        </p:sp>
+        <p:sp>
+          <p:nvSpPr>
+            <p:cNvPr id="61" name="TextBox 60">
+              <a:extLst>
+                <a:ext uri="{FF2B5EF4-FFF2-40B4-BE49-F238E27FC236}">
+                  <a16:creationId xmlns:a16="http://schemas.microsoft.com/office/drawing/2014/main" id="{2C902E77-7C49-1338-2854-6F7ACB68E802}"/>
+                </a:ext>
+              </a:extLst>
+            </p:cNvPr>
+            <p:cNvSpPr txBox="1"/>
+            <p:nvPr/>
+          </p:nvSpPr>
+          <p:spPr>
+            <a:xfrm>
+              <a:off x="9401309" y="3727523"/>
+              <a:ext cx="1297472" cy="461665"/>
+            </a:xfrm>
+            <a:prstGeom prst="rect">
+              <a:avLst/>
+            </a:prstGeom>
+            <a:noFill/>
+          </p:spPr>
+          <p:txBody>
+            <a:bodyPr wrap="square" rtlCol="0">
+              <a:spAutoFit/>
+            </a:bodyPr>
+            <a:lstStyle/>
+            <a:p>
+              <a:pPr algn="ctr"/>
+              <a:r>
+                <a:rPr lang="en-US" sz="1200" b="1" dirty="0"/>
+                <a:t>BOX.COM cloud storage</a:t>
+              </a:r>
+            </a:p>
+          </p:txBody>
+        </p:sp>
+        <p:pic>
+          <p:nvPicPr>
+            <p:cNvPr id="62" name="Picture 4" descr="Wav file format symbol - Free interface icons">
+              <a:extLst>
+                <a:ext uri="{FF2B5EF4-FFF2-40B4-BE49-F238E27FC236}">
+                  <a16:creationId xmlns:a16="http://schemas.microsoft.com/office/drawing/2014/main" id="{AA3552A7-C27F-C265-CBC9-3D89B2A26706}"/>
+                </a:ext>
+              </a:extLst>
+            </p:cNvPr>
+            <p:cNvPicPr>
+              <a:picLocks noChangeAspect="1" noChangeArrowheads="1"/>
+            </p:cNvPicPr>
+            <p:nvPr/>
+          </p:nvPicPr>
+          <p:blipFill>
+            <a:blip r:embed="rId15" cstate="print">
+              <a:extLst>
+                <a:ext uri="{28A0092B-C50C-407E-A947-70E740481C1C}">
+                  <a14:useLocalDpi xmlns:a14="http://schemas.microsoft.com/office/drawing/2010/main"/>
+                </a:ext>
+              </a:extLst>
+            </a:blip>
+            <a:srcRect/>
+            <a:stretch>
+              <a:fillRect/>
+            </a:stretch>
+          </p:blipFill>
+          <p:spPr bwMode="auto">
+            <a:xfrm>
+              <a:off x="7855339" y="2725344"/>
+              <a:ext cx="337235" cy="337235"/>
+            </a:xfrm>
+            <a:prstGeom prst="rect">
+              <a:avLst/>
+            </a:prstGeom>
+            <a:noFill/>
+            <a:extLst>
+              <a:ext uri="{909E8E84-426E-40DD-AFC4-6F175D3DCCD1}">
+                <a14:hiddenFill xmlns:a14="http://schemas.microsoft.com/office/drawing/2010/main">
+                  <a:solidFill>
+                    <a:srgbClr val="FFFFFF"/>
+                  </a:solidFill>
+                </a14:hiddenFill>
+              </a:ext>
+            </a:extLst>
+          </p:spPr>
+        </p:pic>
+        <p:sp>
+          <p:nvSpPr>
+            <p:cNvPr id="63" name="TextBox 62">
+              <a:extLst>
+                <a:ext uri="{FF2B5EF4-FFF2-40B4-BE49-F238E27FC236}">
+                  <a16:creationId xmlns:a16="http://schemas.microsoft.com/office/drawing/2014/main" id="{D5584710-06FA-E8A3-BDCA-52D2E0ED73F8}"/>
+                </a:ext>
+              </a:extLst>
+            </p:cNvPr>
+            <p:cNvSpPr txBox="1"/>
+            <p:nvPr/>
+          </p:nvSpPr>
+          <p:spPr>
+            <a:xfrm>
+              <a:off x="7606559" y="3023209"/>
+              <a:ext cx="766263" cy="230832"/>
+            </a:xfrm>
+            <a:prstGeom prst="rect">
+              <a:avLst/>
+            </a:prstGeom>
+            <a:noFill/>
+          </p:spPr>
+          <p:txBody>
+            <a:bodyPr wrap="square" rtlCol="0">
+              <a:spAutoFit/>
+            </a:bodyPr>
+            <a:lstStyle/>
+            <a:p>
+              <a:pPr algn="ctr"/>
+              <a:r>
+                <a:rPr lang="en-US" sz="900" dirty="0"/>
+                <a:t>Sound data</a:t>
+              </a:r>
+            </a:p>
+          </p:txBody>
+        </p:sp>
+        <p:pic>
+          <p:nvPicPr>
+            <p:cNvPr id="64" name="Picture 63">
+              <a:extLst>
+                <a:ext uri="{FF2B5EF4-FFF2-40B4-BE49-F238E27FC236}">
+                  <a16:creationId xmlns:a16="http://schemas.microsoft.com/office/drawing/2014/main" id="{EE5545CE-D18E-9542-3504-3F42F2468F35}"/>
+                </a:ext>
+              </a:extLst>
+            </p:cNvPr>
+            <p:cNvPicPr>
+              <a:picLocks noChangeAspect="1"/>
+            </p:cNvPicPr>
+            <p:nvPr/>
+          </p:nvPicPr>
+          <p:blipFill rotWithShape="1">
+            <a:blip r:embed="rId16">
+              <a:extLst>
+                <a:ext uri="{BEBA8EAE-BF5A-486C-A8C5-ECC9F3942E4B}">
+                  <a14:imgProps xmlns:a14="http://schemas.microsoft.com/office/drawing/2010/main">
+                    <a14:imgLayer r:embed="rId17">
+                      <a14:imgEffect>
+                        <a14:backgroundRemoval t="10000" b="90000" l="10000" r="90000"/>
+                      </a14:imgEffect>
+                    </a14:imgLayer>
+                  </a14:imgProps>
+                </a:ext>
+              </a:extLst>
+            </a:blip>
+            <a:srcRect r="15386"/>
+            <a:stretch/>
+          </p:blipFill>
+          <p:spPr>
+            <a:xfrm>
+              <a:off x="7745531" y="5378229"/>
+              <a:ext cx="465379" cy="351209"/>
+            </a:xfrm>
+            <a:prstGeom prst="rect">
+              <a:avLst/>
+            </a:prstGeom>
+            <a:effectLst/>
+          </p:spPr>
+        </p:pic>
+        <p:sp>
+          <p:nvSpPr>
+            <p:cNvPr id="65" name="Arrow: Right 64">
+              <a:extLst>
+                <a:ext uri="{FF2B5EF4-FFF2-40B4-BE49-F238E27FC236}">
+                  <a16:creationId xmlns:a16="http://schemas.microsoft.com/office/drawing/2014/main" id="{223CE41A-B849-7C2F-491B-DFAEBAFDFA8C}"/>
+                </a:ext>
+              </a:extLst>
+            </p:cNvPr>
+            <p:cNvSpPr/>
+            <p:nvPr/>
+          </p:nvSpPr>
+          <p:spPr>
+            <a:xfrm>
+              <a:off x="6463383" y="1352849"/>
+              <a:ext cx="2964000" cy="789272"/>
+            </a:xfrm>
+            <a:prstGeom prst="rightArrow">
+              <a:avLst/>
+            </a:prstGeom>
+            <a:gradFill>
+              <a:gsLst>
+                <a:gs pos="0">
+                  <a:schemeClr val="bg1">
+                    <a:alpha val="0"/>
+                  </a:schemeClr>
+                </a:gs>
+                <a:gs pos="36000">
+                  <a:schemeClr val="accent2">
+                    <a:lumMod val="40000"/>
+                    <a:lumOff val="60000"/>
+                  </a:schemeClr>
+                </a:gs>
+                <a:gs pos="80000">
+                  <a:schemeClr val="accent2">
+                    <a:lumMod val="60000"/>
+                    <a:lumOff val="40000"/>
+                  </a:schemeClr>
+                </a:gs>
+                <a:gs pos="100000">
+                  <a:schemeClr val="accent2"/>
+                </a:gs>
+              </a:gsLst>
+              <a:lin ang="0" scaled="0"/>
+            </a:gradFill>
+            <a:ln>
+              <a:noFill/>
+            </a:ln>
+          </p:spPr>
+          <p:style>
+            <a:lnRef idx="2">
+              <a:schemeClr val="accent1">
+                <a:shade val="50000"/>
+              </a:schemeClr>
+            </a:lnRef>
+            <a:fillRef idx="1">
+              <a:schemeClr val="accent1"/>
+            </a:fillRef>
+            <a:effectRef idx="0">
+              <a:schemeClr val="accent1"/>
+            </a:effectRef>
+            <a:fontRef idx="minor">
+              <a:schemeClr val="lt1"/>
+            </a:fontRef>
+          </p:style>
+          <p:txBody>
+            <a:bodyPr rtlCol="0" anchor="ctr"/>
+            <a:lstStyle/>
+            <a:p>
+              <a:pPr algn="r"/>
+              <a:r>
+                <a:rPr lang="en-US" sz="1600" dirty="0">
+                  <a:solidFill>
+                    <a:schemeClr val="tx1"/>
+                  </a:solidFill>
+                </a:rPr>
+                <a:t>Real-time visualization</a:t>
+              </a:r>
+            </a:p>
+          </p:txBody>
+        </p:sp>
+        <p:sp>
+          <p:nvSpPr>
+            <p:cNvPr id="66" name="Rectangle 65">
+              <a:extLst>
+                <a:ext uri="{FF2B5EF4-FFF2-40B4-BE49-F238E27FC236}">
+                  <a16:creationId xmlns:a16="http://schemas.microsoft.com/office/drawing/2014/main" id="{22E4452A-BC28-2924-1C6F-42BED0870931}"/>
+                </a:ext>
+              </a:extLst>
+            </p:cNvPr>
+            <p:cNvSpPr/>
+            <p:nvPr/>
+          </p:nvSpPr>
+          <p:spPr>
+            <a:xfrm>
+              <a:off x="5906075" y="3951460"/>
+              <a:ext cx="45719" cy="129962"/>
+            </a:xfrm>
+            <a:prstGeom prst="rect">
+              <a:avLst/>
+            </a:prstGeom>
+            <a:noFill/>
+            <a:ln>
+              <a:noFill/>
+            </a:ln>
+          </p:spPr>
+          <p:style>
+            <a:lnRef idx="2">
+              <a:schemeClr val="accent1">
+                <a:shade val="15000"/>
+              </a:schemeClr>
+            </a:lnRef>
+            <a:fillRef idx="1">
+              <a:schemeClr val="accent1"/>
+            </a:fillRef>
+            <a:effectRef idx="0">
+              <a:schemeClr val="accent1"/>
+            </a:effectRef>
+            <a:fontRef idx="minor">
+              <a:schemeClr val="lt1"/>
+            </a:fontRef>
+          </p:style>
+          <p:txBody>
+            <a:bodyPr rtlCol="0" anchor="ctr"/>
+            <a:lstStyle/>
+            <a:p>
+              <a:pPr algn="ctr"/>
+              <a:endParaRPr lang="en-US"/>
+            </a:p>
+          </p:txBody>
+        </p:sp>
+        <p:pic>
+          <p:nvPicPr>
+            <p:cNvPr id="67" name="Picture 2" descr="Media">
+              <a:extLst>
+                <a:ext uri="{FF2B5EF4-FFF2-40B4-BE49-F238E27FC236}">
+                  <a16:creationId xmlns:a16="http://schemas.microsoft.com/office/drawing/2014/main" id="{090199C8-2C96-CC77-25AE-35840312021A}"/>
+                </a:ext>
+              </a:extLst>
+            </p:cNvPr>
+            <p:cNvPicPr>
+              <a:picLocks noChangeAspect="1" noChangeArrowheads="1"/>
+            </p:cNvPicPr>
+            <p:nvPr/>
+          </p:nvPicPr>
+          <p:blipFill>
+            <a:blip r:embed="rId18">
+              <a:extLst>
+                <a:ext uri="{28A0092B-C50C-407E-A947-70E740481C1C}">
+                  <a14:useLocalDpi xmlns:a14="http://schemas.microsoft.com/office/drawing/2010/main" val="0"/>
+                </a:ext>
+              </a:extLst>
+            </a:blip>
+            <a:srcRect/>
+            <a:stretch>
+              <a:fillRect/>
+            </a:stretch>
+          </p:blipFill>
+          <p:spPr bwMode="auto">
+            <a:xfrm>
+              <a:off x="8829952" y="4448373"/>
+              <a:ext cx="2318448" cy="747699"/>
+            </a:xfrm>
+            <a:prstGeom prst="rect">
+              <a:avLst/>
+            </a:prstGeom>
+            <a:noFill/>
+            <a:extLst>
+              <a:ext uri="{909E8E84-426E-40DD-AFC4-6F175D3DCCD1}">
+                <a14:hiddenFill xmlns:a14="http://schemas.microsoft.com/office/drawing/2010/main">
+                  <a:solidFill>
+                    <a:srgbClr val="FFFFFF"/>
+                  </a:solidFill>
+                </a14:hiddenFill>
+              </a:ext>
+            </a:extLst>
+          </p:spPr>
+        </p:pic>
+        <p:pic>
+          <p:nvPicPr>
+            <p:cNvPr id="68" name="Picture 2" descr="National Science Foundation - Wikipedia">
+              <a:extLst>
+                <a:ext uri="{FF2B5EF4-FFF2-40B4-BE49-F238E27FC236}">
+                  <a16:creationId xmlns:a16="http://schemas.microsoft.com/office/drawing/2014/main" id="{9AC307CC-65AF-535E-C15E-E177403ED4B2}"/>
+                </a:ext>
+              </a:extLst>
+            </p:cNvPr>
+            <p:cNvPicPr>
+              <a:picLocks noChangeAspect="1" noChangeArrowheads="1"/>
+            </p:cNvPicPr>
+            <p:nvPr/>
+          </p:nvPicPr>
+          <p:blipFill>
+            <a:blip r:embed="rId19">
+              <a:extLst>
+                <a:ext uri="{28A0092B-C50C-407E-A947-70E740481C1C}">
+                  <a14:useLocalDpi xmlns:a14="http://schemas.microsoft.com/office/drawing/2010/main" val="0"/>
+                </a:ext>
+              </a:extLst>
+            </a:blip>
+            <a:srcRect/>
+            <a:stretch>
+              <a:fillRect/>
+            </a:stretch>
+          </p:blipFill>
+          <p:spPr bwMode="auto">
+            <a:xfrm>
+              <a:off x="10199722" y="5216905"/>
+              <a:ext cx="896728" cy="901317"/>
+            </a:xfrm>
+            <a:prstGeom prst="rect">
+              <a:avLst/>
+            </a:prstGeom>
+            <a:noFill/>
+            <a:extLst>
+              <a:ext uri="{909E8E84-426E-40DD-AFC4-6F175D3DCCD1}">
+                <a14:hiddenFill xmlns:a14="http://schemas.microsoft.com/office/drawing/2010/main">
+                  <a:solidFill>
+                    <a:srgbClr val="FFFFFF"/>
+                  </a:solidFill>
+                </a14:hiddenFill>
+              </a:ext>
+            </a:extLst>
+          </p:spPr>
+        </p:pic>
+        <p:pic>
+          <p:nvPicPr>
+            <p:cNvPr id="69" name="Picture 2" descr="MTConnect Adapters List – 2019 (Manufacturers and Protocols) | Relyum">
+              <a:extLst>
+                <a:ext uri="{FF2B5EF4-FFF2-40B4-BE49-F238E27FC236}">
+                  <a16:creationId xmlns:a16="http://schemas.microsoft.com/office/drawing/2014/main" id="{C2EC20E9-B153-1019-7691-E1D879A59C68}"/>
+                </a:ext>
+              </a:extLst>
+            </p:cNvPr>
+            <p:cNvPicPr>
+              <a:picLocks noChangeAspect="1" noChangeArrowheads="1"/>
+            </p:cNvPicPr>
+            <p:nvPr/>
+          </p:nvPicPr>
+          <p:blipFill rotWithShape="1">
+            <a:blip r:embed="rId20">
+              <a:extLst>
+                <a:ext uri="{28A0092B-C50C-407E-A947-70E740481C1C}">
+                  <a14:useLocalDpi xmlns:a14="http://schemas.microsoft.com/office/drawing/2010/main" val="0"/>
+                </a:ext>
+              </a:extLst>
+            </a:blip>
+            <a:srcRect l="-1842" r="-1611"/>
+            <a:stretch/>
+          </p:blipFill>
+          <p:spPr bwMode="auto">
+            <a:xfrm>
+              <a:off x="533879" y="1239979"/>
+              <a:ext cx="1908555" cy="579166"/>
+            </a:xfrm>
+            <a:prstGeom prst="rect">
+              <a:avLst/>
+            </a:prstGeom>
+            <a:noFill/>
+            <a:extLst>
+              <a:ext uri="{909E8E84-426E-40DD-AFC4-6F175D3DCCD1}">
+                <a14:hiddenFill xmlns:a14="http://schemas.microsoft.com/office/drawing/2010/main">
+                  <a:solidFill>
+                    <a:srgbClr val="FFFFFF"/>
+                  </a:solidFill>
+                </a14:hiddenFill>
+              </a:ext>
+            </a:extLst>
+          </p:spPr>
+        </p:pic>
+        <p:pic>
+          <p:nvPicPr>
+            <p:cNvPr id="70" name="Picture 10" descr="ECE Logos - Elmore Family School of Electrical and Computer Engineering -  Purdue University">
+              <a:extLst>
+                <a:ext uri="{FF2B5EF4-FFF2-40B4-BE49-F238E27FC236}">
+                  <a16:creationId xmlns:a16="http://schemas.microsoft.com/office/drawing/2014/main" id="{146D40D3-B41F-A92A-AF0D-2C6FC15BA00A}"/>
+                </a:ext>
+              </a:extLst>
+            </p:cNvPr>
+            <p:cNvPicPr>
+              <a:picLocks noChangeAspect="1" noChangeArrowheads="1"/>
+            </p:cNvPicPr>
+            <p:nvPr/>
+          </p:nvPicPr>
+          <p:blipFill>
+            <a:blip r:embed="rId21">
+              <a:extLst>
+                <a:ext uri="{28A0092B-C50C-407E-A947-70E740481C1C}">
+                  <a14:useLocalDpi xmlns:a14="http://schemas.microsoft.com/office/drawing/2010/main" val="0"/>
+                </a:ext>
+              </a:extLst>
+            </a:blip>
+            <a:srcRect/>
+            <a:stretch>
+              <a:fillRect/>
+            </a:stretch>
+          </p:blipFill>
+          <p:spPr bwMode="auto">
+            <a:xfrm>
+              <a:off x="8802236" y="5275414"/>
+              <a:ext cx="1227686" cy="794927"/>
+            </a:xfrm>
+            <a:prstGeom prst="rect">
+              <a:avLst/>
+            </a:prstGeom>
+            <a:noFill/>
+            <a:extLst>
+              <a:ext uri="{909E8E84-426E-40DD-AFC4-6F175D3DCCD1}">
+                <a14:hiddenFill xmlns:a14="http://schemas.microsoft.com/office/drawing/2010/main">
+                  <a:solidFill>
+                    <a:srgbClr val="FFFFFF"/>
+                  </a:solidFill>
+                </a14:hiddenFill>
+              </a:ext>
+            </a:extLst>
+          </p:spPr>
+        </p:pic>
+      </p:grpSp>
+    </p:spTree>
+    <p:extLst>
+      <p:ext uri="{BB962C8B-B14F-4D97-AF65-F5344CB8AC3E}">
+        <p14:creationId xmlns:p14="http://schemas.microsoft.com/office/powerpoint/2010/main" val="3904209933"/>
       </p:ext>
     </p:extLst>
   </p:cSld>

--- a/img/Figure_editing.pptx
+++ b/img/Figure_editing.pptx
@@ -17,6 +17,7 @@
     <p:sldId id="261" r:id="rId11"/>
     <p:sldId id="262" r:id="rId12"/>
     <p:sldId id="267" r:id="rId13"/>
+    <p:sldId id="268" r:id="rId14"/>
   </p:sldIdLst>
   <p:sldSz cx="12192000" cy="6858000"/>
   <p:notesSz cx="6858000" cy="9144000"/>
@@ -6770,6 +6771,1660 @@
     <p:extLst>
       <p:ext uri="{BB962C8B-B14F-4D97-AF65-F5344CB8AC3E}">
         <p14:creationId xmlns:p14="http://schemas.microsoft.com/office/powerpoint/2010/main" val="3904209933"/>
+      </p:ext>
+    </p:extLst>
+  </p:cSld>
+  <p:clrMapOvr>
+    <a:masterClrMapping/>
+  </p:clrMapOvr>
+</p:sld>
+</file>
+
+<file path=ppt/slides/slide13.xml><?xml version="1.0" encoding="utf-8"?>
+<p:sld xmlns:a="http://schemas.openxmlformats.org/drawingml/2006/main" xmlns:r="http://schemas.openxmlformats.org/officeDocument/2006/relationships" xmlns:p="http://schemas.openxmlformats.org/presentationml/2006/main">
+  <p:cSld>
+    <p:spTree>
+      <p:nvGrpSpPr>
+        <p:cNvPr id="1" name=""/>
+        <p:cNvGrpSpPr/>
+        <p:nvPr/>
+      </p:nvGrpSpPr>
+      <p:grpSpPr>
+        <a:xfrm>
+          <a:off x="0" y="0"/>
+          <a:ext cx="0" cy="0"/>
+          <a:chOff x="0" y="0"/>
+          <a:chExt cx="0" cy="0"/>
+        </a:xfrm>
+      </p:grpSpPr>
+      <p:grpSp>
+        <p:nvGrpSpPr>
+          <p:cNvPr id="4" name="Group 3">
+            <a:extLst>
+              <a:ext uri="{FF2B5EF4-FFF2-40B4-BE49-F238E27FC236}">
+                <a16:creationId xmlns:a16="http://schemas.microsoft.com/office/drawing/2014/main" id="{C2D26F88-BA92-4D62-D1CF-6BF7C5EDF0D7}"/>
+              </a:ext>
+            </a:extLst>
+          </p:cNvPr>
+          <p:cNvGrpSpPr/>
+          <p:nvPr/>
+        </p:nvGrpSpPr>
+        <p:grpSpPr>
+          <a:xfrm>
+            <a:off x="1776846" y="1830573"/>
+            <a:ext cx="9119727" cy="3196854"/>
+            <a:chOff x="571500" y="2074439"/>
+            <a:chExt cx="9119727" cy="3196854"/>
+          </a:xfrm>
+        </p:grpSpPr>
+        <p:sp>
+          <p:nvSpPr>
+            <p:cNvPr id="5" name="Rectangle 4">
+              <a:extLst>
+                <a:ext uri="{FF2B5EF4-FFF2-40B4-BE49-F238E27FC236}">
+                  <a16:creationId xmlns:a16="http://schemas.microsoft.com/office/drawing/2014/main" id="{90ED2986-8066-F6BF-5A51-A322D7D85D67}"/>
+                </a:ext>
+              </a:extLst>
+            </p:cNvPr>
+            <p:cNvSpPr/>
+            <p:nvPr/>
+          </p:nvSpPr>
+          <p:spPr>
+            <a:xfrm>
+              <a:off x="571500" y="2074439"/>
+              <a:ext cx="9066380" cy="3196854"/>
+            </a:xfrm>
+            <a:prstGeom prst="rect">
+              <a:avLst/>
+            </a:prstGeom>
+            <a:solidFill>
+              <a:schemeClr val="bg1"/>
+            </a:solidFill>
+            <a:ln>
+              <a:solidFill>
+                <a:schemeClr val="bg1"/>
+              </a:solidFill>
+            </a:ln>
+          </p:spPr>
+          <p:style>
+            <a:lnRef idx="2">
+              <a:schemeClr val="accent1">
+                <a:shade val="15000"/>
+              </a:schemeClr>
+            </a:lnRef>
+            <a:fillRef idx="1">
+              <a:schemeClr val="accent1"/>
+            </a:fillRef>
+            <a:effectRef idx="0">
+              <a:schemeClr val="accent1"/>
+            </a:effectRef>
+            <a:fontRef idx="minor">
+              <a:schemeClr val="lt1"/>
+            </a:fontRef>
+          </p:style>
+          <p:txBody>
+            <a:bodyPr rtlCol="0" anchor="ctr"/>
+            <a:lstStyle/>
+            <a:p>
+              <a:pPr algn="ctr"/>
+              <a:endParaRPr lang="en-US"/>
+            </a:p>
+          </p:txBody>
+        </p:sp>
+        <p:grpSp>
+          <p:nvGrpSpPr>
+            <p:cNvPr id="6" name="Group 5">
+              <a:extLst>
+                <a:ext uri="{FF2B5EF4-FFF2-40B4-BE49-F238E27FC236}">
+                  <a16:creationId xmlns:a16="http://schemas.microsoft.com/office/drawing/2014/main" id="{A65CC5B3-AF96-A2D5-36EF-AEAB6DA38DE0}"/>
+                </a:ext>
+              </a:extLst>
+            </p:cNvPr>
+            <p:cNvGrpSpPr/>
+            <p:nvPr/>
+          </p:nvGrpSpPr>
+          <p:grpSpPr>
+            <a:xfrm>
+              <a:off x="666518" y="2074439"/>
+              <a:ext cx="9024709" cy="3103704"/>
+              <a:chOff x="666518" y="2074439"/>
+              <a:chExt cx="9024709" cy="3103704"/>
+            </a:xfrm>
+          </p:grpSpPr>
+          <p:sp>
+            <p:nvSpPr>
+              <p:cNvPr id="7" name="Arrow: Right 6">
+                <a:extLst>
+                  <a:ext uri="{FF2B5EF4-FFF2-40B4-BE49-F238E27FC236}">
+                    <a16:creationId xmlns:a16="http://schemas.microsoft.com/office/drawing/2014/main" id="{2B2885F0-47F5-5624-7F9A-D4FAC817174E}"/>
+                  </a:ext>
+                </a:extLst>
+              </p:cNvPr>
+              <p:cNvSpPr/>
+              <p:nvPr/>
+            </p:nvSpPr>
+            <p:spPr>
+              <a:xfrm>
+                <a:off x="5371796" y="2074439"/>
+                <a:ext cx="3062113" cy="901618"/>
+              </a:xfrm>
+              <a:prstGeom prst="rightArrow">
+                <a:avLst/>
+              </a:prstGeom>
+              <a:gradFill>
+                <a:gsLst>
+                  <a:gs pos="0">
+                    <a:schemeClr val="bg1">
+                      <a:alpha val="0"/>
+                    </a:schemeClr>
+                  </a:gs>
+                  <a:gs pos="36000">
+                    <a:schemeClr val="accent2">
+                      <a:lumMod val="40000"/>
+                      <a:lumOff val="60000"/>
+                    </a:schemeClr>
+                  </a:gs>
+                  <a:gs pos="80000">
+                    <a:schemeClr val="accent2">
+                      <a:lumMod val="60000"/>
+                      <a:lumOff val="40000"/>
+                    </a:schemeClr>
+                  </a:gs>
+                  <a:gs pos="100000">
+                    <a:schemeClr val="accent2"/>
+                  </a:gs>
+                </a:gsLst>
+                <a:lin ang="0" scaled="0"/>
+              </a:gradFill>
+              <a:ln>
+                <a:noFill/>
+              </a:ln>
+            </p:spPr>
+            <p:style>
+              <a:lnRef idx="2">
+                <a:schemeClr val="accent1">
+                  <a:shade val="50000"/>
+                </a:schemeClr>
+              </a:lnRef>
+              <a:fillRef idx="1">
+                <a:schemeClr val="accent1"/>
+              </a:fillRef>
+              <a:effectRef idx="0">
+                <a:schemeClr val="accent1"/>
+              </a:effectRef>
+              <a:fontRef idx="minor">
+                <a:schemeClr val="lt1"/>
+              </a:fontRef>
+            </p:style>
+            <p:txBody>
+              <a:bodyPr rtlCol="0" anchor="ctr"/>
+              <a:lstStyle/>
+              <a:p>
+                <a:pPr algn="r"/>
+                <a:endParaRPr lang="en-US" sz="1600" dirty="0">
+                  <a:solidFill>
+                    <a:schemeClr val="tx1"/>
+                  </a:solidFill>
+                </a:endParaRPr>
+              </a:p>
+            </p:txBody>
+          </p:sp>
+          <p:pic>
+            <p:nvPicPr>
+              <p:cNvPr id="8" name="Picture 7">
+                <a:extLst>
+                  <a:ext uri="{FF2B5EF4-FFF2-40B4-BE49-F238E27FC236}">
+                    <a16:creationId xmlns:a16="http://schemas.microsoft.com/office/drawing/2014/main" id="{F84E2B01-6D0B-DF32-2BB7-0B9DD449E582}"/>
+                  </a:ext>
+                </a:extLst>
+              </p:cNvPr>
+              <p:cNvPicPr>
+                <a:picLocks noChangeAspect="1"/>
+              </p:cNvPicPr>
+              <p:nvPr/>
+            </p:nvPicPr>
+            <p:blipFill>
+              <a:blip r:embed="rId2"/>
+              <a:stretch>
+                <a:fillRect/>
+              </a:stretch>
+            </p:blipFill>
+            <p:spPr>
+              <a:xfrm>
+                <a:off x="666518" y="3224167"/>
+                <a:ext cx="2026798" cy="1261525"/>
+              </a:xfrm>
+              <a:prstGeom prst="rect">
+                <a:avLst/>
+              </a:prstGeom>
+            </p:spPr>
+          </p:pic>
+          <p:pic>
+            <p:nvPicPr>
+              <p:cNvPr id="9" name="Picture 8">
+                <a:extLst>
+                  <a:ext uri="{FF2B5EF4-FFF2-40B4-BE49-F238E27FC236}">
+                    <a16:creationId xmlns:a16="http://schemas.microsoft.com/office/drawing/2014/main" id="{5F0824E8-DB8D-9ADB-4664-F8E64F2EF087}"/>
+                  </a:ext>
+                </a:extLst>
+              </p:cNvPr>
+              <p:cNvPicPr>
+                <a:picLocks noChangeAspect="1"/>
+              </p:cNvPicPr>
+              <p:nvPr/>
+            </p:nvPicPr>
+            <p:blipFill>
+              <a:blip r:embed="rId3" cstate="email">
+                <a:extLst>
+                  <a:ext uri="{28A0092B-C50C-407E-A947-70E740481C1C}">
+                    <a14:useLocalDpi xmlns:a14="http://schemas.microsoft.com/office/drawing/2010/main"/>
+                  </a:ext>
+                </a:extLst>
+              </a:blip>
+              <a:stretch>
+                <a:fillRect/>
+              </a:stretch>
+            </p:blipFill>
+            <p:spPr>
+              <a:xfrm>
+                <a:off x="697985" y="2204650"/>
+                <a:ext cx="682442" cy="682442"/>
+              </a:xfrm>
+              <a:prstGeom prst="rect">
+                <a:avLst/>
+              </a:prstGeom>
+            </p:spPr>
+          </p:pic>
+          <p:sp>
+            <p:nvSpPr>
+              <p:cNvPr id="10" name="TextBox 9">
+                <a:extLst>
+                  <a:ext uri="{FF2B5EF4-FFF2-40B4-BE49-F238E27FC236}">
+                    <a16:creationId xmlns:a16="http://schemas.microsoft.com/office/drawing/2014/main" id="{EE2BE5DF-5A12-80E4-641F-E4EBCDE24D6E}"/>
+                  </a:ext>
+                </a:extLst>
+              </p:cNvPr>
+              <p:cNvSpPr txBox="1"/>
+              <p:nvPr/>
+            </p:nvSpPr>
+            <p:spPr>
+              <a:xfrm>
+                <a:off x="2446990" y="3645118"/>
+                <a:ext cx="1018446" cy="738664"/>
+              </a:xfrm>
+              <a:prstGeom prst="rect">
+                <a:avLst/>
+              </a:prstGeom>
+              <a:solidFill>
+                <a:schemeClr val="bg1">
+                  <a:alpha val="28000"/>
+                </a:schemeClr>
+              </a:solidFill>
+            </p:spPr>
+            <p:txBody>
+              <a:bodyPr wrap="square" lIns="0" tIns="0" rIns="0" bIns="0" rtlCol="0">
+                <a:spAutoFit/>
+              </a:bodyPr>
+              <a:lstStyle/>
+              <a:p>
+                <a:pPr algn="ctr"/>
+                <a:r>
+                  <a:rPr lang="en-US" sz="1200" b="1" dirty="0"/>
+                  <a:t>NGC</a:t>
+                </a:r>
+              </a:p>
+              <a:p>
+                <a:pPr algn="ctr"/>
+                <a:r>
+                  <a:rPr lang="en-US" sz="1200" dirty="0"/>
+                  <a:t>(Next Generation Control)</a:t>
+                </a:r>
+              </a:p>
+            </p:txBody>
+          </p:sp>
+          <p:pic>
+            <p:nvPicPr>
+              <p:cNvPr id="11" name="Picture 4" descr="Haas Logo PNG Vector (SVG) Free Download">
+                <a:extLst>
+                  <a:ext uri="{FF2B5EF4-FFF2-40B4-BE49-F238E27FC236}">
+                    <a16:creationId xmlns:a16="http://schemas.microsoft.com/office/drawing/2014/main" id="{C82B780A-5DCA-D4A9-1C04-8B5070498FE3}"/>
+                  </a:ext>
+                </a:extLst>
+              </p:cNvPr>
+              <p:cNvPicPr>
+                <a:picLocks noChangeAspect="1" noChangeArrowheads="1"/>
+              </p:cNvPicPr>
+              <p:nvPr/>
+            </p:nvPicPr>
+            <p:blipFill>
+              <a:blip r:embed="rId4" cstate="print">
+                <a:extLst>
+                  <a:ext uri="{28A0092B-C50C-407E-A947-70E740481C1C}">
+                    <a14:useLocalDpi xmlns:a14="http://schemas.microsoft.com/office/drawing/2010/main" val="0"/>
+                  </a:ext>
+                </a:extLst>
+              </a:blip>
+              <a:srcRect/>
+              <a:stretch>
+                <a:fillRect/>
+              </a:stretch>
+            </p:blipFill>
+            <p:spPr bwMode="auto">
+              <a:xfrm>
+                <a:off x="2686914" y="3224167"/>
+                <a:ext cx="559377" cy="451231"/>
+              </a:xfrm>
+              <a:prstGeom prst="rect">
+                <a:avLst/>
+              </a:prstGeom>
+              <a:noFill/>
+              <a:extLst>
+                <a:ext uri="{909E8E84-426E-40DD-AFC4-6F175D3DCCD1}">
+                  <a14:hiddenFill xmlns:a14="http://schemas.microsoft.com/office/drawing/2010/main">
+                    <a:solidFill>
+                      <a:srgbClr val="FFFFFF"/>
+                    </a:solidFill>
+                  </a14:hiddenFill>
+                </a:ext>
+              </a:extLst>
+            </p:spPr>
+          </p:pic>
+          <p:pic>
+            <p:nvPicPr>
+              <p:cNvPr id="12" name="Picture 6" descr="Raspberry Pi 4 - Edge Impulse Documentation">
+                <a:extLst>
+                  <a:ext uri="{FF2B5EF4-FFF2-40B4-BE49-F238E27FC236}">
+                    <a16:creationId xmlns:a16="http://schemas.microsoft.com/office/drawing/2014/main" id="{B5D02940-E71F-E116-BD83-3B0B09A2FC89}"/>
+                  </a:ext>
+                </a:extLst>
+              </p:cNvPr>
+              <p:cNvPicPr>
+                <a:picLocks noChangeAspect="1" noChangeArrowheads="1"/>
+              </p:cNvPicPr>
+              <p:nvPr/>
+            </p:nvPicPr>
+            <p:blipFill rotWithShape="1">
+              <a:blip r:embed="rId5" cstate="print">
+                <a:extLst>
+                  <a:ext uri="{28A0092B-C50C-407E-A947-70E740481C1C}">
+                    <a14:useLocalDpi xmlns:a14="http://schemas.microsoft.com/office/drawing/2010/main" val="0"/>
+                  </a:ext>
+                </a:extLst>
+              </a:blip>
+              <a:srcRect r="10317"/>
+              <a:stretch/>
+            </p:blipFill>
+            <p:spPr bwMode="auto">
+              <a:xfrm>
+                <a:off x="4530257" y="2805696"/>
+                <a:ext cx="1013294" cy="715718"/>
+              </a:xfrm>
+              <a:prstGeom prst="rect">
+                <a:avLst/>
+              </a:prstGeom>
+              <a:noFill/>
+              <a:extLst>
+                <a:ext uri="{909E8E84-426E-40DD-AFC4-6F175D3DCCD1}">
+                  <a14:hiddenFill xmlns:a14="http://schemas.microsoft.com/office/drawing/2010/main">
+                    <a:solidFill>
+                      <a:srgbClr val="FFFFFF"/>
+                    </a:solidFill>
+                  </a14:hiddenFill>
+                </a:ext>
+              </a:extLst>
+            </p:spPr>
+          </p:pic>
+          <p:sp>
+            <p:nvSpPr>
+              <p:cNvPr id="13" name="TextBox 12">
+                <a:extLst>
+                  <a:ext uri="{FF2B5EF4-FFF2-40B4-BE49-F238E27FC236}">
+                    <a16:creationId xmlns:a16="http://schemas.microsoft.com/office/drawing/2014/main" id="{9CBF6079-B381-59EC-D6A8-6E962436E3AC}"/>
+                  </a:ext>
+                </a:extLst>
+              </p:cNvPr>
+              <p:cNvSpPr txBox="1"/>
+              <p:nvPr/>
+            </p:nvSpPr>
+            <p:spPr>
+              <a:xfrm>
+                <a:off x="1007918" y="4498083"/>
+                <a:ext cx="1675007" cy="338554"/>
+              </a:xfrm>
+              <a:prstGeom prst="rect">
+                <a:avLst/>
+              </a:prstGeom>
+              <a:noFill/>
+            </p:spPr>
+            <p:txBody>
+              <a:bodyPr wrap="square" rtlCol="0">
+                <a:spAutoFit/>
+              </a:bodyPr>
+              <a:lstStyle/>
+              <a:p>
+                <a:pPr algn="ctr"/>
+                <a:r>
+                  <a:rPr lang="en-US" sz="1600" dirty="0"/>
+                  <a:t>Haas VF10/50</a:t>
+                </a:r>
+              </a:p>
+            </p:txBody>
+          </p:sp>
+          <p:cxnSp>
+            <p:nvCxnSpPr>
+              <p:cNvPr id="14" name="Connector: Elbow 13">
+                <a:extLst>
+                  <a:ext uri="{FF2B5EF4-FFF2-40B4-BE49-F238E27FC236}">
+                    <a16:creationId xmlns:a16="http://schemas.microsoft.com/office/drawing/2014/main" id="{C1C01986-3DE8-0A53-9B22-F32B25D50FCA}"/>
+                  </a:ext>
+                </a:extLst>
+              </p:cNvPr>
+              <p:cNvCxnSpPr>
+                <a:cxnSpLocks/>
+                <a:stCxn id="11" idx="3"/>
+                <a:endCxn id="12" idx="1"/>
+              </p:cNvCxnSpPr>
+              <p:nvPr/>
+            </p:nvCxnSpPr>
+            <p:spPr>
+              <a:xfrm flipV="1">
+                <a:off x="3246291" y="3163555"/>
+                <a:ext cx="1283966" cy="286228"/>
+              </a:xfrm>
+              <a:prstGeom prst="bentConnector3">
+                <a:avLst>
+                  <a:gd name="adj1" fmla="val 50000"/>
+                </a:avLst>
+              </a:prstGeom>
+              <a:ln>
+                <a:solidFill>
+                  <a:schemeClr val="tx1"/>
+                </a:solidFill>
+                <a:tailEnd type="triangle"/>
+              </a:ln>
+            </p:spPr>
+            <p:style>
+              <a:lnRef idx="1">
+                <a:schemeClr val="accent1"/>
+              </a:lnRef>
+              <a:fillRef idx="0">
+                <a:schemeClr val="accent1"/>
+              </a:fillRef>
+              <a:effectRef idx="0">
+                <a:schemeClr val="accent1"/>
+              </a:effectRef>
+              <a:fontRef idx="minor">
+                <a:schemeClr val="tx1"/>
+              </a:fontRef>
+            </p:style>
+          </p:cxnSp>
+          <p:pic>
+            <p:nvPicPr>
+              <p:cNvPr id="15" name="Picture 4" descr="littmann stethoscope classic 3에 대한 이미지 검색결과">
+                <a:extLst>
+                  <a:ext uri="{FF2B5EF4-FFF2-40B4-BE49-F238E27FC236}">
+                    <a16:creationId xmlns:a16="http://schemas.microsoft.com/office/drawing/2014/main" id="{7B1CD6DC-3682-9B61-746C-A557D0595221}"/>
+                  </a:ext>
+                </a:extLst>
+              </p:cNvPr>
+              <p:cNvPicPr>
+                <a:picLocks noChangeAspect="1" noChangeArrowheads="1"/>
+              </p:cNvPicPr>
+              <p:nvPr/>
+            </p:nvPicPr>
+            <p:blipFill>
+              <a:blip r:embed="rId6" cstate="print">
+                <a:extLst>
+                  <a:ext uri="{28A0092B-C50C-407E-A947-70E740481C1C}">
+                    <a14:useLocalDpi xmlns:a14="http://schemas.microsoft.com/office/drawing/2010/main"/>
+                  </a:ext>
+                </a:extLst>
+              </a:blip>
+              <a:srcRect/>
+              <a:stretch>
+                <a:fillRect/>
+              </a:stretch>
+            </p:blipFill>
+            <p:spPr bwMode="auto">
+              <a:xfrm rot="10800000" flipV="1">
+                <a:off x="4955619" y="3683221"/>
+                <a:ext cx="623890" cy="628668"/>
+              </a:xfrm>
+              <a:prstGeom prst="rect">
+                <a:avLst/>
+              </a:prstGeom>
+              <a:noFill/>
+              <a:extLst>
+                <a:ext uri="{909E8E84-426E-40DD-AFC4-6F175D3DCCD1}">
+                  <a14:hiddenFill xmlns:a14="http://schemas.microsoft.com/office/drawing/2010/main">
+                    <a:solidFill>
+                      <a:srgbClr val="FFFFFF"/>
+                    </a:solidFill>
+                  </a14:hiddenFill>
+                </a:ext>
+              </a:extLst>
+            </p:spPr>
+          </p:pic>
+          <p:pic>
+            <p:nvPicPr>
+              <p:cNvPr id="16" name="Picture 15">
+                <a:extLst>
+                  <a:ext uri="{FF2B5EF4-FFF2-40B4-BE49-F238E27FC236}">
+                    <a16:creationId xmlns:a16="http://schemas.microsoft.com/office/drawing/2014/main" id="{343D9D26-B057-F882-0C21-621135923666}"/>
+                  </a:ext>
+                </a:extLst>
+              </p:cNvPr>
+              <p:cNvPicPr>
+                <a:picLocks noChangeAspect="1"/>
+              </p:cNvPicPr>
+              <p:nvPr/>
+            </p:nvPicPr>
+            <p:blipFill rotWithShape="1">
+              <a:blip r:embed="rId7">
+                <a:extLst>
+                  <a:ext uri="{BEBA8EAE-BF5A-486C-A8C5-ECC9F3942E4B}">
+                    <a14:imgProps xmlns:a14="http://schemas.microsoft.com/office/drawing/2010/main">
+                      <a14:imgLayer r:embed="rId8">
+                        <a14:imgEffect>
+                          <a14:backgroundRemoval t="10000" b="90000" l="10000" r="90000"/>
+                        </a14:imgEffect>
+                      </a14:imgLayer>
+                    </a14:imgProps>
+                  </a:ext>
+                </a:extLst>
+              </a:blip>
+              <a:srcRect r="15386"/>
+              <a:stretch/>
+            </p:blipFill>
+            <p:spPr>
+              <a:xfrm>
+                <a:off x="4955618" y="4470054"/>
+                <a:ext cx="623891" cy="470834"/>
+              </a:xfrm>
+              <a:prstGeom prst="rect">
+                <a:avLst/>
+              </a:prstGeom>
+              <a:effectLst/>
+            </p:spPr>
+          </p:pic>
+          <p:pic>
+            <p:nvPicPr>
+              <p:cNvPr id="17" name="Picture 8" descr="Home | MTCUP">
+                <a:extLst>
+                  <a:ext uri="{FF2B5EF4-FFF2-40B4-BE49-F238E27FC236}">
+                    <a16:creationId xmlns:a16="http://schemas.microsoft.com/office/drawing/2014/main" id="{8C52BC41-98F9-1E1E-97AC-743C4B65FF50}"/>
+                  </a:ext>
+                </a:extLst>
+              </p:cNvPr>
+              <p:cNvPicPr>
+                <a:picLocks noChangeAspect="1" noChangeArrowheads="1"/>
+              </p:cNvPicPr>
+              <p:nvPr/>
+            </p:nvPicPr>
+            <p:blipFill>
+              <a:blip r:embed="rId9" cstate="print">
+                <a:extLst>
+                  <a:ext uri="{28A0092B-C50C-407E-A947-70E740481C1C}">
+                    <a14:useLocalDpi xmlns:a14="http://schemas.microsoft.com/office/drawing/2010/main" val="0"/>
+                  </a:ext>
+                </a:extLst>
+              </a:blip>
+              <a:srcRect/>
+              <a:stretch>
+                <a:fillRect/>
+              </a:stretch>
+            </p:blipFill>
+            <p:spPr bwMode="auto">
+              <a:xfrm>
+                <a:off x="3836747" y="3007736"/>
+                <a:ext cx="442047" cy="442047"/>
+              </a:xfrm>
+              <a:prstGeom prst="rect">
+                <a:avLst/>
+              </a:prstGeom>
+              <a:noFill/>
+              <a:extLst>
+                <a:ext uri="{909E8E84-426E-40DD-AFC4-6F175D3DCCD1}">
+                  <a14:hiddenFill xmlns:a14="http://schemas.microsoft.com/office/drawing/2010/main">
+                    <a:solidFill>
+                      <a:srgbClr val="FFFFFF"/>
+                    </a:solidFill>
+                  </a14:hiddenFill>
+                </a:ext>
+              </a:extLst>
+            </p:spPr>
+          </p:pic>
+          <p:sp>
+            <p:nvSpPr>
+              <p:cNvPr id="18" name="TextBox 17">
+                <a:extLst>
+                  <a:ext uri="{FF2B5EF4-FFF2-40B4-BE49-F238E27FC236}">
+                    <a16:creationId xmlns:a16="http://schemas.microsoft.com/office/drawing/2014/main" id="{0AB231C4-9E2D-1929-1EF3-E84F2B00FF48}"/>
+                  </a:ext>
+                </a:extLst>
+              </p:cNvPr>
+              <p:cNvSpPr txBox="1"/>
+              <p:nvPr/>
+            </p:nvSpPr>
+            <p:spPr>
+              <a:xfrm>
+                <a:off x="3745379" y="3268300"/>
+                <a:ext cx="624781" cy="230832"/>
+              </a:xfrm>
+              <a:prstGeom prst="rect">
+                <a:avLst/>
+              </a:prstGeom>
+              <a:noFill/>
+            </p:spPr>
+            <p:txBody>
+              <a:bodyPr wrap="square" rtlCol="0">
+                <a:spAutoFit/>
+              </a:bodyPr>
+              <a:lstStyle/>
+              <a:p>
+                <a:pPr algn="ctr"/>
+                <a:r>
+                  <a:rPr lang="en-US" sz="900" b="1" dirty="0">
+                    <a:solidFill>
+                      <a:schemeClr val="bg1"/>
+                    </a:solidFill>
+                  </a:rPr>
+                  <a:t>Adapter</a:t>
+                </a:r>
+              </a:p>
+            </p:txBody>
+          </p:sp>
+          <p:sp>
+            <p:nvSpPr>
+              <p:cNvPr id="19" name="TextBox 18">
+                <a:extLst>
+                  <a:ext uri="{FF2B5EF4-FFF2-40B4-BE49-F238E27FC236}">
+                    <a16:creationId xmlns:a16="http://schemas.microsoft.com/office/drawing/2014/main" id="{2F366A60-5FA2-CC86-4FC1-0725E16DAC7F}"/>
+                  </a:ext>
+                </a:extLst>
+              </p:cNvPr>
+              <p:cNvSpPr txBox="1"/>
+              <p:nvPr/>
+            </p:nvSpPr>
+            <p:spPr>
+              <a:xfrm>
+                <a:off x="3684758" y="3499132"/>
+                <a:ext cx="841691" cy="692497"/>
+              </a:xfrm>
+              <a:prstGeom prst="rect">
+                <a:avLst/>
+              </a:prstGeom>
+              <a:noFill/>
+            </p:spPr>
+            <p:txBody>
+              <a:bodyPr wrap="square" lIns="0" tIns="0" rIns="0" bIns="0" rtlCol="0">
+                <a:spAutoFit/>
+              </a:bodyPr>
+              <a:lstStyle/>
+              <a:p>
+                <a:pPr marL="171450" indent="-171450">
+                  <a:buFont typeface="Arial" panose="020B0604020202020204" pitchFamily="34" charset="0"/>
+                  <a:buChar char="•"/>
+                </a:pPr>
+                <a:r>
+                  <a:rPr lang="en-US" sz="900" dirty="0"/>
+                  <a:t>Spindle</a:t>
+                </a:r>
+              </a:p>
+              <a:p>
+                <a:pPr marL="171450" indent="-171450">
+                  <a:buFont typeface="Arial" panose="020B0604020202020204" pitchFamily="34" charset="0"/>
+                  <a:buChar char="•"/>
+                </a:pPr>
+                <a:r>
+                  <a:rPr lang="en-US" sz="900" dirty="0"/>
+                  <a:t>Position</a:t>
+                </a:r>
+              </a:p>
+              <a:p>
+                <a:pPr marL="171450" indent="-171450">
+                  <a:buFont typeface="Arial" panose="020B0604020202020204" pitchFamily="34" charset="0"/>
+                  <a:buChar char="•"/>
+                </a:pPr>
+                <a:r>
+                  <a:rPr lang="en-US" sz="900" dirty="0"/>
+                  <a:t>Execution</a:t>
+                </a:r>
+              </a:p>
+              <a:p>
+                <a:pPr marL="171450" indent="-171450">
+                  <a:buFont typeface="Arial" panose="020B0604020202020204" pitchFamily="34" charset="0"/>
+                  <a:buChar char="•"/>
+                </a:pPr>
+                <a:r>
+                  <a:rPr lang="en-US" sz="900" dirty="0"/>
+                  <a:t>Tool number</a:t>
+                </a:r>
+              </a:p>
+              <a:p>
+                <a:pPr marL="171450" indent="-171450">
+                  <a:buFont typeface="Arial" panose="020B0604020202020204" pitchFamily="34" charset="0"/>
+                  <a:buChar char="•"/>
+                </a:pPr>
+                <a:r>
+                  <a:rPr lang="en-US" sz="900" dirty="0"/>
+                  <a:t>…</a:t>
+                </a:r>
+              </a:p>
+            </p:txBody>
+          </p:sp>
+          <p:pic>
+            <p:nvPicPr>
+              <p:cNvPr id="20" name="Picture 12" descr="MTConnect Adapters List – 2019 (Manufacturers and Protocols) | Relyum">
+                <a:extLst>
+                  <a:ext uri="{FF2B5EF4-FFF2-40B4-BE49-F238E27FC236}">
+                    <a16:creationId xmlns:a16="http://schemas.microsoft.com/office/drawing/2014/main" id="{9DB660DE-BE24-4DEE-52D4-6DEFAC5492AD}"/>
+                  </a:ext>
+                </a:extLst>
+              </p:cNvPr>
+              <p:cNvPicPr>
+                <a:picLocks noChangeAspect="1" noChangeArrowheads="1"/>
+              </p:cNvPicPr>
+              <p:nvPr/>
+            </p:nvPicPr>
+            <p:blipFill>
+              <a:blip r:embed="rId10" cstate="print">
+                <a:extLst>
+                  <a:ext uri="{28A0092B-C50C-407E-A947-70E740481C1C}">
+                    <a14:useLocalDpi xmlns:a14="http://schemas.microsoft.com/office/drawing/2010/main" val="0"/>
+                  </a:ext>
+                </a:extLst>
+              </a:blip>
+              <a:srcRect/>
+              <a:stretch>
+                <a:fillRect/>
+              </a:stretch>
+            </p:blipFill>
+            <p:spPr bwMode="auto">
+              <a:xfrm>
+                <a:off x="4423609" y="2417135"/>
+                <a:ext cx="1257300" cy="394710"/>
+              </a:xfrm>
+              <a:prstGeom prst="rect">
+                <a:avLst/>
+              </a:prstGeom>
+              <a:noFill/>
+              <a:extLst>
+                <a:ext uri="{909E8E84-426E-40DD-AFC4-6F175D3DCCD1}">
+                  <a14:hiddenFill xmlns:a14="http://schemas.microsoft.com/office/drawing/2010/main">
+                    <a:solidFill>
+                      <a:srgbClr val="FFFFFF"/>
+                    </a:solidFill>
+                  </a14:hiddenFill>
+                </a:ext>
+              </a:extLst>
+            </p:spPr>
+          </p:pic>
+          <p:sp>
+            <p:nvSpPr>
+              <p:cNvPr id="21" name="TextBox 20">
+                <a:extLst>
+                  <a:ext uri="{FF2B5EF4-FFF2-40B4-BE49-F238E27FC236}">
+                    <a16:creationId xmlns:a16="http://schemas.microsoft.com/office/drawing/2014/main" id="{A39938D6-2159-7082-73F4-FAE2A861B0F7}"/>
+                  </a:ext>
+                </a:extLst>
+              </p:cNvPr>
+              <p:cNvSpPr txBox="1"/>
+              <p:nvPr/>
+            </p:nvSpPr>
+            <p:spPr>
+              <a:xfrm>
+                <a:off x="4473788" y="3445016"/>
+                <a:ext cx="1173078" cy="276999"/>
+              </a:xfrm>
+              <a:prstGeom prst="rect">
+                <a:avLst/>
+              </a:prstGeom>
+              <a:noFill/>
+            </p:spPr>
+            <p:txBody>
+              <a:bodyPr wrap="square" rtlCol="0">
+                <a:spAutoFit/>
+              </a:bodyPr>
+              <a:lstStyle/>
+              <a:p>
+                <a:pPr algn="ctr"/>
+                <a:r>
+                  <a:rPr lang="en-US" sz="1200" dirty="0"/>
+                  <a:t>Raspberry Pi</a:t>
+                </a:r>
+              </a:p>
+            </p:txBody>
+          </p:sp>
+          <p:cxnSp>
+            <p:nvCxnSpPr>
+              <p:cNvPr id="22" name="Connector: Elbow 21">
+                <a:extLst>
+                  <a:ext uri="{FF2B5EF4-FFF2-40B4-BE49-F238E27FC236}">
+                    <a16:creationId xmlns:a16="http://schemas.microsoft.com/office/drawing/2014/main" id="{AC0E2D0A-E867-706A-6304-B6A0EFE3A532}"/>
+                  </a:ext>
+                </a:extLst>
+              </p:cNvPr>
+              <p:cNvCxnSpPr>
+                <a:cxnSpLocks/>
+                <a:stCxn id="15" idx="1"/>
+                <a:endCxn id="12" idx="3"/>
+              </p:cNvCxnSpPr>
+              <p:nvPr/>
+            </p:nvCxnSpPr>
+            <p:spPr>
+              <a:xfrm flipH="1" flipV="1">
+                <a:off x="5543551" y="3163555"/>
+                <a:ext cx="35958" cy="834000"/>
+              </a:xfrm>
+              <a:prstGeom prst="bentConnector3">
+                <a:avLst>
+                  <a:gd name="adj1" fmla="val -635742"/>
+                </a:avLst>
+              </a:prstGeom>
+              <a:ln>
+                <a:solidFill>
+                  <a:schemeClr val="tx1"/>
+                </a:solidFill>
+                <a:tailEnd type="triangle"/>
+              </a:ln>
+            </p:spPr>
+            <p:style>
+              <a:lnRef idx="1">
+                <a:schemeClr val="accent1"/>
+              </a:lnRef>
+              <a:fillRef idx="0">
+                <a:schemeClr val="accent1"/>
+              </a:fillRef>
+              <a:effectRef idx="0">
+                <a:schemeClr val="accent1"/>
+              </a:effectRef>
+              <a:fontRef idx="minor">
+                <a:schemeClr val="tx1"/>
+              </a:fontRef>
+            </p:style>
+          </p:cxnSp>
+          <p:cxnSp>
+            <p:nvCxnSpPr>
+              <p:cNvPr id="23" name="Connector: Elbow 22">
+                <a:extLst>
+                  <a:ext uri="{FF2B5EF4-FFF2-40B4-BE49-F238E27FC236}">
+                    <a16:creationId xmlns:a16="http://schemas.microsoft.com/office/drawing/2014/main" id="{CC37D4BB-7878-0B2D-4643-176D9D5E1EFC}"/>
+                  </a:ext>
+                </a:extLst>
+              </p:cNvPr>
+              <p:cNvCxnSpPr>
+                <a:cxnSpLocks/>
+                <a:stCxn id="16" idx="3"/>
+                <a:endCxn id="12" idx="3"/>
+              </p:cNvCxnSpPr>
+              <p:nvPr/>
+            </p:nvCxnSpPr>
+            <p:spPr>
+              <a:xfrm flipH="1" flipV="1">
+                <a:off x="5543551" y="3163555"/>
+                <a:ext cx="35958" cy="1541916"/>
+              </a:xfrm>
+              <a:prstGeom prst="bentConnector3">
+                <a:avLst>
+                  <a:gd name="adj1" fmla="val -635742"/>
+                </a:avLst>
+              </a:prstGeom>
+              <a:ln>
+                <a:solidFill>
+                  <a:schemeClr val="tx1"/>
+                </a:solidFill>
+                <a:tailEnd type="triangle"/>
+              </a:ln>
+            </p:spPr>
+            <p:style>
+              <a:lnRef idx="1">
+                <a:schemeClr val="accent1"/>
+              </a:lnRef>
+              <a:fillRef idx="0">
+                <a:schemeClr val="accent1"/>
+              </a:fillRef>
+              <a:effectRef idx="0">
+                <a:schemeClr val="accent1"/>
+              </a:effectRef>
+              <a:fontRef idx="minor">
+                <a:schemeClr val="tx1"/>
+              </a:fontRef>
+            </p:style>
+          </p:cxnSp>
+          <p:sp>
+            <p:nvSpPr>
+              <p:cNvPr id="24" name="TextBox 23">
+                <a:extLst>
+                  <a:ext uri="{FF2B5EF4-FFF2-40B4-BE49-F238E27FC236}">
+                    <a16:creationId xmlns:a16="http://schemas.microsoft.com/office/drawing/2014/main" id="{02E2D17E-A117-F32C-CA7B-650B69FA3888}"/>
+                  </a:ext>
+                </a:extLst>
+              </p:cNvPr>
+              <p:cNvSpPr txBox="1"/>
+              <p:nvPr/>
+            </p:nvSpPr>
+            <p:spPr>
+              <a:xfrm>
+                <a:off x="4689776" y="4146169"/>
+                <a:ext cx="916974" cy="276999"/>
+              </a:xfrm>
+              <a:prstGeom prst="rect">
+                <a:avLst/>
+              </a:prstGeom>
+              <a:noFill/>
+            </p:spPr>
+            <p:txBody>
+              <a:bodyPr wrap="square" rtlCol="0">
+                <a:spAutoFit/>
+              </a:bodyPr>
+              <a:lstStyle/>
+              <a:p>
+                <a:pPr algn="ctr"/>
+                <a:r>
+                  <a:rPr lang="en-US" sz="1200" dirty="0"/>
+                  <a:t>ISS @base</a:t>
+                </a:r>
+              </a:p>
+            </p:txBody>
+          </p:sp>
+          <p:sp>
+            <p:nvSpPr>
+              <p:cNvPr id="25" name="TextBox 24">
+                <a:extLst>
+                  <a:ext uri="{FF2B5EF4-FFF2-40B4-BE49-F238E27FC236}">
+                    <a16:creationId xmlns:a16="http://schemas.microsoft.com/office/drawing/2014/main" id="{DC05F7B0-CD5D-B7D3-E587-93FAD69B4BB3}"/>
+                  </a:ext>
+                </a:extLst>
+              </p:cNvPr>
+              <p:cNvSpPr txBox="1"/>
+              <p:nvPr/>
+            </p:nvSpPr>
+            <p:spPr>
+              <a:xfrm>
+                <a:off x="4449982" y="4854085"/>
+                <a:ext cx="1476795" cy="276999"/>
+              </a:xfrm>
+              <a:prstGeom prst="rect">
+                <a:avLst/>
+              </a:prstGeom>
+              <a:noFill/>
+            </p:spPr>
+            <p:txBody>
+              <a:bodyPr wrap="square" rtlCol="0">
+                <a:spAutoFit/>
+              </a:bodyPr>
+              <a:lstStyle/>
+              <a:p>
+                <a:pPr algn="ctr"/>
+                <a:r>
+                  <a:rPr lang="en-US" sz="1200" dirty="0"/>
+                  <a:t>Microphone @inside</a:t>
+                </a:r>
+              </a:p>
+            </p:txBody>
+          </p:sp>
+          <p:pic>
+            <p:nvPicPr>
+              <p:cNvPr id="26" name="Picture 2" descr="MySQL - LiveAgent">
+                <a:extLst>
+                  <a:ext uri="{FF2B5EF4-FFF2-40B4-BE49-F238E27FC236}">
+                    <a16:creationId xmlns:a16="http://schemas.microsoft.com/office/drawing/2014/main" id="{7FFA2E4E-B697-C024-520A-6CDB38CC28C4}"/>
+                  </a:ext>
+                </a:extLst>
+              </p:cNvPr>
+              <p:cNvPicPr>
+                <a:picLocks noChangeAspect="1" noChangeArrowheads="1"/>
+              </p:cNvPicPr>
+              <p:nvPr/>
+            </p:nvPicPr>
+            <p:blipFill rotWithShape="1">
+              <a:blip r:embed="rId11" cstate="screen">
+                <a:extLst>
+                  <a:ext uri="{28A0092B-C50C-407E-A947-70E740481C1C}">
+                    <a14:useLocalDpi xmlns:a14="http://schemas.microsoft.com/office/drawing/2010/main"/>
+                  </a:ext>
+                </a:extLst>
+              </a:blip>
+              <a:srcRect l="9063" t="16909" r="8457" b="16545"/>
+              <a:stretch/>
+            </p:blipFill>
+            <p:spPr bwMode="auto">
+              <a:xfrm>
+                <a:off x="6669492" y="2772022"/>
+                <a:ext cx="1143001" cy="614796"/>
+              </a:xfrm>
+              <a:prstGeom prst="rect">
+                <a:avLst/>
+              </a:prstGeom>
+              <a:noFill/>
+              <a:extLst>
+                <a:ext uri="{909E8E84-426E-40DD-AFC4-6F175D3DCCD1}">
+                  <a14:hiddenFill xmlns:a14="http://schemas.microsoft.com/office/drawing/2010/main">
+                    <a:solidFill>
+                      <a:srgbClr val="FFFFFF"/>
+                    </a:solidFill>
+                  </a14:hiddenFill>
+                </a:ext>
+              </a:extLst>
+            </p:spPr>
+          </p:pic>
+          <p:sp>
+            <p:nvSpPr>
+              <p:cNvPr id="27" name="TextBox 26">
+                <a:extLst>
+                  <a:ext uri="{FF2B5EF4-FFF2-40B4-BE49-F238E27FC236}">
+                    <a16:creationId xmlns:a16="http://schemas.microsoft.com/office/drawing/2014/main" id="{7CDC2BA5-E4C1-F295-4207-72F6A01CE720}"/>
+                  </a:ext>
+                </a:extLst>
+              </p:cNvPr>
+              <p:cNvSpPr txBox="1"/>
+              <p:nvPr/>
+            </p:nvSpPr>
+            <p:spPr>
+              <a:xfrm>
+                <a:off x="6504497" y="3341347"/>
+                <a:ext cx="1472988" cy="430887"/>
+              </a:xfrm>
+              <a:prstGeom prst="rect">
+                <a:avLst/>
+              </a:prstGeom>
+              <a:noFill/>
+            </p:spPr>
+            <p:txBody>
+              <a:bodyPr wrap="square" rtlCol="0">
+                <a:spAutoFit/>
+              </a:bodyPr>
+              <a:lstStyle/>
+              <a:p>
+                <a:pPr algn="ctr"/>
+                <a:r>
+                  <a:rPr lang="en-US" sz="1050" dirty="0"/>
+                  <a:t>MySQL DB</a:t>
+                </a:r>
+              </a:p>
+              <a:p>
+                <a:pPr algn="ctr"/>
+                <a:r>
+                  <a:rPr lang="en-US" sz="1050" b="1" dirty="0"/>
+                  <a:t>(Purdue SENSE server)</a:t>
+                </a:r>
+              </a:p>
+            </p:txBody>
+          </p:sp>
+          <p:pic>
+            <p:nvPicPr>
+              <p:cNvPr id="28" name="Picture 8">
+                <a:extLst>
+                  <a:ext uri="{FF2B5EF4-FFF2-40B4-BE49-F238E27FC236}">
+                    <a16:creationId xmlns:a16="http://schemas.microsoft.com/office/drawing/2014/main" id="{CF9DD7D0-A488-A0DE-F073-CC0D853B1DEE}"/>
+                  </a:ext>
+                </a:extLst>
+              </p:cNvPr>
+              <p:cNvPicPr>
+                <a:picLocks noChangeAspect="1" noChangeArrowheads="1"/>
+              </p:cNvPicPr>
+              <p:nvPr/>
+            </p:nvPicPr>
+            <p:blipFill>
+              <a:blip r:embed="rId12" cstate="print">
+                <a:extLst>
+                  <a:ext uri="{28A0092B-C50C-407E-A947-70E740481C1C}">
+                    <a14:useLocalDpi xmlns:a14="http://schemas.microsoft.com/office/drawing/2010/main"/>
+                  </a:ext>
+                </a:extLst>
+              </a:blip>
+              <a:srcRect/>
+              <a:stretch>
+                <a:fillRect/>
+              </a:stretch>
+            </p:blipFill>
+            <p:spPr bwMode="auto">
+              <a:xfrm>
+                <a:off x="8598904" y="2799235"/>
+                <a:ext cx="633207" cy="645612"/>
+              </a:xfrm>
+              <a:prstGeom prst="rect">
+                <a:avLst/>
+              </a:prstGeom>
+              <a:noFill/>
+              <a:extLst>
+                <a:ext uri="{909E8E84-426E-40DD-AFC4-6F175D3DCCD1}">
+                  <a14:hiddenFill xmlns:a14="http://schemas.microsoft.com/office/drawing/2010/main">
+                    <a:solidFill>
+                      <a:srgbClr val="FFFFFF"/>
+                    </a:solidFill>
+                  </a14:hiddenFill>
+                </a:ext>
+              </a:extLst>
+            </p:spPr>
+          </p:pic>
+          <p:sp>
+            <p:nvSpPr>
+              <p:cNvPr id="29" name="TextBox 28">
+                <a:extLst>
+                  <a:ext uri="{FF2B5EF4-FFF2-40B4-BE49-F238E27FC236}">
+                    <a16:creationId xmlns:a16="http://schemas.microsoft.com/office/drawing/2014/main" id="{95F4B933-7DD9-65B9-D0DB-B79B33C593E5}"/>
+                  </a:ext>
+                </a:extLst>
+              </p:cNvPr>
+              <p:cNvSpPr txBox="1"/>
+              <p:nvPr/>
+            </p:nvSpPr>
+            <p:spPr>
+              <a:xfrm>
+                <a:off x="8186979" y="3423771"/>
+                <a:ext cx="1472988" cy="430887"/>
+              </a:xfrm>
+              <a:prstGeom prst="rect">
+                <a:avLst/>
+              </a:prstGeom>
+              <a:noFill/>
+            </p:spPr>
+            <p:txBody>
+              <a:bodyPr wrap="square" rtlCol="0">
+                <a:spAutoFit/>
+              </a:bodyPr>
+              <a:lstStyle/>
+              <a:p>
+                <a:pPr algn="ctr"/>
+                <a:r>
+                  <a:rPr lang="en-US" sz="1050" dirty="0"/>
+                  <a:t>Grafana dashboard</a:t>
+                </a:r>
+              </a:p>
+              <a:p>
+                <a:pPr algn="ctr"/>
+                <a:r>
+                  <a:rPr lang="en-US" sz="1050" b="1" dirty="0"/>
+                  <a:t>(Purdue SENSE server)</a:t>
+                </a:r>
+              </a:p>
+            </p:txBody>
+          </p:sp>
+          <p:cxnSp>
+            <p:nvCxnSpPr>
+              <p:cNvPr id="30" name="Connector: Elbow 29">
+                <a:extLst>
+                  <a:ext uri="{FF2B5EF4-FFF2-40B4-BE49-F238E27FC236}">
+                    <a16:creationId xmlns:a16="http://schemas.microsoft.com/office/drawing/2014/main" id="{F8F621CB-D7BF-B686-0511-0560F6CB6116}"/>
+                  </a:ext>
+                </a:extLst>
+              </p:cNvPr>
+              <p:cNvCxnSpPr>
+                <a:cxnSpLocks/>
+                <a:stCxn id="20" idx="3"/>
+                <a:endCxn id="26" idx="1"/>
+              </p:cNvCxnSpPr>
+              <p:nvPr/>
+            </p:nvCxnSpPr>
+            <p:spPr>
+              <a:xfrm>
+                <a:off x="5680909" y="2614490"/>
+                <a:ext cx="988583" cy="464930"/>
+              </a:xfrm>
+              <a:prstGeom prst="bentConnector3">
+                <a:avLst>
+                  <a:gd name="adj1" fmla="val 50000"/>
+                </a:avLst>
+              </a:prstGeom>
+              <a:ln>
+                <a:solidFill>
+                  <a:schemeClr val="tx1"/>
+                </a:solidFill>
+                <a:tailEnd type="triangle"/>
+              </a:ln>
+            </p:spPr>
+            <p:style>
+              <a:lnRef idx="1">
+                <a:schemeClr val="accent1"/>
+              </a:lnRef>
+              <a:fillRef idx="0">
+                <a:schemeClr val="accent1"/>
+              </a:fillRef>
+              <a:effectRef idx="0">
+                <a:schemeClr val="accent1"/>
+              </a:effectRef>
+              <a:fontRef idx="minor">
+                <a:schemeClr val="tx1"/>
+              </a:fontRef>
+            </p:style>
+          </p:cxnSp>
+          <p:cxnSp>
+            <p:nvCxnSpPr>
+              <p:cNvPr id="31" name="Connector: Elbow 30">
+                <a:extLst>
+                  <a:ext uri="{FF2B5EF4-FFF2-40B4-BE49-F238E27FC236}">
+                    <a16:creationId xmlns:a16="http://schemas.microsoft.com/office/drawing/2014/main" id="{3AF89651-FA53-F4DA-1BFB-B1A63AEA6426}"/>
+                  </a:ext>
+                </a:extLst>
+              </p:cNvPr>
+              <p:cNvCxnSpPr>
+                <a:cxnSpLocks/>
+                <a:stCxn id="26" idx="3"/>
+                <a:endCxn id="28" idx="1"/>
+              </p:cNvCxnSpPr>
+              <p:nvPr/>
+            </p:nvCxnSpPr>
+            <p:spPr>
+              <a:xfrm>
+                <a:off x="7812493" y="3079420"/>
+                <a:ext cx="786411" cy="42621"/>
+              </a:xfrm>
+              <a:prstGeom prst="bentConnector3">
+                <a:avLst>
+                  <a:gd name="adj1" fmla="val 50000"/>
+                </a:avLst>
+              </a:prstGeom>
+              <a:ln>
+                <a:solidFill>
+                  <a:schemeClr val="tx1"/>
+                </a:solidFill>
+                <a:tailEnd type="triangle"/>
+              </a:ln>
+            </p:spPr>
+            <p:style>
+              <a:lnRef idx="1">
+                <a:schemeClr val="accent1"/>
+              </a:lnRef>
+              <a:fillRef idx="0">
+                <a:schemeClr val="accent1"/>
+              </a:fillRef>
+              <a:effectRef idx="0">
+                <a:schemeClr val="accent1"/>
+              </a:effectRef>
+              <a:fontRef idx="minor">
+                <a:schemeClr val="tx1"/>
+              </a:fontRef>
+            </p:style>
+          </p:cxnSp>
+          <p:sp>
+            <p:nvSpPr>
+              <p:cNvPr id="32" name="TextBox 31">
+                <a:extLst>
+                  <a:ext uri="{FF2B5EF4-FFF2-40B4-BE49-F238E27FC236}">
+                    <a16:creationId xmlns:a16="http://schemas.microsoft.com/office/drawing/2014/main" id="{50491BF6-EA7A-B6A9-897C-879E4CB9D6D0}"/>
+                  </a:ext>
+                </a:extLst>
+              </p:cNvPr>
+              <p:cNvSpPr txBox="1"/>
+              <p:nvPr/>
+            </p:nvSpPr>
+            <p:spPr>
+              <a:xfrm>
+                <a:off x="6310761" y="2288563"/>
+                <a:ext cx="2016768" cy="523220"/>
+              </a:xfrm>
+              <a:prstGeom prst="rect">
+                <a:avLst/>
+              </a:prstGeom>
+              <a:noFill/>
+            </p:spPr>
+            <p:txBody>
+              <a:bodyPr wrap="square" rtlCol="0">
+                <a:spAutoFit/>
+              </a:bodyPr>
+              <a:lstStyle/>
+              <a:p>
+                <a:pPr algn="ctr"/>
+                <a:r>
+                  <a:rPr lang="en-US" sz="1400" dirty="0"/>
+                  <a:t>Real-time visualization and data analytics</a:t>
+                </a:r>
+              </a:p>
+            </p:txBody>
+          </p:sp>
+          <p:pic>
+            <p:nvPicPr>
+              <p:cNvPr id="33" name="Picture 2" descr="How OpenBOM integrates with Box.com for sharing files in a secured  environment | by OpenBOM (openbom.com) | Medium">
+                <a:extLst>
+                  <a:ext uri="{FF2B5EF4-FFF2-40B4-BE49-F238E27FC236}">
+                    <a16:creationId xmlns:a16="http://schemas.microsoft.com/office/drawing/2014/main" id="{F4D5086A-CB3A-ADD7-04D3-12C9AF387D99}"/>
+                  </a:ext>
+                </a:extLst>
+              </p:cNvPr>
+              <p:cNvPicPr>
+                <a:picLocks noChangeAspect="1" noChangeArrowheads="1"/>
+              </p:cNvPicPr>
+              <p:nvPr/>
+            </p:nvPicPr>
+            <p:blipFill>
+              <a:blip r:embed="rId13" cstate="print">
+                <a:extLst>
+                  <a:ext uri="{28A0092B-C50C-407E-A947-70E740481C1C}">
+                    <a14:useLocalDpi xmlns:a14="http://schemas.microsoft.com/office/drawing/2010/main"/>
+                  </a:ext>
+                </a:extLst>
+              </a:blip>
+              <a:srcRect/>
+              <a:stretch>
+                <a:fillRect/>
+              </a:stretch>
+            </p:blipFill>
+            <p:spPr bwMode="auto">
+              <a:xfrm>
+                <a:off x="8565658" y="4156366"/>
+                <a:ext cx="758443" cy="563145"/>
+              </a:xfrm>
+              <a:prstGeom prst="rect">
+                <a:avLst/>
+              </a:prstGeom>
+              <a:noFill/>
+              <a:extLst>
+                <a:ext uri="{909E8E84-426E-40DD-AFC4-6F175D3DCCD1}">
+                  <a14:hiddenFill xmlns:a14="http://schemas.microsoft.com/office/drawing/2010/main">
+                    <a:solidFill>
+                      <a:srgbClr val="FFFFFF"/>
+                    </a:solidFill>
+                  </a14:hiddenFill>
+                </a:ext>
+              </a:extLst>
+            </p:spPr>
+          </p:pic>
+          <p:sp>
+            <p:nvSpPr>
+              <p:cNvPr id="34" name="Arrow: Right 33">
+                <a:extLst>
+                  <a:ext uri="{FF2B5EF4-FFF2-40B4-BE49-F238E27FC236}">
+                    <a16:creationId xmlns:a16="http://schemas.microsoft.com/office/drawing/2014/main" id="{761A5BDA-1E71-110C-845F-57CCA9B05E86}"/>
+                  </a:ext>
+                </a:extLst>
+              </p:cNvPr>
+              <p:cNvSpPr/>
+              <p:nvPr/>
+            </p:nvSpPr>
+            <p:spPr>
+              <a:xfrm>
+                <a:off x="5638974" y="4276709"/>
+                <a:ext cx="2863261" cy="819856"/>
+              </a:xfrm>
+              <a:prstGeom prst="rightArrow">
+                <a:avLst>
+                  <a:gd name="adj1" fmla="val 50000"/>
+                  <a:gd name="adj2" fmla="val 51162"/>
+                </a:avLst>
+              </a:prstGeom>
+              <a:gradFill>
+                <a:gsLst>
+                  <a:gs pos="0">
+                    <a:schemeClr val="bg1">
+                      <a:alpha val="0"/>
+                    </a:schemeClr>
+                  </a:gs>
+                  <a:gs pos="36000">
+                    <a:schemeClr val="accent1">
+                      <a:lumMod val="60000"/>
+                      <a:lumOff val="40000"/>
+                    </a:schemeClr>
+                  </a:gs>
+                  <a:gs pos="80000">
+                    <a:schemeClr val="accent1">
+                      <a:lumMod val="75000"/>
+                    </a:schemeClr>
+                  </a:gs>
+                  <a:gs pos="100000">
+                    <a:schemeClr val="accent1">
+                      <a:lumMod val="50000"/>
+                    </a:schemeClr>
+                  </a:gs>
+                </a:gsLst>
+                <a:lin ang="0" scaled="0"/>
+              </a:gradFill>
+              <a:ln>
+                <a:noFill/>
+              </a:ln>
+            </p:spPr>
+            <p:style>
+              <a:lnRef idx="2">
+                <a:schemeClr val="accent1">
+                  <a:shade val="50000"/>
+                </a:schemeClr>
+              </a:lnRef>
+              <a:fillRef idx="1">
+                <a:schemeClr val="accent1"/>
+              </a:fillRef>
+              <a:effectRef idx="0">
+                <a:schemeClr val="accent1"/>
+              </a:effectRef>
+              <a:fontRef idx="minor">
+                <a:schemeClr val="lt1"/>
+              </a:fontRef>
+            </p:style>
+            <p:txBody>
+              <a:bodyPr rtlCol="0" anchor="ctr"/>
+              <a:lstStyle/>
+              <a:p>
+                <a:pPr algn="r"/>
+                <a:r>
+                  <a:rPr lang="en-US" sz="1400" dirty="0">
+                    <a:solidFill>
+                      <a:schemeClr val="tx1"/>
+                    </a:solidFill>
+                  </a:rPr>
+                  <a:t>Raw IoT sensor data collection</a:t>
+                </a:r>
+              </a:p>
+            </p:txBody>
+          </p:sp>
+          <p:pic>
+            <p:nvPicPr>
+              <p:cNvPr id="35" name="Picture 4" descr="Wav file format symbol - Free interface icons">
+                <a:extLst>
+                  <a:ext uri="{FF2B5EF4-FFF2-40B4-BE49-F238E27FC236}">
+                    <a16:creationId xmlns:a16="http://schemas.microsoft.com/office/drawing/2014/main" id="{47E629E6-A4DD-BC67-62D1-2BA911F92ECD}"/>
+                  </a:ext>
+                </a:extLst>
+              </p:cNvPr>
+              <p:cNvPicPr>
+                <a:picLocks noChangeAspect="1" noChangeArrowheads="1"/>
+              </p:cNvPicPr>
+              <p:nvPr/>
+            </p:nvPicPr>
+            <p:blipFill>
+              <a:blip r:embed="rId14" cstate="print">
+                <a:extLst>
+                  <a:ext uri="{28A0092B-C50C-407E-A947-70E740481C1C}">
+                    <a14:useLocalDpi xmlns:a14="http://schemas.microsoft.com/office/drawing/2010/main"/>
+                  </a:ext>
+                </a:extLst>
+              </a:blip>
+              <a:srcRect/>
+              <a:stretch>
+                <a:fillRect/>
+              </a:stretch>
+            </p:blipFill>
+            <p:spPr bwMode="auto">
+              <a:xfrm>
+                <a:off x="6721597" y="3961008"/>
+                <a:ext cx="337235" cy="337235"/>
+              </a:xfrm>
+              <a:prstGeom prst="rect">
+                <a:avLst/>
+              </a:prstGeom>
+              <a:noFill/>
+              <a:extLst>
+                <a:ext uri="{909E8E84-426E-40DD-AFC4-6F175D3DCCD1}">
+                  <a14:hiddenFill xmlns:a14="http://schemas.microsoft.com/office/drawing/2010/main">
+                    <a:solidFill>
+                      <a:srgbClr val="FFFFFF"/>
+                    </a:solidFill>
+                  </a14:hiddenFill>
+                </a:ext>
+              </a:extLst>
+            </p:spPr>
+          </p:pic>
+          <p:sp>
+            <p:nvSpPr>
+              <p:cNvPr id="36" name="TextBox 35">
+                <a:extLst>
+                  <a:ext uri="{FF2B5EF4-FFF2-40B4-BE49-F238E27FC236}">
+                    <a16:creationId xmlns:a16="http://schemas.microsoft.com/office/drawing/2014/main" id="{9FB63224-A9BA-048B-BCC5-BF7999E430E6}"/>
+                  </a:ext>
+                </a:extLst>
+              </p:cNvPr>
+              <p:cNvSpPr txBox="1"/>
+              <p:nvPr/>
+            </p:nvSpPr>
+            <p:spPr>
+              <a:xfrm>
+                <a:off x="6472817" y="4258873"/>
+                <a:ext cx="766263" cy="230832"/>
+              </a:xfrm>
+              <a:prstGeom prst="rect">
+                <a:avLst/>
+              </a:prstGeom>
+              <a:noFill/>
+            </p:spPr>
+            <p:txBody>
+              <a:bodyPr wrap="square" rtlCol="0">
+                <a:spAutoFit/>
+              </a:bodyPr>
+              <a:lstStyle/>
+              <a:p>
+                <a:pPr algn="ctr"/>
+                <a:r>
+                  <a:rPr lang="en-US" sz="900" dirty="0"/>
+                  <a:t>Sound data</a:t>
+                </a:r>
+              </a:p>
+            </p:txBody>
+          </p:sp>
+          <p:pic>
+            <p:nvPicPr>
+              <p:cNvPr id="37" name="Picture 10" descr="ECE Logos - Elmore Family School of Electrical and Computer Engineering -  Purdue University">
+                <a:extLst>
+                  <a:ext uri="{FF2B5EF4-FFF2-40B4-BE49-F238E27FC236}">
+                    <a16:creationId xmlns:a16="http://schemas.microsoft.com/office/drawing/2014/main" id="{E029815D-AB77-4D48-A98E-669AB1C162F8}"/>
+                  </a:ext>
+                </a:extLst>
+              </p:cNvPr>
+              <p:cNvPicPr>
+                <a:picLocks noChangeAspect="1" noChangeArrowheads="1"/>
+              </p:cNvPicPr>
+              <p:nvPr/>
+            </p:nvPicPr>
+            <p:blipFill>
+              <a:blip r:embed="rId15" cstate="print">
+                <a:extLst>
+                  <a:ext uri="{28A0092B-C50C-407E-A947-70E740481C1C}">
+                    <a14:useLocalDpi xmlns:a14="http://schemas.microsoft.com/office/drawing/2010/main" val="0"/>
+                  </a:ext>
+                </a:extLst>
+              </a:blip>
+              <a:srcRect/>
+              <a:stretch>
+                <a:fillRect/>
+              </a:stretch>
+            </p:blipFill>
+            <p:spPr bwMode="auto">
+              <a:xfrm>
+                <a:off x="1500312" y="2235670"/>
+                <a:ext cx="958149" cy="620402"/>
+              </a:xfrm>
+              <a:prstGeom prst="rect">
+                <a:avLst/>
+              </a:prstGeom>
+              <a:noFill/>
+              <a:extLst>
+                <a:ext uri="{909E8E84-426E-40DD-AFC4-6F175D3DCCD1}">
+                  <a14:hiddenFill xmlns:a14="http://schemas.microsoft.com/office/drawing/2010/main">
+                    <a:solidFill>
+                      <a:srgbClr val="FFFFFF"/>
+                    </a:solidFill>
+                  </a14:hiddenFill>
+                </a:ext>
+              </a:extLst>
+            </p:spPr>
+          </p:pic>
+          <p:pic>
+            <p:nvPicPr>
+              <p:cNvPr id="38" name="Picture 2" descr="National Science Foundation - Wikipedia">
+                <a:extLst>
+                  <a:ext uri="{FF2B5EF4-FFF2-40B4-BE49-F238E27FC236}">
+                    <a16:creationId xmlns:a16="http://schemas.microsoft.com/office/drawing/2014/main" id="{684C00F4-D15E-9CD1-7328-203D7E625AC3}"/>
+                  </a:ext>
+                </a:extLst>
+              </p:cNvPr>
+              <p:cNvPicPr>
+                <a:picLocks noChangeAspect="1" noChangeArrowheads="1"/>
+              </p:cNvPicPr>
+              <p:nvPr/>
+            </p:nvPicPr>
+            <p:blipFill>
+              <a:blip r:embed="rId16" cstate="print">
+                <a:extLst>
+                  <a:ext uri="{28A0092B-C50C-407E-A947-70E740481C1C}">
+                    <a14:useLocalDpi xmlns:a14="http://schemas.microsoft.com/office/drawing/2010/main" val="0"/>
+                  </a:ext>
+                </a:extLst>
+              </a:blip>
+              <a:srcRect/>
+              <a:stretch>
+                <a:fillRect/>
+              </a:stretch>
+            </p:blipFill>
+            <p:spPr bwMode="auto">
+              <a:xfrm>
+                <a:off x="2520171" y="2170528"/>
+                <a:ext cx="746864" cy="750686"/>
+              </a:xfrm>
+              <a:prstGeom prst="rect">
+                <a:avLst/>
+              </a:prstGeom>
+              <a:noFill/>
+              <a:extLst>
+                <a:ext uri="{909E8E84-426E-40DD-AFC4-6F175D3DCCD1}">
+                  <a14:hiddenFill xmlns:a14="http://schemas.microsoft.com/office/drawing/2010/main">
+                    <a:solidFill>
+                      <a:srgbClr val="FFFFFF"/>
+                    </a:solidFill>
+                  </a14:hiddenFill>
+                </a:ext>
+              </a:extLst>
+            </p:spPr>
+          </p:pic>
+          <p:sp>
+            <p:nvSpPr>
+              <p:cNvPr id="39" name="TextBox 38">
+                <a:extLst>
+                  <a:ext uri="{FF2B5EF4-FFF2-40B4-BE49-F238E27FC236}">
+                    <a16:creationId xmlns:a16="http://schemas.microsoft.com/office/drawing/2014/main" id="{A7D0876C-EF6E-03F5-06BF-47F52EF7362F}"/>
+                  </a:ext>
+                </a:extLst>
+              </p:cNvPr>
+              <p:cNvSpPr txBox="1"/>
+              <p:nvPr/>
+            </p:nvSpPr>
+            <p:spPr>
+              <a:xfrm>
+                <a:off x="8121286" y="4716478"/>
+                <a:ext cx="1569941" cy="461665"/>
+              </a:xfrm>
+              <a:prstGeom prst="rect">
+                <a:avLst/>
+              </a:prstGeom>
+              <a:noFill/>
+            </p:spPr>
+            <p:txBody>
+              <a:bodyPr wrap="square" rtlCol="0">
+                <a:spAutoFit/>
+              </a:bodyPr>
+              <a:lstStyle/>
+              <a:p>
+                <a:pPr algn="ctr"/>
+                <a:r>
+                  <a:rPr lang="en-US" sz="1200" b="1" dirty="0"/>
+                  <a:t>Purdue-BOX.COM cloud storage</a:t>
+                </a:r>
+              </a:p>
+            </p:txBody>
+          </p:sp>
+        </p:grpSp>
+      </p:grpSp>
+    </p:spTree>
+    <p:extLst>
+      <p:ext uri="{BB962C8B-B14F-4D97-AF65-F5344CB8AC3E}">
+        <p14:creationId xmlns:p14="http://schemas.microsoft.com/office/powerpoint/2010/main" val="659437855"/>
       </p:ext>
     </p:extLst>
   </p:cSld>
